--- a/BaoCao/Bao cao Nhom (PMNM).pptx
+++ b/BaoCao/Bao cao Nhom (PMNM).pptx
@@ -8,6 +8,16 @@
   </p:sldMasterIdLst>
   <p:sldIdLst>
     <p:sldId id="256" r:id="rId5"/>
+    <p:sldId id="257" r:id="rId6"/>
+    <p:sldId id="258" r:id="rId7"/>
+    <p:sldId id="259" r:id="rId8"/>
+    <p:sldId id="260" r:id="rId9"/>
+    <p:sldId id="261" r:id="rId10"/>
+    <p:sldId id="262" r:id="rId11"/>
+    <p:sldId id="263" r:id="rId12"/>
+    <p:sldId id="264" r:id="rId13"/>
+    <p:sldId id="265" r:id="rId14"/>
+    <p:sldId id="266" r:id="rId15"/>
   </p:sldIdLst>
   <p:sldSz cx="12192000" cy="6858000"/>
   <p:notesSz cx="7559675" cy="10691812"/>
@@ -66,7 +76,7 @@
         <p:spPr>
           <a:xfrm>
             <a:off x="609480" y="273600"/>
-            <a:ext cx="10972080" cy="1144440"/>
+            <a:ext cx="10972440" cy="1144800"/>
           </a:xfrm>
           <a:prstGeom prst="rect">
             <a:avLst/>
@@ -75,10 +85,8 @@
         <p:txBody>
           <a:bodyPr lIns="0" rIns="0" tIns="0" bIns="0" anchor="ctr"/>
           <a:p>
-            <a:endParaRPr b="0" lang="en-US" sz="1800" spc="-1" strike="noStrike">
-              <a:solidFill>
-                <a:srgbClr val="000000"/>
-              </a:solidFill>
+            <a:pPr algn="ctr"/>
+            <a:endParaRPr b="0" lang="en-US" sz="4400" spc="-1" strike="noStrike">
               <a:latin typeface="Arial"/>
             </a:endParaRPr>
           </a:p>
@@ -97,7 +105,7 @@
         <p:spPr>
           <a:xfrm>
             <a:off x="609480" y="1604520"/>
-            <a:ext cx="10972080" cy="1896840"/>
+            <a:ext cx="10972440" cy="1896840"/>
           </a:xfrm>
           <a:prstGeom prst="rect">
             <a:avLst/>
@@ -108,10 +116,7 @@
             <a:normAutofit/>
           </a:bodyPr>
           <a:p>
-            <a:endParaRPr b="0" lang="en-US" sz="2800" spc="-1" strike="noStrike">
-              <a:solidFill>
-                <a:srgbClr val="000000"/>
-              </a:solidFill>
+            <a:endParaRPr b="0" lang="en-US" sz="3200" spc="-1" strike="noStrike">
               <a:latin typeface="Arial"/>
             </a:endParaRPr>
           </a:p>
@@ -130,7 +135,7 @@
         <p:spPr>
           <a:xfrm>
             <a:off x="609480" y="3682080"/>
-            <a:ext cx="10972080" cy="1896840"/>
+            <a:ext cx="10972440" cy="1896840"/>
           </a:xfrm>
           <a:prstGeom prst="rect">
             <a:avLst/>
@@ -141,10 +146,7 @@
             <a:normAutofit/>
           </a:bodyPr>
           <a:p>
-            <a:endParaRPr b="0" lang="en-US" sz="2800" spc="-1" strike="noStrike">
-              <a:solidFill>
-                <a:srgbClr val="000000"/>
-              </a:solidFill>
+            <a:endParaRPr b="0" lang="en-US" sz="3200" spc="-1" strike="noStrike">
               <a:latin typeface="Arial"/>
             </a:endParaRPr>
           </a:p>
@@ -185,7 +187,7 @@
         <p:spPr>
           <a:xfrm>
             <a:off x="609480" y="273600"/>
-            <a:ext cx="10972080" cy="1144440"/>
+            <a:ext cx="10972440" cy="1144800"/>
           </a:xfrm>
           <a:prstGeom prst="rect">
             <a:avLst/>
@@ -194,10 +196,8 @@
         <p:txBody>
           <a:bodyPr lIns="0" rIns="0" tIns="0" bIns="0" anchor="ctr"/>
           <a:p>
-            <a:endParaRPr b="0" lang="en-US" sz="1800" spc="-1" strike="noStrike">
-              <a:solidFill>
-                <a:srgbClr val="000000"/>
-              </a:solidFill>
+            <a:pPr algn="ctr"/>
+            <a:endParaRPr b="0" lang="en-US" sz="4400" spc="-1" strike="noStrike">
               <a:latin typeface="Arial"/>
             </a:endParaRPr>
           </a:p>
@@ -227,10 +227,7 @@
             <a:normAutofit/>
           </a:bodyPr>
           <a:p>
-            <a:endParaRPr b="0" lang="en-US" sz="2800" spc="-1" strike="noStrike">
-              <a:solidFill>
-                <a:srgbClr val="000000"/>
-              </a:solidFill>
+            <a:endParaRPr b="0" lang="en-US" sz="3200" spc="-1" strike="noStrike">
               <a:latin typeface="Arial"/>
             </a:endParaRPr>
           </a:p>
@@ -260,10 +257,7 @@
             <a:normAutofit/>
           </a:bodyPr>
           <a:p>
-            <a:endParaRPr b="0" lang="en-US" sz="2800" spc="-1" strike="noStrike">
-              <a:solidFill>
-                <a:srgbClr val="000000"/>
-              </a:solidFill>
+            <a:endParaRPr b="0" lang="en-US" sz="3200" spc="-1" strike="noStrike">
               <a:latin typeface="Arial"/>
             </a:endParaRPr>
           </a:p>
@@ -293,10 +287,7 @@
             <a:normAutofit/>
           </a:bodyPr>
           <a:p>
-            <a:endParaRPr b="0" lang="en-US" sz="2800" spc="-1" strike="noStrike">
-              <a:solidFill>
-                <a:srgbClr val="000000"/>
-              </a:solidFill>
+            <a:endParaRPr b="0" lang="en-US" sz="3200" spc="-1" strike="noStrike">
               <a:latin typeface="Arial"/>
             </a:endParaRPr>
           </a:p>
@@ -326,10 +317,7 @@
             <a:normAutofit/>
           </a:bodyPr>
           <a:p>
-            <a:endParaRPr b="0" lang="en-US" sz="2800" spc="-1" strike="noStrike">
-              <a:solidFill>
-                <a:srgbClr val="000000"/>
-              </a:solidFill>
+            <a:endParaRPr b="0" lang="en-US" sz="3200" spc="-1" strike="noStrike">
               <a:latin typeface="Arial"/>
             </a:endParaRPr>
           </a:p>
@@ -370,7 +358,7 @@
         <p:spPr>
           <a:xfrm>
             <a:off x="609480" y="273600"/>
-            <a:ext cx="10972080" cy="1144440"/>
+            <a:ext cx="10972440" cy="1144800"/>
           </a:xfrm>
           <a:prstGeom prst="rect">
             <a:avLst/>
@@ -379,10 +367,8 @@
         <p:txBody>
           <a:bodyPr lIns="0" rIns="0" tIns="0" bIns="0" anchor="ctr"/>
           <a:p>
-            <a:endParaRPr b="0" lang="en-US" sz="1800" spc="-1" strike="noStrike">
-              <a:solidFill>
-                <a:srgbClr val="000000"/>
-              </a:solidFill>
+            <a:pPr algn="ctr"/>
+            <a:endParaRPr b="0" lang="en-US" sz="4400" spc="-1" strike="noStrike">
               <a:latin typeface="Arial"/>
             </a:endParaRPr>
           </a:p>
@@ -401,7 +387,7 @@
         <p:spPr>
           <a:xfrm>
             <a:off x="609480" y="1604520"/>
-            <a:ext cx="3532680" cy="1896840"/>
+            <a:ext cx="3533040" cy="1896840"/>
           </a:xfrm>
           <a:prstGeom prst="rect">
             <a:avLst/>
@@ -412,10 +398,7 @@
             <a:normAutofit/>
           </a:bodyPr>
           <a:p>
-            <a:endParaRPr b="0" lang="en-US" sz="2800" spc="-1" strike="noStrike">
-              <a:solidFill>
-                <a:srgbClr val="000000"/>
-              </a:solidFill>
+            <a:endParaRPr b="0" lang="en-US" sz="3200" spc="-1" strike="noStrike">
               <a:latin typeface="Arial"/>
             </a:endParaRPr>
           </a:p>
@@ -433,8 +416,8 @@
         </p:nvSpPr>
         <p:spPr>
           <a:xfrm>
-            <a:off x="4319280" y="1604520"/>
-            <a:ext cx="3532680" cy="1896840"/>
+            <a:off x="4319640" y="1604520"/>
+            <a:ext cx="3533040" cy="1896840"/>
           </a:xfrm>
           <a:prstGeom prst="rect">
             <a:avLst/>
@@ -445,10 +428,7 @@
             <a:normAutofit/>
           </a:bodyPr>
           <a:p>
-            <a:endParaRPr b="0" lang="en-US" sz="2800" spc="-1" strike="noStrike">
-              <a:solidFill>
-                <a:srgbClr val="000000"/>
-              </a:solidFill>
+            <a:endParaRPr b="0" lang="en-US" sz="3200" spc="-1" strike="noStrike">
               <a:latin typeface="Arial"/>
             </a:endParaRPr>
           </a:p>
@@ -466,8 +446,8 @@
         </p:nvSpPr>
         <p:spPr>
           <a:xfrm>
-            <a:off x="8028720" y="1604520"/>
-            <a:ext cx="3532680" cy="1896840"/>
+            <a:off x="8029800" y="1604520"/>
+            <a:ext cx="3533040" cy="1896840"/>
           </a:xfrm>
           <a:prstGeom prst="rect">
             <a:avLst/>
@@ -478,10 +458,7 @@
             <a:normAutofit/>
           </a:bodyPr>
           <a:p>
-            <a:endParaRPr b="0" lang="en-US" sz="2800" spc="-1" strike="noStrike">
-              <a:solidFill>
-                <a:srgbClr val="000000"/>
-              </a:solidFill>
+            <a:endParaRPr b="0" lang="en-US" sz="3200" spc="-1" strike="noStrike">
               <a:latin typeface="Arial"/>
             </a:endParaRPr>
           </a:p>
@@ -500,7 +477,7 @@
         <p:spPr>
           <a:xfrm>
             <a:off x="609480" y="3682080"/>
-            <a:ext cx="3532680" cy="1896840"/>
+            <a:ext cx="3533040" cy="1896840"/>
           </a:xfrm>
           <a:prstGeom prst="rect">
             <a:avLst/>
@@ -511,10 +488,7 @@
             <a:normAutofit/>
           </a:bodyPr>
           <a:p>
-            <a:endParaRPr b="0" lang="en-US" sz="2800" spc="-1" strike="noStrike">
-              <a:solidFill>
-                <a:srgbClr val="000000"/>
-              </a:solidFill>
+            <a:endParaRPr b="0" lang="en-US" sz="3200" spc="-1" strike="noStrike">
               <a:latin typeface="Arial"/>
             </a:endParaRPr>
           </a:p>
@@ -532,8 +506,8 @@
         </p:nvSpPr>
         <p:spPr>
           <a:xfrm>
-            <a:off x="4319280" y="3682080"/>
-            <a:ext cx="3532680" cy="1896840"/>
+            <a:off x="4319640" y="3682080"/>
+            <a:ext cx="3533040" cy="1896840"/>
           </a:xfrm>
           <a:prstGeom prst="rect">
             <a:avLst/>
@@ -544,10 +518,7 @@
             <a:normAutofit/>
           </a:bodyPr>
           <a:p>
-            <a:endParaRPr b="0" lang="en-US" sz="2800" spc="-1" strike="noStrike">
-              <a:solidFill>
-                <a:srgbClr val="000000"/>
-              </a:solidFill>
+            <a:endParaRPr b="0" lang="en-US" sz="3200" spc="-1" strike="noStrike">
               <a:latin typeface="Arial"/>
             </a:endParaRPr>
           </a:p>
@@ -565,8 +536,8 @@
         </p:nvSpPr>
         <p:spPr>
           <a:xfrm>
-            <a:off x="8028720" y="3682080"/>
-            <a:ext cx="3532680" cy="1896840"/>
+            <a:off x="8029800" y="3682080"/>
+            <a:ext cx="3533040" cy="1896840"/>
           </a:xfrm>
           <a:prstGeom prst="rect">
             <a:avLst/>
@@ -577,10 +548,7 @@
             <a:normAutofit/>
           </a:bodyPr>
           <a:p>
-            <a:endParaRPr b="0" lang="en-US" sz="2800" spc="-1" strike="noStrike">
-              <a:solidFill>
-                <a:srgbClr val="000000"/>
-              </a:solidFill>
+            <a:endParaRPr b="0" lang="en-US" sz="3200" spc="-1" strike="noStrike">
               <a:latin typeface="Arial"/>
             </a:endParaRPr>
           </a:p>
@@ -643,7 +611,7 @@
         <p:spPr>
           <a:xfrm>
             <a:off x="609480" y="273600"/>
-            <a:ext cx="10972080" cy="1144440"/>
+            <a:ext cx="10972440" cy="1144800"/>
           </a:xfrm>
           <a:prstGeom prst="rect">
             <a:avLst/>
@@ -652,10 +620,8 @@
         <p:txBody>
           <a:bodyPr lIns="0" rIns="0" tIns="0" bIns="0" anchor="ctr"/>
           <a:p>
-            <a:endParaRPr b="0" lang="en-US" sz="1800" spc="-1" strike="noStrike">
-              <a:solidFill>
-                <a:srgbClr val="000000"/>
-              </a:solidFill>
+            <a:pPr algn="ctr"/>
+            <a:endParaRPr b="0" lang="en-US" sz="4400" spc="-1" strike="noStrike">
               <a:latin typeface="Arial"/>
             </a:endParaRPr>
           </a:p>
@@ -674,7 +640,7 @@
         <p:spPr>
           <a:xfrm>
             <a:off x="609480" y="1604520"/>
-            <a:ext cx="10972080" cy="3976920"/>
+            <a:ext cx="10972440" cy="3977280"/>
           </a:xfrm>
           <a:prstGeom prst="rect">
             <a:avLst/>
@@ -725,7 +691,7 @@
         <p:spPr>
           <a:xfrm>
             <a:off x="609480" y="273600"/>
-            <a:ext cx="10972080" cy="1144440"/>
+            <a:ext cx="10972440" cy="1144800"/>
           </a:xfrm>
           <a:prstGeom prst="rect">
             <a:avLst/>
@@ -734,10 +700,8 @@
         <p:txBody>
           <a:bodyPr lIns="0" rIns="0" tIns="0" bIns="0" anchor="ctr"/>
           <a:p>
-            <a:endParaRPr b="0" lang="en-US" sz="1800" spc="-1" strike="noStrike">
-              <a:solidFill>
-                <a:srgbClr val="000000"/>
-              </a:solidFill>
+            <a:pPr algn="ctr"/>
+            <a:endParaRPr b="0" lang="en-US" sz="4400" spc="-1" strike="noStrike">
               <a:latin typeface="Arial"/>
             </a:endParaRPr>
           </a:p>
@@ -756,7 +720,7 @@
         <p:spPr>
           <a:xfrm>
             <a:off x="609480" y="1604520"/>
-            <a:ext cx="10972080" cy="3976920"/>
+            <a:ext cx="10972440" cy="3977280"/>
           </a:xfrm>
           <a:prstGeom prst="rect">
             <a:avLst/>
@@ -767,10 +731,7 @@
             <a:normAutofit/>
           </a:bodyPr>
           <a:p>
-            <a:endParaRPr b="0" lang="en-US" sz="2800" spc="-1" strike="noStrike">
-              <a:solidFill>
-                <a:srgbClr val="000000"/>
-              </a:solidFill>
+            <a:endParaRPr b="0" lang="en-US" sz="3200" spc="-1" strike="noStrike">
               <a:latin typeface="Arial"/>
             </a:endParaRPr>
           </a:p>
@@ -811,7 +772,7 @@
         <p:spPr>
           <a:xfrm>
             <a:off x="609480" y="273600"/>
-            <a:ext cx="10972080" cy="1144440"/>
+            <a:ext cx="10972440" cy="1144800"/>
           </a:xfrm>
           <a:prstGeom prst="rect">
             <a:avLst/>
@@ -820,10 +781,8 @@
         <p:txBody>
           <a:bodyPr lIns="0" rIns="0" tIns="0" bIns="0" anchor="ctr"/>
           <a:p>
-            <a:endParaRPr b="0" lang="en-US" sz="1800" spc="-1" strike="noStrike">
-              <a:solidFill>
-                <a:srgbClr val="000000"/>
-              </a:solidFill>
+            <a:pPr algn="ctr"/>
+            <a:endParaRPr b="0" lang="en-US" sz="4400" spc="-1" strike="noStrike">
               <a:latin typeface="Arial"/>
             </a:endParaRPr>
           </a:p>
@@ -842,7 +801,7 @@
         <p:spPr>
           <a:xfrm>
             <a:off x="609480" y="1604520"/>
-            <a:ext cx="5354280" cy="3976920"/>
+            <a:ext cx="5354280" cy="3977280"/>
           </a:xfrm>
           <a:prstGeom prst="rect">
             <a:avLst/>
@@ -853,10 +812,7 @@
             <a:normAutofit/>
           </a:bodyPr>
           <a:p>
-            <a:endParaRPr b="0" lang="en-US" sz="2800" spc="-1" strike="noStrike">
-              <a:solidFill>
-                <a:srgbClr val="000000"/>
-              </a:solidFill>
+            <a:endParaRPr b="0" lang="en-US" sz="3200" spc="-1" strike="noStrike">
               <a:latin typeface="Arial"/>
             </a:endParaRPr>
           </a:p>
@@ -875,7 +831,7 @@
         <p:spPr>
           <a:xfrm>
             <a:off x="6231960" y="1604520"/>
-            <a:ext cx="5354280" cy="3976920"/>
+            <a:ext cx="5354280" cy="3977280"/>
           </a:xfrm>
           <a:prstGeom prst="rect">
             <a:avLst/>
@@ -886,10 +842,7 @@
             <a:normAutofit/>
           </a:bodyPr>
           <a:p>
-            <a:endParaRPr b="0" lang="en-US" sz="2800" spc="-1" strike="noStrike">
-              <a:solidFill>
-                <a:srgbClr val="000000"/>
-              </a:solidFill>
+            <a:endParaRPr b="0" lang="en-US" sz="3200" spc="-1" strike="noStrike">
               <a:latin typeface="Arial"/>
             </a:endParaRPr>
           </a:p>
@@ -930,7 +883,7 @@
         <p:spPr>
           <a:xfrm>
             <a:off x="609480" y="273600"/>
-            <a:ext cx="10972080" cy="1144440"/>
+            <a:ext cx="10972440" cy="1144800"/>
           </a:xfrm>
           <a:prstGeom prst="rect">
             <a:avLst/>
@@ -939,10 +892,8 @@
         <p:txBody>
           <a:bodyPr lIns="0" rIns="0" tIns="0" bIns="0" anchor="ctr"/>
           <a:p>
-            <a:endParaRPr b="0" lang="en-US" sz="1800" spc="-1" strike="noStrike">
-              <a:solidFill>
-                <a:srgbClr val="000000"/>
-              </a:solidFill>
+            <a:pPr algn="ctr"/>
+            <a:endParaRPr b="0" lang="en-US" sz="4400" spc="-1" strike="noStrike">
               <a:latin typeface="Arial"/>
             </a:endParaRPr>
           </a:p>
@@ -983,7 +934,7 @@
         <p:spPr>
           <a:xfrm>
             <a:off x="609480" y="273600"/>
-            <a:ext cx="10972080" cy="5306400"/>
+            <a:ext cx="10972440" cy="5307840"/>
           </a:xfrm>
           <a:prstGeom prst="rect">
             <a:avLst/>
@@ -1034,7 +985,7 @@
         <p:spPr>
           <a:xfrm>
             <a:off x="609480" y="273600"/>
-            <a:ext cx="10972080" cy="1144440"/>
+            <a:ext cx="10972440" cy="1144800"/>
           </a:xfrm>
           <a:prstGeom prst="rect">
             <a:avLst/>
@@ -1043,10 +994,8 @@
         <p:txBody>
           <a:bodyPr lIns="0" rIns="0" tIns="0" bIns="0" anchor="ctr"/>
           <a:p>
-            <a:endParaRPr b="0" lang="en-US" sz="1800" spc="-1" strike="noStrike">
-              <a:solidFill>
-                <a:srgbClr val="000000"/>
-              </a:solidFill>
+            <a:pPr algn="ctr"/>
+            <a:endParaRPr b="0" lang="en-US" sz="4400" spc="-1" strike="noStrike">
               <a:latin typeface="Arial"/>
             </a:endParaRPr>
           </a:p>
@@ -1076,10 +1025,7 @@
             <a:normAutofit/>
           </a:bodyPr>
           <a:p>
-            <a:endParaRPr b="0" lang="en-US" sz="2800" spc="-1" strike="noStrike">
-              <a:solidFill>
-                <a:srgbClr val="000000"/>
-              </a:solidFill>
+            <a:endParaRPr b="0" lang="en-US" sz="3200" spc="-1" strike="noStrike">
               <a:latin typeface="Arial"/>
             </a:endParaRPr>
           </a:p>
@@ -1098,7 +1044,7 @@
         <p:spPr>
           <a:xfrm>
             <a:off x="6231960" y="1604520"/>
-            <a:ext cx="5354280" cy="3976920"/>
+            <a:ext cx="5354280" cy="3977280"/>
           </a:xfrm>
           <a:prstGeom prst="rect">
             <a:avLst/>
@@ -1109,10 +1055,7 @@
             <a:normAutofit/>
           </a:bodyPr>
           <a:p>
-            <a:endParaRPr b="0" lang="en-US" sz="2800" spc="-1" strike="noStrike">
-              <a:solidFill>
-                <a:srgbClr val="000000"/>
-              </a:solidFill>
+            <a:endParaRPr b="0" lang="en-US" sz="3200" spc="-1" strike="noStrike">
               <a:latin typeface="Arial"/>
             </a:endParaRPr>
           </a:p>
@@ -1142,10 +1085,7 @@
             <a:normAutofit/>
           </a:bodyPr>
           <a:p>
-            <a:endParaRPr b="0" lang="en-US" sz="2800" spc="-1" strike="noStrike">
-              <a:solidFill>
-                <a:srgbClr val="000000"/>
-              </a:solidFill>
+            <a:endParaRPr b="0" lang="en-US" sz="3200" spc="-1" strike="noStrike">
               <a:latin typeface="Arial"/>
             </a:endParaRPr>
           </a:p>
@@ -1186,7 +1126,7 @@
         <p:spPr>
           <a:xfrm>
             <a:off x="609480" y="273600"/>
-            <a:ext cx="10972080" cy="1144440"/>
+            <a:ext cx="10972440" cy="1144800"/>
           </a:xfrm>
           <a:prstGeom prst="rect">
             <a:avLst/>
@@ -1195,10 +1135,8 @@
         <p:txBody>
           <a:bodyPr lIns="0" rIns="0" tIns="0" bIns="0" anchor="ctr"/>
           <a:p>
-            <a:endParaRPr b="0" lang="en-US" sz="1800" spc="-1" strike="noStrike">
-              <a:solidFill>
-                <a:srgbClr val="000000"/>
-              </a:solidFill>
+            <a:pPr algn="ctr"/>
+            <a:endParaRPr b="0" lang="en-US" sz="4400" spc="-1" strike="noStrike">
               <a:latin typeface="Arial"/>
             </a:endParaRPr>
           </a:p>
@@ -1217,7 +1155,7 @@
         <p:spPr>
           <a:xfrm>
             <a:off x="609480" y="1604520"/>
-            <a:ext cx="10972080" cy="3976920"/>
+            <a:ext cx="10972440" cy="3977280"/>
           </a:xfrm>
           <a:prstGeom prst="rect">
             <a:avLst/>
@@ -1268,7 +1206,7 @@
         <p:spPr>
           <a:xfrm>
             <a:off x="609480" y="273600"/>
-            <a:ext cx="10972080" cy="1144440"/>
+            <a:ext cx="10972440" cy="1144800"/>
           </a:xfrm>
           <a:prstGeom prst="rect">
             <a:avLst/>
@@ -1277,10 +1215,8 @@
         <p:txBody>
           <a:bodyPr lIns="0" rIns="0" tIns="0" bIns="0" anchor="ctr"/>
           <a:p>
-            <a:endParaRPr b="0" lang="en-US" sz="1800" spc="-1" strike="noStrike">
-              <a:solidFill>
-                <a:srgbClr val="000000"/>
-              </a:solidFill>
+            <a:pPr algn="ctr"/>
+            <a:endParaRPr b="0" lang="en-US" sz="4400" spc="-1" strike="noStrike">
               <a:latin typeface="Arial"/>
             </a:endParaRPr>
           </a:p>
@@ -1299,7 +1235,7 @@
         <p:spPr>
           <a:xfrm>
             <a:off x="609480" y="1604520"/>
-            <a:ext cx="5354280" cy="3976920"/>
+            <a:ext cx="5354280" cy="3977280"/>
           </a:xfrm>
           <a:prstGeom prst="rect">
             <a:avLst/>
@@ -1310,10 +1246,7 @@
             <a:normAutofit/>
           </a:bodyPr>
           <a:p>
-            <a:endParaRPr b="0" lang="en-US" sz="2800" spc="-1" strike="noStrike">
-              <a:solidFill>
-                <a:srgbClr val="000000"/>
-              </a:solidFill>
+            <a:endParaRPr b="0" lang="en-US" sz="3200" spc="-1" strike="noStrike">
               <a:latin typeface="Arial"/>
             </a:endParaRPr>
           </a:p>
@@ -1343,10 +1276,7 @@
             <a:normAutofit/>
           </a:bodyPr>
           <a:p>
-            <a:endParaRPr b="0" lang="en-US" sz="2800" spc="-1" strike="noStrike">
-              <a:solidFill>
-                <a:srgbClr val="000000"/>
-              </a:solidFill>
+            <a:endParaRPr b="0" lang="en-US" sz="3200" spc="-1" strike="noStrike">
               <a:latin typeface="Arial"/>
             </a:endParaRPr>
           </a:p>
@@ -1376,10 +1306,7 @@
             <a:normAutofit/>
           </a:bodyPr>
           <a:p>
-            <a:endParaRPr b="0" lang="en-US" sz="2800" spc="-1" strike="noStrike">
-              <a:solidFill>
-                <a:srgbClr val="000000"/>
-              </a:solidFill>
+            <a:endParaRPr b="0" lang="en-US" sz="3200" spc="-1" strike="noStrike">
               <a:latin typeface="Arial"/>
             </a:endParaRPr>
           </a:p>
@@ -1420,7 +1347,7 @@
         <p:spPr>
           <a:xfrm>
             <a:off x="609480" y="273600"/>
-            <a:ext cx="10972080" cy="1144440"/>
+            <a:ext cx="10972440" cy="1144800"/>
           </a:xfrm>
           <a:prstGeom prst="rect">
             <a:avLst/>
@@ -1429,10 +1356,8 @@
         <p:txBody>
           <a:bodyPr lIns="0" rIns="0" tIns="0" bIns="0" anchor="ctr"/>
           <a:p>
-            <a:endParaRPr b="0" lang="en-US" sz="1800" spc="-1" strike="noStrike">
-              <a:solidFill>
-                <a:srgbClr val="000000"/>
-              </a:solidFill>
+            <a:pPr algn="ctr"/>
+            <a:endParaRPr b="0" lang="en-US" sz="4400" spc="-1" strike="noStrike">
               <a:latin typeface="Arial"/>
             </a:endParaRPr>
           </a:p>
@@ -1462,10 +1387,7 @@
             <a:normAutofit/>
           </a:bodyPr>
           <a:p>
-            <a:endParaRPr b="0" lang="en-US" sz="2800" spc="-1" strike="noStrike">
-              <a:solidFill>
-                <a:srgbClr val="000000"/>
-              </a:solidFill>
+            <a:endParaRPr b="0" lang="en-US" sz="3200" spc="-1" strike="noStrike">
               <a:latin typeface="Arial"/>
             </a:endParaRPr>
           </a:p>
@@ -1495,10 +1417,7 @@
             <a:normAutofit/>
           </a:bodyPr>
           <a:p>
-            <a:endParaRPr b="0" lang="en-US" sz="2800" spc="-1" strike="noStrike">
-              <a:solidFill>
-                <a:srgbClr val="000000"/>
-              </a:solidFill>
+            <a:endParaRPr b="0" lang="en-US" sz="3200" spc="-1" strike="noStrike">
               <a:latin typeface="Arial"/>
             </a:endParaRPr>
           </a:p>
@@ -1517,7 +1436,7 @@
         <p:spPr>
           <a:xfrm>
             <a:off x="609480" y="3682080"/>
-            <a:ext cx="10972080" cy="1896840"/>
+            <a:ext cx="10972440" cy="1896840"/>
           </a:xfrm>
           <a:prstGeom prst="rect">
             <a:avLst/>
@@ -1528,10 +1447,7 @@
             <a:normAutofit/>
           </a:bodyPr>
           <a:p>
-            <a:endParaRPr b="0" lang="en-US" sz="2800" spc="-1" strike="noStrike">
-              <a:solidFill>
-                <a:srgbClr val="000000"/>
-              </a:solidFill>
+            <a:endParaRPr b="0" lang="en-US" sz="3200" spc="-1" strike="noStrike">
               <a:latin typeface="Arial"/>
             </a:endParaRPr>
           </a:p>
@@ -1572,7 +1488,7 @@
         <p:spPr>
           <a:xfrm>
             <a:off x="609480" y="273600"/>
-            <a:ext cx="10972080" cy="1144440"/>
+            <a:ext cx="10972440" cy="1144800"/>
           </a:xfrm>
           <a:prstGeom prst="rect">
             <a:avLst/>
@@ -1581,10 +1497,8 @@
         <p:txBody>
           <a:bodyPr lIns="0" rIns="0" tIns="0" bIns="0" anchor="ctr"/>
           <a:p>
-            <a:endParaRPr b="0" lang="en-US" sz="1800" spc="-1" strike="noStrike">
-              <a:solidFill>
-                <a:srgbClr val="000000"/>
-              </a:solidFill>
+            <a:pPr algn="ctr"/>
+            <a:endParaRPr b="0" lang="en-US" sz="4400" spc="-1" strike="noStrike">
               <a:latin typeface="Arial"/>
             </a:endParaRPr>
           </a:p>
@@ -1603,7 +1517,7 @@
         <p:spPr>
           <a:xfrm>
             <a:off x="609480" y="1604520"/>
-            <a:ext cx="10972080" cy="1896840"/>
+            <a:ext cx="10972440" cy="1896840"/>
           </a:xfrm>
           <a:prstGeom prst="rect">
             <a:avLst/>
@@ -1614,10 +1528,7 @@
             <a:normAutofit/>
           </a:bodyPr>
           <a:p>
-            <a:endParaRPr b="0" lang="en-US" sz="2800" spc="-1" strike="noStrike">
-              <a:solidFill>
-                <a:srgbClr val="000000"/>
-              </a:solidFill>
+            <a:endParaRPr b="0" lang="en-US" sz="3200" spc="-1" strike="noStrike">
               <a:latin typeface="Arial"/>
             </a:endParaRPr>
           </a:p>
@@ -1636,7 +1547,7 @@
         <p:spPr>
           <a:xfrm>
             <a:off x="609480" y="3682080"/>
-            <a:ext cx="10972080" cy="1896840"/>
+            <a:ext cx="10972440" cy="1896840"/>
           </a:xfrm>
           <a:prstGeom prst="rect">
             <a:avLst/>
@@ -1647,10 +1558,7 @@
             <a:normAutofit/>
           </a:bodyPr>
           <a:p>
-            <a:endParaRPr b="0" lang="en-US" sz="2800" spc="-1" strike="noStrike">
-              <a:solidFill>
-                <a:srgbClr val="000000"/>
-              </a:solidFill>
+            <a:endParaRPr b="0" lang="en-US" sz="3200" spc="-1" strike="noStrike">
               <a:latin typeface="Arial"/>
             </a:endParaRPr>
           </a:p>
@@ -1691,7 +1599,7 @@
         <p:spPr>
           <a:xfrm>
             <a:off x="609480" y="273600"/>
-            <a:ext cx="10972080" cy="1144440"/>
+            <a:ext cx="10972440" cy="1144800"/>
           </a:xfrm>
           <a:prstGeom prst="rect">
             <a:avLst/>
@@ -1700,10 +1608,8 @@
         <p:txBody>
           <a:bodyPr lIns="0" rIns="0" tIns="0" bIns="0" anchor="ctr"/>
           <a:p>
-            <a:endParaRPr b="0" lang="en-US" sz="1800" spc="-1" strike="noStrike">
-              <a:solidFill>
-                <a:srgbClr val="000000"/>
-              </a:solidFill>
+            <a:pPr algn="ctr"/>
+            <a:endParaRPr b="0" lang="en-US" sz="4400" spc="-1" strike="noStrike">
               <a:latin typeface="Arial"/>
             </a:endParaRPr>
           </a:p>
@@ -1733,10 +1639,7 @@
             <a:normAutofit/>
           </a:bodyPr>
           <a:p>
-            <a:endParaRPr b="0" lang="en-US" sz="2800" spc="-1" strike="noStrike">
-              <a:solidFill>
-                <a:srgbClr val="000000"/>
-              </a:solidFill>
+            <a:endParaRPr b="0" lang="en-US" sz="3200" spc="-1" strike="noStrike">
               <a:latin typeface="Arial"/>
             </a:endParaRPr>
           </a:p>
@@ -1766,10 +1669,7 @@
             <a:normAutofit/>
           </a:bodyPr>
           <a:p>
-            <a:endParaRPr b="0" lang="en-US" sz="2800" spc="-1" strike="noStrike">
-              <a:solidFill>
-                <a:srgbClr val="000000"/>
-              </a:solidFill>
+            <a:endParaRPr b="0" lang="en-US" sz="3200" spc="-1" strike="noStrike">
               <a:latin typeface="Arial"/>
             </a:endParaRPr>
           </a:p>
@@ -1799,10 +1699,7 @@
             <a:normAutofit/>
           </a:bodyPr>
           <a:p>
-            <a:endParaRPr b="0" lang="en-US" sz="2800" spc="-1" strike="noStrike">
-              <a:solidFill>
-                <a:srgbClr val="000000"/>
-              </a:solidFill>
+            <a:endParaRPr b="0" lang="en-US" sz="3200" spc="-1" strike="noStrike">
               <a:latin typeface="Arial"/>
             </a:endParaRPr>
           </a:p>
@@ -1832,10 +1729,7 @@
             <a:normAutofit/>
           </a:bodyPr>
           <a:p>
-            <a:endParaRPr b="0" lang="en-US" sz="2800" spc="-1" strike="noStrike">
-              <a:solidFill>
-                <a:srgbClr val="000000"/>
-              </a:solidFill>
+            <a:endParaRPr b="0" lang="en-US" sz="3200" spc="-1" strike="noStrike">
               <a:latin typeface="Arial"/>
             </a:endParaRPr>
           </a:p>
@@ -1876,7 +1770,7 @@
         <p:spPr>
           <a:xfrm>
             <a:off x="609480" y="273600"/>
-            <a:ext cx="10972080" cy="1144440"/>
+            <a:ext cx="10972440" cy="1144800"/>
           </a:xfrm>
           <a:prstGeom prst="rect">
             <a:avLst/>
@@ -1885,10 +1779,8 @@
         <p:txBody>
           <a:bodyPr lIns="0" rIns="0" tIns="0" bIns="0" anchor="ctr"/>
           <a:p>
-            <a:endParaRPr b="0" lang="en-US" sz="1800" spc="-1" strike="noStrike">
-              <a:solidFill>
-                <a:srgbClr val="000000"/>
-              </a:solidFill>
+            <a:pPr algn="ctr"/>
+            <a:endParaRPr b="0" lang="en-US" sz="4400" spc="-1" strike="noStrike">
               <a:latin typeface="Arial"/>
             </a:endParaRPr>
           </a:p>
@@ -1907,7 +1799,7 @@
         <p:spPr>
           <a:xfrm>
             <a:off x="609480" y="1604520"/>
-            <a:ext cx="3532680" cy="1896840"/>
+            <a:ext cx="3533040" cy="1896840"/>
           </a:xfrm>
           <a:prstGeom prst="rect">
             <a:avLst/>
@@ -1918,10 +1810,7 @@
             <a:normAutofit/>
           </a:bodyPr>
           <a:p>
-            <a:endParaRPr b="0" lang="en-US" sz="2800" spc="-1" strike="noStrike">
-              <a:solidFill>
-                <a:srgbClr val="000000"/>
-              </a:solidFill>
+            <a:endParaRPr b="0" lang="en-US" sz="3200" spc="-1" strike="noStrike">
               <a:latin typeface="Arial"/>
             </a:endParaRPr>
           </a:p>
@@ -1939,8 +1828,8 @@
         </p:nvSpPr>
         <p:spPr>
           <a:xfrm>
-            <a:off x="4319280" y="1604520"/>
-            <a:ext cx="3532680" cy="1896840"/>
+            <a:off x="4319640" y="1604520"/>
+            <a:ext cx="3533040" cy="1896840"/>
           </a:xfrm>
           <a:prstGeom prst="rect">
             <a:avLst/>
@@ -1951,10 +1840,7 @@
             <a:normAutofit/>
           </a:bodyPr>
           <a:p>
-            <a:endParaRPr b="0" lang="en-US" sz="2800" spc="-1" strike="noStrike">
-              <a:solidFill>
-                <a:srgbClr val="000000"/>
-              </a:solidFill>
+            <a:endParaRPr b="0" lang="en-US" sz="3200" spc="-1" strike="noStrike">
               <a:latin typeface="Arial"/>
             </a:endParaRPr>
           </a:p>
@@ -1972,8 +1858,8 @@
         </p:nvSpPr>
         <p:spPr>
           <a:xfrm>
-            <a:off x="8028720" y="1604520"/>
-            <a:ext cx="3532680" cy="1896840"/>
+            <a:off x="8029800" y="1604520"/>
+            <a:ext cx="3533040" cy="1896840"/>
           </a:xfrm>
           <a:prstGeom prst="rect">
             <a:avLst/>
@@ -1984,10 +1870,7 @@
             <a:normAutofit/>
           </a:bodyPr>
           <a:p>
-            <a:endParaRPr b="0" lang="en-US" sz="2800" spc="-1" strike="noStrike">
-              <a:solidFill>
-                <a:srgbClr val="000000"/>
-              </a:solidFill>
+            <a:endParaRPr b="0" lang="en-US" sz="3200" spc="-1" strike="noStrike">
               <a:latin typeface="Arial"/>
             </a:endParaRPr>
           </a:p>
@@ -2006,7 +1889,7 @@
         <p:spPr>
           <a:xfrm>
             <a:off x="609480" y="3682080"/>
-            <a:ext cx="3532680" cy="1896840"/>
+            <a:ext cx="3533040" cy="1896840"/>
           </a:xfrm>
           <a:prstGeom prst="rect">
             <a:avLst/>
@@ -2017,10 +1900,7 @@
             <a:normAutofit/>
           </a:bodyPr>
           <a:p>
-            <a:endParaRPr b="0" lang="en-US" sz="2800" spc="-1" strike="noStrike">
-              <a:solidFill>
-                <a:srgbClr val="000000"/>
-              </a:solidFill>
+            <a:endParaRPr b="0" lang="en-US" sz="3200" spc="-1" strike="noStrike">
               <a:latin typeface="Arial"/>
             </a:endParaRPr>
           </a:p>
@@ -2038,8 +1918,8 @@
         </p:nvSpPr>
         <p:spPr>
           <a:xfrm>
-            <a:off x="4319280" y="3682080"/>
-            <a:ext cx="3532680" cy="1896840"/>
+            <a:off x="4319640" y="3682080"/>
+            <a:ext cx="3533040" cy="1896840"/>
           </a:xfrm>
           <a:prstGeom prst="rect">
             <a:avLst/>
@@ -2050,10 +1930,7 @@
             <a:normAutofit/>
           </a:bodyPr>
           <a:p>
-            <a:endParaRPr b="0" lang="en-US" sz="2800" spc="-1" strike="noStrike">
-              <a:solidFill>
-                <a:srgbClr val="000000"/>
-              </a:solidFill>
+            <a:endParaRPr b="0" lang="en-US" sz="3200" spc="-1" strike="noStrike">
               <a:latin typeface="Arial"/>
             </a:endParaRPr>
           </a:p>
@@ -2071,8 +1948,8 @@
         </p:nvSpPr>
         <p:spPr>
           <a:xfrm>
-            <a:off x="8028720" y="3682080"/>
-            <a:ext cx="3532680" cy="1896840"/>
+            <a:off x="8029800" y="3682080"/>
+            <a:ext cx="3533040" cy="1896840"/>
           </a:xfrm>
           <a:prstGeom prst="rect">
             <a:avLst/>
@@ -2083,10 +1960,7 @@
             <a:normAutofit/>
           </a:bodyPr>
           <a:p>
-            <a:endParaRPr b="0" lang="en-US" sz="2800" spc="-1" strike="noStrike">
-              <a:solidFill>
-                <a:srgbClr val="000000"/>
-              </a:solidFill>
+            <a:endParaRPr b="0" lang="en-US" sz="3200" spc="-1" strike="noStrike">
               <a:latin typeface="Arial"/>
             </a:endParaRPr>
           </a:p>
@@ -2149,7 +2023,7 @@
         <p:spPr>
           <a:xfrm>
             <a:off x="609480" y="273600"/>
-            <a:ext cx="10972080" cy="1144440"/>
+            <a:ext cx="10972440" cy="1144800"/>
           </a:xfrm>
           <a:prstGeom prst="rect">
             <a:avLst/>
@@ -2158,10 +2032,8 @@
         <p:txBody>
           <a:bodyPr lIns="0" rIns="0" tIns="0" bIns="0" anchor="ctr"/>
           <a:p>
-            <a:endParaRPr b="0" lang="en-US" sz="1800" spc="-1" strike="noStrike">
-              <a:solidFill>
-                <a:srgbClr val="000000"/>
-              </a:solidFill>
+            <a:pPr algn="ctr"/>
+            <a:endParaRPr b="0" lang="en-US" sz="4400" spc="-1" strike="noStrike">
               <a:latin typeface="Arial"/>
             </a:endParaRPr>
           </a:p>
@@ -2180,7 +2052,7 @@
         <p:spPr>
           <a:xfrm>
             <a:off x="609480" y="1604520"/>
-            <a:ext cx="10972080" cy="3976920"/>
+            <a:ext cx="10972440" cy="3977280"/>
           </a:xfrm>
           <a:prstGeom prst="rect">
             <a:avLst/>
@@ -2231,7 +2103,7 @@
         <p:spPr>
           <a:xfrm>
             <a:off x="609480" y="273600"/>
-            <a:ext cx="10972080" cy="1144440"/>
+            <a:ext cx="10972440" cy="1144800"/>
           </a:xfrm>
           <a:prstGeom prst="rect">
             <a:avLst/>
@@ -2240,10 +2112,8 @@
         <p:txBody>
           <a:bodyPr lIns="0" rIns="0" tIns="0" bIns="0" anchor="ctr"/>
           <a:p>
-            <a:endParaRPr b="0" lang="en-US" sz="1800" spc="-1" strike="noStrike">
-              <a:solidFill>
-                <a:srgbClr val="000000"/>
-              </a:solidFill>
+            <a:pPr algn="ctr"/>
+            <a:endParaRPr b="0" lang="en-US" sz="4400" spc="-1" strike="noStrike">
               <a:latin typeface="Arial"/>
             </a:endParaRPr>
           </a:p>
@@ -2262,7 +2132,7 @@
         <p:spPr>
           <a:xfrm>
             <a:off x="609480" y="1604520"/>
-            <a:ext cx="10972080" cy="3976920"/>
+            <a:ext cx="10972440" cy="3977280"/>
           </a:xfrm>
           <a:prstGeom prst="rect">
             <a:avLst/>
@@ -2273,10 +2143,7 @@
             <a:normAutofit/>
           </a:bodyPr>
           <a:p>
-            <a:endParaRPr b="0" lang="en-US" sz="2800" spc="-1" strike="noStrike">
-              <a:solidFill>
-                <a:srgbClr val="000000"/>
-              </a:solidFill>
+            <a:endParaRPr b="0" lang="en-US" sz="3200" spc="-1" strike="noStrike">
               <a:latin typeface="Arial"/>
             </a:endParaRPr>
           </a:p>
@@ -2317,7 +2184,7 @@
         <p:spPr>
           <a:xfrm>
             <a:off x="609480" y="273600"/>
-            <a:ext cx="10972080" cy="1144440"/>
+            <a:ext cx="10972440" cy="1144800"/>
           </a:xfrm>
           <a:prstGeom prst="rect">
             <a:avLst/>
@@ -2326,10 +2193,8 @@
         <p:txBody>
           <a:bodyPr lIns="0" rIns="0" tIns="0" bIns="0" anchor="ctr"/>
           <a:p>
-            <a:endParaRPr b="0" lang="en-US" sz="1800" spc="-1" strike="noStrike">
-              <a:solidFill>
-                <a:srgbClr val="000000"/>
-              </a:solidFill>
+            <a:pPr algn="ctr"/>
+            <a:endParaRPr b="0" lang="en-US" sz="4400" spc="-1" strike="noStrike">
               <a:latin typeface="Arial"/>
             </a:endParaRPr>
           </a:p>
@@ -2348,7 +2213,7 @@
         <p:spPr>
           <a:xfrm>
             <a:off x="609480" y="1604520"/>
-            <a:ext cx="5354280" cy="3976920"/>
+            <a:ext cx="5354280" cy="3977280"/>
           </a:xfrm>
           <a:prstGeom prst="rect">
             <a:avLst/>
@@ -2359,10 +2224,7 @@
             <a:normAutofit/>
           </a:bodyPr>
           <a:p>
-            <a:endParaRPr b="0" lang="en-US" sz="2800" spc="-1" strike="noStrike">
-              <a:solidFill>
-                <a:srgbClr val="000000"/>
-              </a:solidFill>
+            <a:endParaRPr b="0" lang="en-US" sz="3200" spc="-1" strike="noStrike">
               <a:latin typeface="Arial"/>
             </a:endParaRPr>
           </a:p>
@@ -2381,7 +2243,7 @@
         <p:spPr>
           <a:xfrm>
             <a:off x="6231960" y="1604520"/>
-            <a:ext cx="5354280" cy="3976920"/>
+            <a:ext cx="5354280" cy="3977280"/>
           </a:xfrm>
           <a:prstGeom prst="rect">
             <a:avLst/>
@@ -2392,10 +2254,7 @@
             <a:normAutofit/>
           </a:bodyPr>
           <a:p>
-            <a:endParaRPr b="0" lang="en-US" sz="2800" spc="-1" strike="noStrike">
-              <a:solidFill>
-                <a:srgbClr val="000000"/>
-              </a:solidFill>
+            <a:endParaRPr b="0" lang="en-US" sz="3200" spc="-1" strike="noStrike">
               <a:latin typeface="Arial"/>
             </a:endParaRPr>
           </a:p>
@@ -2436,7 +2295,7 @@
         <p:spPr>
           <a:xfrm>
             <a:off x="609480" y="273600"/>
-            <a:ext cx="10972080" cy="1144440"/>
+            <a:ext cx="10972440" cy="1144800"/>
           </a:xfrm>
           <a:prstGeom prst="rect">
             <a:avLst/>
@@ -2445,10 +2304,8 @@
         <p:txBody>
           <a:bodyPr lIns="0" rIns="0" tIns="0" bIns="0" anchor="ctr"/>
           <a:p>
-            <a:endParaRPr b="0" lang="en-US" sz="1800" spc="-1" strike="noStrike">
-              <a:solidFill>
-                <a:srgbClr val="000000"/>
-              </a:solidFill>
+            <a:pPr algn="ctr"/>
+            <a:endParaRPr b="0" lang="en-US" sz="4400" spc="-1" strike="noStrike">
               <a:latin typeface="Arial"/>
             </a:endParaRPr>
           </a:p>
@@ -2489,7 +2346,7 @@
         <p:spPr>
           <a:xfrm>
             <a:off x="609480" y="273600"/>
-            <a:ext cx="10972080" cy="1144440"/>
+            <a:ext cx="10972440" cy="1144800"/>
           </a:xfrm>
           <a:prstGeom prst="rect">
             <a:avLst/>
@@ -2498,10 +2355,8 @@
         <p:txBody>
           <a:bodyPr lIns="0" rIns="0" tIns="0" bIns="0" anchor="ctr"/>
           <a:p>
-            <a:endParaRPr b="0" lang="en-US" sz="1800" spc="-1" strike="noStrike">
-              <a:solidFill>
-                <a:srgbClr val="000000"/>
-              </a:solidFill>
+            <a:pPr algn="ctr"/>
+            <a:endParaRPr b="0" lang="en-US" sz="4400" spc="-1" strike="noStrike">
               <a:latin typeface="Arial"/>
             </a:endParaRPr>
           </a:p>
@@ -2520,7 +2375,7 @@
         <p:spPr>
           <a:xfrm>
             <a:off x="609480" y="1604520"/>
-            <a:ext cx="10972080" cy="3976920"/>
+            <a:ext cx="10972440" cy="3977280"/>
           </a:xfrm>
           <a:prstGeom prst="rect">
             <a:avLst/>
@@ -2531,10 +2386,7 @@
             <a:normAutofit/>
           </a:bodyPr>
           <a:p>
-            <a:endParaRPr b="0" lang="en-US" sz="2800" spc="-1" strike="noStrike">
-              <a:solidFill>
-                <a:srgbClr val="000000"/>
-              </a:solidFill>
+            <a:endParaRPr b="0" lang="en-US" sz="3200" spc="-1" strike="noStrike">
               <a:latin typeface="Arial"/>
             </a:endParaRPr>
           </a:p>
@@ -2575,7 +2427,7 @@
         <p:spPr>
           <a:xfrm>
             <a:off x="609480" y="273600"/>
-            <a:ext cx="10972080" cy="5306400"/>
+            <a:ext cx="10972440" cy="5307840"/>
           </a:xfrm>
           <a:prstGeom prst="rect">
             <a:avLst/>
@@ -2626,7 +2478,7 @@
         <p:spPr>
           <a:xfrm>
             <a:off x="609480" y="273600"/>
-            <a:ext cx="10972080" cy="1144440"/>
+            <a:ext cx="10972440" cy="1144800"/>
           </a:xfrm>
           <a:prstGeom prst="rect">
             <a:avLst/>
@@ -2635,10 +2487,8 @@
         <p:txBody>
           <a:bodyPr lIns="0" rIns="0" tIns="0" bIns="0" anchor="ctr"/>
           <a:p>
-            <a:endParaRPr b="0" lang="en-US" sz="1800" spc="-1" strike="noStrike">
-              <a:solidFill>
-                <a:srgbClr val="000000"/>
-              </a:solidFill>
+            <a:pPr algn="ctr"/>
+            <a:endParaRPr b="0" lang="en-US" sz="4400" spc="-1" strike="noStrike">
               <a:latin typeface="Arial"/>
             </a:endParaRPr>
           </a:p>
@@ -2668,10 +2518,7 @@
             <a:normAutofit/>
           </a:bodyPr>
           <a:p>
-            <a:endParaRPr b="0" lang="en-US" sz="2800" spc="-1" strike="noStrike">
-              <a:solidFill>
-                <a:srgbClr val="000000"/>
-              </a:solidFill>
+            <a:endParaRPr b="0" lang="en-US" sz="3200" spc="-1" strike="noStrike">
               <a:latin typeface="Arial"/>
             </a:endParaRPr>
           </a:p>
@@ -2690,7 +2537,7 @@
         <p:spPr>
           <a:xfrm>
             <a:off x="6231960" y="1604520"/>
-            <a:ext cx="5354280" cy="3976920"/>
+            <a:ext cx="5354280" cy="3977280"/>
           </a:xfrm>
           <a:prstGeom prst="rect">
             <a:avLst/>
@@ -2701,10 +2548,7 @@
             <a:normAutofit/>
           </a:bodyPr>
           <a:p>
-            <a:endParaRPr b="0" lang="en-US" sz="2800" spc="-1" strike="noStrike">
-              <a:solidFill>
-                <a:srgbClr val="000000"/>
-              </a:solidFill>
+            <a:endParaRPr b="0" lang="en-US" sz="3200" spc="-1" strike="noStrike">
               <a:latin typeface="Arial"/>
             </a:endParaRPr>
           </a:p>
@@ -2734,10 +2578,7 @@
             <a:normAutofit/>
           </a:bodyPr>
           <a:p>
-            <a:endParaRPr b="0" lang="en-US" sz="2800" spc="-1" strike="noStrike">
-              <a:solidFill>
-                <a:srgbClr val="000000"/>
-              </a:solidFill>
+            <a:endParaRPr b="0" lang="en-US" sz="3200" spc="-1" strike="noStrike">
               <a:latin typeface="Arial"/>
             </a:endParaRPr>
           </a:p>
@@ -2778,7 +2619,7 @@
         <p:spPr>
           <a:xfrm>
             <a:off x="609480" y="273600"/>
-            <a:ext cx="10972080" cy="1144440"/>
+            <a:ext cx="10972440" cy="1144800"/>
           </a:xfrm>
           <a:prstGeom prst="rect">
             <a:avLst/>
@@ -2787,10 +2628,8 @@
         <p:txBody>
           <a:bodyPr lIns="0" rIns="0" tIns="0" bIns="0" anchor="ctr"/>
           <a:p>
-            <a:endParaRPr b="0" lang="en-US" sz="1800" spc="-1" strike="noStrike">
-              <a:solidFill>
-                <a:srgbClr val="000000"/>
-              </a:solidFill>
+            <a:pPr algn="ctr"/>
+            <a:endParaRPr b="0" lang="en-US" sz="4400" spc="-1" strike="noStrike">
               <a:latin typeface="Arial"/>
             </a:endParaRPr>
           </a:p>
@@ -2809,7 +2648,7 @@
         <p:spPr>
           <a:xfrm>
             <a:off x="609480" y="1604520"/>
-            <a:ext cx="5354280" cy="3976920"/>
+            <a:ext cx="5354280" cy="3977280"/>
           </a:xfrm>
           <a:prstGeom prst="rect">
             <a:avLst/>
@@ -2820,10 +2659,7 @@
             <a:normAutofit/>
           </a:bodyPr>
           <a:p>
-            <a:endParaRPr b="0" lang="en-US" sz="2800" spc="-1" strike="noStrike">
-              <a:solidFill>
-                <a:srgbClr val="000000"/>
-              </a:solidFill>
+            <a:endParaRPr b="0" lang="en-US" sz="3200" spc="-1" strike="noStrike">
               <a:latin typeface="Arial"/>
             </a:endParaRPr>
           </a:p>
@@ -2853,10 +2689,7 @@
             <a:normAutofit/>
           </a:bodyPr>
           <a:p>
-            <a:endParaRPr b="0" lang="en-US" sz="2800" spc="-1" strike="noStrike">
-              <a:solidFill>
-                <a:srgbClr val="000000"/>
-              </a:solidFill>
+            <a:endParaRPr b="0" lang="en-US" sz="3200" spc="-1" strike="noStrike">
               <a:latin typeface="Arial"/>
             </a:endParaRPr>
           </a:p>
@@ -2886,10 +2719,7 @@
             <a:normAutofit/>
           </a:bodyPr>
           <a:p>
-            <a:endParaRPr b="0" lang="en-US" sz="2800" spc="-1" strike="noStrike">
-              <a:solidFill>
-                <a:srgbClr val="000000"/>
-              </a:solidFill>
+            <a:endParaRPr b="0" lang="en-US" sz="3200" spc="-1" strike="noStrike">
               <a:latin typeface="Arial"/>
             </a:endParaRPr>
           </a:p>
@@ -2930,7 +2760,7 @@
         <p:spPr>
           <a:xfrm>
             <a:off x="609480" y="273600"/>
-            <a:ext cx="10972080" cy="1144440"/>
+            <a:ext cx="10972440" cy="1144800"/>
           </a:xfrm>
           <a:prstGeom prst="rect">
             <a:avLst/>
@@ -2939,10 +2769,8 @@
         <p:txBody>
           <a:bodyPr lIns="0" rIns="0" tIns="0" bIns="0" anchor="ctr"/>
           <a:p>
-            <a:endParaRPr b="0" lang="en-US" sz="1800" spc="-1" strike="noStrike">
-              <a:solidFill>
-                <a:srgbClr val="000000"/>
-              </a:solidFill>
+            <a:pPr algn="ctr"/>
+            <a:endParaRPr b="0" lang="en-US" sz="4400" spc="-1" strike="noStrike">
               <a:latin typeface="Arial"/>
             </a:endParaRPr>
           </a:p>
@@ -2972,10 +2800,7 @@
             <a:normAutofit/>
           </a:bodyPr>
           <a:p>
-            <a:endParaRPr b="0" lang="en-US" sz="2800" spc="-1" strike="noStrike">
-              <a:solidFill>
-                <a:srgbClr val="000000"/>
-              </a:solidFill>
+            <a:endParaRPr b="0" lang="en-US" sz="3200" spc="-1" strike="noStrike">
               <a:latin typeface="Arial"/>
             </a:endParaRPr>
           </a:p>
@@ -3005,10 +2830,7 @@
             <a:normAutofit/>
           </a:bodyPr>
           <a:p>
-            <a:endParaRPr b="0" lang="en-US" sz="2800" spc="-1" strike="noStrike">
-              <a:solidFill>
-                <a:srgbClr val="000000"/>
-              </a:solidFill>
+            <a:endParaRPr b="0" lang="en-US" sz="3200" spc="-1" strike="noStrike">
               <a:latin typeface="Arial"/>
             </a:endParaRPr>
           </a:p>
@@ -3027,7 +2849,7 @@
         <p:spPr>
           <a:xfrm>
             <a:off x="609480" y="3682080"/>
-            <a:ext cx="10972080" cy="1896840"/>
+            <a:ext cx="10972440" cy="1896840"/>
           </a:xfrm>
           <a:prstGeom prst="rect">
             <a:avLst/>
@@ -3038,10 +2860,7 @@
             <a:normAutofit/>
           </a:bodyPr>
           <a:p>
-            <a:endParaRPr b="0" lang="en-US" sz="2800" spc="-1" strike="noStrike">
-              <a:solidFill>
-                <a:srgbClr val="000000"/>
-              </a:solidFill>
+            <a:endParaRPr b="0" lang="en-US" sz="3200" spc="-1" strike="noStrike">
               <a:latin typeface="Arial"/>
             </a:endParaRPr>
           </a:p>
@@ -3082,7 +2901,7 @@
         <p:spPr>
           <a:xfrm>
             <a:off x="609480" y="273600"/>
-            <a:ext cx="10972080" cy="1144440"/>
+            <a:ext cx="10972440" cy="1144800"/>
           </a:xfrm>
           <a:prstGeom prst="rect">
             <a:avLst/>
@@ -3091,10 +2910,8 @@
         <p:txBody>
           <a:bodyPr lIns="0" rIns="0" tIns="0" bIns="0" anchor="ctr"/>
           <a:p>
-            <a:endParaRPr b="0" lang="en-US" sz="1800" spc="-1" strike="noStrike">
-              <a:solidFill>
-                <a:srgbClr val="000000"/>
-              </a:solidFill>
+            <a:pPr algn="ctr"/>
+            <a:endParaRPr b="0" lang="en-US" sz="4400" spc="-1" strike="noStrike">
               <a:latin typeface="Arial"/>
             </a:endParaRPr>
           </a:p>
@@ -3113,7 +2930,7 @@
         <p:spPr>
           <a:xfrm>
             <a:off x="609480" y="1604520"/>
-            <a:ext cx="10972080" cy="1896840"/>
+            <a:ext cx="10972440" cy="1896840"/>
           </a:xfrm>
           <a:prstGeom prst="rect">
             <a:avLst/>
@@ -3124,10 +2941,7 @@
             <a:normAutofit/>
           </a:bodyPr>
           <a:p>
-            <a:endParaRPr b="0" lang="en-US" sz="2800" spc="-1" strike="noStrike">
-              <a:solidFill>
-                <a:srgbClr val="000000"/>
-              </a:solidFill>
+            <a:endParaRPr b="0" lang="en-US" sz="3200" spc="-1" strike="noStrike">
               <a:latin typeface="Arial"/>
             </a:endParaRPr>
           </a:p>
@@ -3146,7 +2960,7 @@
         <p:spPr>
           <a:xfrm>
             <a:off x="609480" y="3682080"/>
-            <a:ext cx="10972080" cy="1896840"/>
+            <a:ext cx="10972440" cy="1896840"/>
           </a:xfrm>
           <a:prstGeom prst="rect">
             <a:avLst/>
@@ -3157,10 +2971,7 @@
             <a:normAutofit/>
           </a:bodyPr>
           <a:p>
-            <a:endParaRPr b="0" lang="en-US" sz="2800" spc="-1" strike="noStrike">
-              <a:solidFill>
-                <a:srgbClr val="000000"/>
-              </a:solidFill>
+            <a:endParaRPr b="0" lang="en-US" sz="3200" spc="-1" strike="noStrike">
               <a:latin typeface="Arial"/>
             </a:endParaRPr>
           </a:p>
@@ -3201,7 +3012,7 @@
         <p:spPr>
           <a:xfrm>
             <a:off x="609480" y="273600"/>
-            <a:ext cx="10972080" cy="1144440"/>
+            <a:ext cx="10972440" cy="1144800"/>
           </a:xfrm>
           <a:prstGeom prst="rect">
             <a:avLst/>
@@ -3210,10 +3021,8 @@
         <p:txBody>
           <a:bodyPr lIns="0" rIns="0" tIns="0" bIns="0" anchor="ctr"/>
           <a:p>
-            <a:endParaRPr b="0" lang="en-US" sz="1800" spc="-1" strike="noStrike">
-              <a:solidFill>
-                <a:srgbClr val="000000"/>
-              </a:solidFill>
+            <a:pPr algn="ctr"/>
+            <a:endParaRPr b="0" lang="en-US" sz="4400" spc="-1" strike="noStrike">
               <a:latin typeface="Arial"/>
             </a:endParaRPr>
           </a:p>
@@ -3243,10 +3052,7 @@
             <a:normAutofit/>
           </a:bodyPr>
           <a:p>
-            <a:endParaRPr b="0" lang="en-US" sz="2800" spc="-1" strike="noStrike">
-              <a:solidFill>
-                <a:srgbClr val="000000"/>
-              </a:solidFill>
+            <a:endParaRPr b="0" lang="en-US" sz="3200" spc="-1" strike="noStrike">
               <a:latin typeface="Arial"/>
             </a:endParaRPr>
           </a:p>
@@ -3276,10 +3082,7 @@
             <a:normAutofit/>
           </a:bodyPr>
           <a:p>
-            <a:endParaRPr b="0" lang="en-US" sz="2800" spc="-1" strike="noStrike">
-              <a:solidFill>
-                <a:srgbClr val="000000"/>
-              </a:solidFill>
+            <a:endParaRPr b="0" lang="en-US" sz="3200" spc="-1" strike="noStrike">
               <a:latin typeface="Arial"/>
             </a:endParaRPr>
           </a:p>
@@ -3309,10 +3112,7 @@
             <a:normAutofit/>
           </a:bodyPr>
           <a:p>
-            <a:endParaRPr b="0" lang="en-US" sz="2800" spc="-1" strike="noStrike">
-              <a:solidFill>
-                <a:srgbClr val="000000"/>
-              </a:solidFill>
+            <a:endParaRPr b="0" lang="en-US" sz="3200" spc="-1" strike="noStrike">
               <a:latin typeface="Arial"/>
             </a:endParaRPr>
           </a:p>
@@ -3342,10 +3142,7 @@
             <a:normAutofit/>
           </a:bodyPr>
           <a:p>
-            <a:endParaRPr b="0" lang="en-US" sz="2800" spc="-1" strike="noStrike">
-              <a:solidFill>
-                <a:srgbClr val="000000"/>
-              </a:solidFill>
+            <a:endParaRPr b="0" lang="en-US" sz="3200" spc="-1" strike="noStrike">
               <a:latin typeface="Arial"/>
             </a:endParaRPr>
           </a:p>
@@ -3386,7 +3183,7 @@
         <p:spPr>
           <a:xfrm>
             <a:off x="609480" y="273600"/>
-            <a:ext cx="10972080" cy="1144440"/>
+            <a:ext cx="10972440" cy="1144800"/>
           </a:xfrm>
           <a:prstGeom prst="rect">
             <a:avLst/>
@@ -3395,10 +3192,8 @@
         <p:txBody>
           <a:bodyPr lIns="0" rIns="0" tIns="0" bIns="0" anchor="ctr"/>
           <a:p>
-            <a:endParaRPr b="0" lang="en-US" sz="1800" spc="-1" strike="noStrike">
-              <a:solidFill>
-                <a:srgbClr val="000000"/>
-              </a:solidFill>
+            <a:pPr algn="ctr"/>
+            <a:endParaRPr b="0" lang="en-US" sz="4400" spc="-1" strike="noStrike">
               <a:latin typeface="Arial"/>
             </a:endParaRPr>
           </a:p>
@@ -3417,7 +3212,7 @@
         <p:spPr>
           <a:xfrm>
             <a:off x="609480" y="1604520"/>
-            <a:ext cx="3532680" cy="1896840"/>
+            <a:ext cx="3533040" cy="1896840"/>
           </a:xfrm>
           <a:prstGeom prst="rect">
             <a:avLst/>
@@ -3428,10 +3223,7 @@
             <a:normAutofit/>
           </a:bodyPr>
           <a:p>
-            <a:endParaRPr b="0" lang="en-US" sz="2800" spc="-1" strike="noStrike">
-              <a:solidFill>
-                <a:srgbClr val="000000"/>
-              </a:solidFill>
+            <a:endParaRPr b="0" lang="en-US" sz="3200" spc="-1" strike="noStrike">
               <a:latin typeface="Arial"/>
             </a:endParaRPr>
           </a:p>
@@ -3449,8 +3241,8 @@
         </p:nvSpPr>
         <p:spPr>
           <a:xfrm>
-            <a:off x="4319280" y="1604520"/>
-            <a:ext cx="3532680" cy="1896840"/>
+            <a:off x="4319640" y="1604520"/>
+            <a:ext cx="3533040" cy="1896840"/>
           </a:xfrm>
           <a:prstGeom prst="rect">
             <a:avLst/>
@@ -3461,10 +3253,7 @@
             <a:normAutofit/>
           </a:bodyPr>
           <a:p>
-            <a:endParaRPr b="0" lang="en-US" sz="2800" spc="-1" strike="noStrike">
-              <a:solidFill>
-                <a:srgbClr val="000000"/>
-              </a:solidFill>
+            <a:endParaRPr b="0" lang="en-US" sz="3200" spc="-1" strike="noStrike">
               <a:latin typeface="Arial"/>
             </a:endParaRPr>
           </a:p>
@@ -3482,8 +3271,8 @@
         </p:nvSpPr>
         <p:spPr>
           <a:xfrm>
-            <a:off x="8028720" y="1604520"/>
-            <a:ext cx="3532680" cy="1896840"/>
+            <a:off x="8029800" y="1604520"/>
+            <a:ext cx="3533040" cy="1896840"/>
           </a:xfrm>
           <a:prstGeom prst="rect">
             <a:avLst/>
@@ -3494,10 +3283,7 @@
             <a:normAutofit/>
           </a:bodyPr>
           <a:p>
-            <a:endParaRPr b="0" lang="en-US" sz="2800" spc="-1" strike="noStrike">
-              <a:solidFill>
-                <a:srgbClr val="000000"/>
-              </a:solidFill>
+            <a:endParaRPr b="0" lang="en-US" sz="3200" spc="-1" strike="noStrike">
               <a:latin typeface="Arial"/>
             </a:endParaRPr>
           </a:p>
@@ -3516,7 +3302,7 @@
         <p:spPr>
           <a:xfrm>
             <a:off x="609480" y="3682080"/>
-            <a:ext cx="3532680" cy="1896840"/>
+            <a:ext cx="3533040" cy="1896840"/>
           </a:xfrm>
           <a:prstGeom prst="rect">
             <a:avLst/>
@@ -3527,10 +3313,7 @@
             <a:normAutofit/>
           </a:bodyPr>
           <a:p>
-            <a:endParaRPr b="0" lang="en-US" sz="2800" spc="-1" strike="noStrike">
-              <a:solidFill>
-                <a:srgbClr val="000000"/>
-              </a:solidFill>
+            <a:endParaRPr b="0" lang="en-US" sz="3200" spc="-1" strike="noStrike">
               <a:latin typeface="Arial"/>
             </a:endParaRPr>
           </a:p>
@@ -3548,8 +3331,8 @@
         </p:nvSpPr>
         <p:spPr>
           <a:xfrm>
-            <a:off x="4319280" y="3682080"/>
-            <a:ext cx="3532680" cy="1896840"/>
+            <a:off x="4319640" y="3682080"/>
+            <a:ext cx="3533040" cy="1896840"/>
           </a:xfrm>
           <a:prstGeom prst="rect">
             <a:avLst/>
@@ -3560,10 +3343,7 @@
             <a:normAutofit/>
           </a:bodyPr>
           <a:p>
-            <a:endParaRPr b="0" lang="en-US" sz="2800" spc="-1" strike="noStrike">
-              <a:solidFill>
-                <a:srgbClr val="000000"/>
-              </a:solidFill>
+            <a:endParaRPr b="0" lang="en-US" sz="3200" spc="-1" strike="noStrike">
               <a:latin typeface="Arial"/>
             </a:endParaRPr>
           </a:p>
@@ -3581,8 +3361,8 @@
         </p:nvSpPr>
         <p:spPr>
           <a:xfrm>
-            <a:off x="8028720" y="3682080"/>
-            <a:ext cx="3532680" cy="1896840"/>
+            <a:off x="8029800" y="3682080"/>
+            <a:ext cx="3533040" cy="1896840"/>
           </a:xfrm>
           <a:prstGeom prst="rect">
             <a:avLst/>
@@ -3593,10 +3373,7 @@
             <a:normAutofit/>
           </a:bodyPr>
           <a:p>
-            <a:endParaRPr b="0" lang="en-US" sz="2800" spc="-1" strike="noStrike">
-              <a:solidFill>
-                <a:srgbClr val="000000"/>
-              </a:solidFill>
+            <a:endParaRPr b="0" lang="en-US" sz="3200" spc="-1" strike="noStrike">
               <a:latin typeface="Arial"/>
             </a:endParaRPr>
           </a:p>
@@ -3637,7 +3414,7 @@
         <p:spPr>
           <a:xfrm>
             <a:off x="609480" y="273600"/>
-            <a:ext cx="10972080" cy="1144440"/>
+            <a:ext cx="10972440" cy="1144800"/>
           </a:xfrm>
           <a:prstGeom prst="rect">
             <a:avLst/>
@@ -3646,10 +3423,8 @@
         <p:txBody>
           <a:bodyPr lIns="0" rIns="0" tIns="0" bIns="0" anchor="ctr"/>
           <a:p>
-            <a:endParaRPr b="0" lang="en-US" sz="1800" spc="-1" strike="noStrike">
-              <a:solidFill>
-                <a:srgbClr val="000000"/>
-              </a:solidFill>
+            <a:pPr algn="ctr"/>
+            <a:endParaRPr b="0" lang="en-US" sz="4400" spc="-1" strike="noStrike">
               <a:latin typeface="Arial"/>
             </a:endParaRPr>
           </a:p>
@@ -3668,7 +3443,7 @@
         <p:spPr>
           <a:xfrm>
             <a:off x="609480" y="1604520"/>
-            <a:ext cx="5354280" cy="3976920"/>
+            <a:ext cx="5354280" cy="3977280"/>
           </a:xfrm>
           <a:prstGeom prst="rect">
             <a:avLst/>
@@ -3679,10 +3454,7 @@
             <a:normAutofit/>
           </a:bodyPr>
           <a:p>
-            <a:endParaRPr b="0" lang="en-US" sz="2800" spc="-1" strike="noStrike">
-              <a:solidFill>
-                <a:srgbClr val="000000"/>
-              </a:solidFill>
+            <a:endParaRPr b="0" lang="en-US" sz="3200" spc="-1" strike="noStrike">
               <a:latin typeface="Arial"/>
             </a:endParaRPr>
           </a:p>
@@ -3701,7 +3473,7 @@
         <p:spPr>
           <a:xfrm>
             <a:off x="6231960" y="1604520"/>
-            <a:ext cx="5354280" cy="3976920"/>
+            <a:ext cx="5354280" cy="3977280"/>
           </a:xfrm>
           <a:prstGeom prst="rect">
             <a:avLst/>
@@ -3712,10 +3484,7 @@
             <a:normAutofit/>
           </a:bodyPr>
           <a:p>
-            <a:endParaRPr b="0" lang="en-US" sz="2800" spc="-1" strike="noStrike">
-              <a:solidFill>
-                <a:srgbClr val="000000"/>
-              </a:solidFill>
+            <a:endParaRPr b="0" lang="en-US" sz="3200" spc="-1" strike="noStrike">
               <a:latin typeface="Arial"/>
             </a:endParaRPr>
           </a:p>
@@ -3756,7 +3525,7 @@
         <p:spPr>
           <a:xfrm>
             <a:off x="609480" y="273600"/>
-            <a:ext cx="10972080" cy="1144440"/>
+            <a:ext cx="10972440" cy="1144800"/>
           </a:xfrm>
           <a:prstGeom prst="rect">
             <a:avLst/>
@@ -3765,10 +3534,8 @@
         <p:txBody>
           <a:bodyPr lIns="0" rIns="0" tIns="0" bIns="0" anchor="ctr"/>
           <a:p>
-            <a:endParaRPr b="0" lang="en-US" sz="1800" spc="-1" strike="noStrike">
-              <a:solidFill>
-                <a:srgbClr val="000000"/>
-              </a:solidFill>
+            <a:pPr algn="ctr"/>
+            <a:endParaRPr b="0" lang="en-US" sz="4400" spc="-1" strike="noStrike">
               <a:latin typeface="Arial"/>
             </a:endParaRPr>
           </a:p>
@@ -3809,7 +3576,7 @@
         <p:spPr>
           <a:xfrm>
             <a:off x="609480" y="273600"/>
-            <a:ext cx="10972080" cy="5306400"/>
+            <a:ext cx="10972440" cy="5307840"/>
           </a:xfrm>
           <a:prstGeom prst="rect">
             <a:avLst/>
@@ -3860,7 +3627,7 @@
         <p:spPr>
           <a:xfrm>
             <a:off x="609480" y="273600"/>
-            <a:ext cx="10972080" cy="1144440"/>
+            <a:ext cx="10972440" cy="1144800"/>
           </a:xfrm>
           <a:prstGeom prst="rect">
             <a:avLst/>
@@ -3869,10 +3636,8 @@
         <p:txBody>
           <a:bodyPr lIns="0" rIns="0" tIns="0" bIns="0" anchor="ctr"/>
           <a:p>
-            <a:endParaRPr b="0" lang="en-US" sz="1800" spc="-1" strike="noStrike">
-              <a:solidFill>
-                <a:srgbClr val="000000"/>
-              </a:solidFill>
+            <a:pPr algn="ctr"/>
+            <a:endParaRPr b="0" lang="en-US" sz="4400" spc="-1" strike="noStrike">
               <a:latin typeface="Arial"/>
             </a:endParaRPr>
           </a:p>
@@ -3902,10 +3667,7 @@
             <a:normAutofit/>
           </a:bodyPr>
           <a:p>
-            <a:endParaRPr b="0" lang="en-US" sz="2800" spc="-1" strike="noStrike">
-              <a:solidFill>
-                <a:srgbClr val="000000"/>
-              </a:solidFill>
+            <a:endParaRPr b="0" lang="en-US" sz="3200" spc="-1" strike="noStrike">
               <a:latin typeface="Arial"/>
             </a:endParaRPr>
           </a:p>
@@ -3924,7 +3686,7 @@
         <p:spPr>
           <a:xfrm>
             <a:off x="6231960" y="1604520"/>
-            <a:ext cx="5354280" cy="3976920"/>
+            <a:ext cx="5354280" cy="3977280"/>
           </a:xfrm>
           <a:prstGeom prst="rect">
             <a:avLst/>
@@ -3935,10 +3697,7 @@
             <a:normAutofit/>
           </a:bodyPr>
           <a:p>
-            <a:endParaRPr b="0" lang="en-US" sz="2800" spc="-1" strike="noStrike">
-              <a:solidFill>
-                <a:srgbClr val="000000"/>
-              </a:solidFill>
+            <a:endParaRPr b="0" lang="en-US" sz="3200" spc="-1" strike="noStrike">
               <a:latin typeface="Arial"/>
             </a:endParaRPr>
           </a:p>
@@ -3968,10 +3727,7 @@
             <a:normAutofit/>
           </a:bodyPr>
           <a:p>
-            <a:endParaRPr b="0" lang="en-US" sz="2800" spc="-1" strike="noStrike">
-              <a:solidFill>
-                <a:srgbClr val="000000"/>
-              </a:solidFill>
+            <a:endParaRPr b="0" lang="en-US" sz="3200" spc="-1" strike="noStrike">
               <a:latin typeface="Arial"/>
             </a:endParaRPr>
           </a:p>
@@ -4012,7 +3768,7 @@
         <p:spPr>
           <a:xfrm>
             <a:off x="609480" y="273600"/>
-            <a:ext cx="10972080" cy="1144440"/>
+            <a:ext cx="10972440" cy="1144800"/>
           </a:xfrm>
           <a:prstGeom prst="rect">
             <a:avLst/>
@@ -4021,10 +3777,8 @@
         <p:txBody>
           <a:bodyPr lIns="0" rIns="0" tIns="0" bIns="0" anchor="ctr"/>
           <a:p>
-            <a:endParaRPr b="0" lang="en-US" sz="1800" spc="-1" strike="noStrike">
-              <a:solidFill>
-                <a:srgbClr val="000000"/>
-              </a:solidFill>
+            <a:pPr algn="ctr"/>
+            <a:endParaRPr b="0" lang="en-US" sz="4400" spc="-1" strike="noStrike">
               <a:latin typeface="Arial"/>
             </a:endParaRPr>
           </a:p>
@@ -4043,7 +3797,7 @@
         <p:spPr>
           <a:xfrm>
             <a:off x="609480" y="1604520"/>
-            <a:ext cx="5354280" cy="3976920"/>
+            <a:ext cx="5354280" cy="3977280"/>
           </a:xfrm>
           <a:prstGeom prst="rect">
             <a:avLst/>
@@ -4054,10 +3808,7 @@
             <a:normAutofit/>
           </a:bodyPr>
           <a:p>
-            <a:endParaRPr b="0" lang="en-US" sz="2800" spc="-1" strike="noStrike">
-              <a:solidFill>
-                <a:srgbClr val="000000"/>
-              </a:solidFill>
+            <a:endParaRPr b="0" lang="en-US" sz="3200" spc="-1" strike="noStrike">
               <a:latin typeface="Arial"/>
             </a:endParaRPr>
           </a:p>
@@ -4087,10 +3838,7 @@
             <a:normAutofit/>
           </a:bodyPr>
           <a:p>
-            <a:endParaRPr b="0" lang="en-US" sz="2800" spc="-1" strike="noStrike">
-              <a:solidFill>
-                <a:srgbClr val="000000"/>
-              </a:solidFill>
+            <a:endParaRPr b="0" lang="en-US" sz="3200" spc="-1" strike="noStrike">
               <a:latin typeface="Arial"/>
             </a:endParaRPr>
           </a:p>
@@ -4120,10 +3868,7 @@
             <a:normAutofit/>
           </a:bodyPr>
           <a:p>
-            <a:endParaRPr b="0" lang="en-US" sz="2800" spc="-1" strike="noStrike">
-              <a:solidFill>
-                <a:srgbClr val="000000"/>
-              </a:solidFill>
+            <a:endParaRPr b="0" lang="en-US" sz="3200" spc="-1" strike="noStrike">
               <a:latin typeface="Arial"/>
             </a:endParaRPr>
           </a:p>
@@ -4164,7 +3909,7 @@
         <p:spPr>
           <a:xfrm>
             <a:off x="609480" y="273600"/>
-            <a:ext cx="10972080" cy="1144440"/>
+            <a:ext cx="10972440" cy="1144800"/>
           </a:xfrm>
           <a:prstGeom prst="rect">
             <a:avLst/>
@@ -4173,10 +3918,8 @@
         <p:txBody>
           <a:bodyPr lIns="0" rIns="0" tIns="0" bIns="0" anchor="ctr"/>
           <a:p>
-            <a:endParaRPr b="0" lang="en-US" sz="1800" spc="-1" strike="noStrike">
-              <a:solidFill>
-                <a:srgbClr val="000000"/>
-              </a:solidFill>
+            <a:pPr algn="ctr"/>
+            <a:endParaRPr b="0" lang="en-US" sz="4400" spc="-1" strike="noStrike">
               <a:latin typeface="Arial"/>
             </a:endParaRPr>
           </a:p>
@@ -4206,10 +3949,7 @@
             <a:normAutofit/>
           </a:bodyPr>
           <a:p>
-            <a:endParaRPr b="0" lang="en-US" sz="2800" spc="-1" strike="noStrike">
-              <a:solidFill>
-                <a:srgbClr val="000000"/>
-              </a:solidFill>
+            <a:endParaRPr b="0" lang="en-US" sz="3200" spc="-1" strike="noStrike">
               <a:latin typeface="Arial"/>
             </a:endParaRPr>
           </a:p>
@@ -4239,10 +3979,7 @@
             <a:normAutofit/>
           </a:bodyPr>
           <a:p>
-            <a:endParaRPr b="0" lang="en-US" sz="2800" spc="-1" strike="noStrike">
-              <a:solidFill>
-                <a:srgbClr val="000000"/>
-              </a:solidFill>
+            <a:endParaRPr b="0" lang="en-US" sz="3200" spc="-1" strike="noStrike">
               <a:latin typeface="Arial"/>
             </a:endParaRPr>
           </a:p>
@@ -4261,7 +3998,7 @@
         <p:spPr>
           <a:xfrm>
             <a:off x="609480" y="3682080"/>
-            <a:ext cx="10972080" cy="1896840"/>
+            <a:ext cx="10972440" cy="1896840"/>
           </a:xfrm>
           <a:prstGeom prst="rect">
             <a:avLst/>
@@ -4272,10 +4009,7 @@
             <a:normAutofit/>
           </a:bodyPr>
           <a:p>
-            <a:endParaRPr b="0" lang="en-US" sz="2800" spc="-1" strike="noStrike">
-              <a:solidFill>
-                <a:srgbClr val="000000"/>
-              </a:solidFill>
+            <a:endParaRPr b="0" lang="en-US" sz="3200" spc="-1" strike="noStrike">
               <a:latin typeface="Arial"/>
             </a:endParaRPr>
           </a:p>
@@ -4323,7 +4057,7 @@
         <p:spPr>
           <a:xfrm>
             <a:off x="609480" y="273600"/>
-            <a:ext cx="10972080" cy="1144440"/>
+            <a:ext cx="10972440" cy="1144800"/>
           </a:xfrm>
           <a:prstGeom prst="rect">
             <a:avLst/>
@@ -4332,19 +4066,14 @@
         <p:txBody>
           <a:bodyPr lIns="0" rIns="0" tIns="0" bIns="0" anchor="ctr"/>
           <a:p>
+            <a:pPr algn="ctr"/>
             <a:r>
               <a:rPr b="0" lang="en-US" sz="4400" spc="-1" strike="noStrike">
-                <a:solidFill>
-                  <a:srgbClr val="000000"/>
-                </a:solidFill>
                 <a:latin typeface="Arial"/>
               </a:rPr>
               <a:t>Click to edit the title text format</a:t>
             </a:r>
             <a:endParaRPr b="0" lang="en-US" sz="4400" spc="-1" strike="noStrike">
-              <a:solidFill>
-                <a:srgbClr val="000000"/>
-              </a:solidFill>
               <a:latin typeface="Arial"/>
             </a:endParaRPr>
           </a:p>
@@ -4363,7 +4092,7 @@
         <p:spPr>
           <a:xfrm>
             <a:off x="609480" y="1604520"/>
-            <a:ext cx="10972080" cy="3976920"/>
+            <a:ext cx="10972440" cy="3977280"/>
           </a:xfrm>
           <a:prstGeom prst="rect">
             <a:avLst/>
@@ -4386,18 +4115,12 @@
               <a:buChar char=""/>
             </a:pPr>
             <a:r>
-              <a:rPr b="0" lang="en-US" sz="2800" spc="-1" strike="noStrike">
-                <a:solidFill>
-                  <a:srgbClr val="000000"/>
-                </a:solidFill>
+              <a:rPr b="0" lang="en-US" sz="3200" spc="-1" strike="noStrike">
                 <a:latin typeface="Arial"/>
               </a:rPr>
               <a:t>Click to edit the outline text format</a:t>
             </a:r>
-            <a:endParaRPr b="0" lang="en-US" sz="2800" spc="-1" strike="noStrike">
-              <a:solidFill>
-                <a:srgbClr val="000000"/>
-              </a:solidFill>
+            <a:endParaRPr b="0" lang="en-US" sz="3200" spc="-1" strike="noStrike">
               <a:latin typeface="Arial"/>
             </a:endParaRPr>
           </a:p>
@@ -4415,17 +4138,11 @@
             </a:pPr>
             <a:r>
               <a:rPr b="0" lang="en-US" sz="2800" spc="-1" strike="noStrike">
-                <a:solidFill>
-                  <a:srgbClr val="000000"/>
-                </a:solidFill>
                 <a:latin typeface="Arial"/>
               </a:rPr>
               <a:t>Second Outline Level</a:t>
             </a:r>
             <a:endParaRPr b="0" lang="en-US" sz="2800" spc="-1" strike="noStrike">
-              <a:solidFill>
-                <a:srgbClr val="000000"/>
-              </a:solidFill>
               <a:latin typeface="Arial"/>
             </a:endParaRPr>
           </a:p>
@@ -4442,18 +4159,12 @@
               <a:buChar char=""/>
             </a:pPr>
             <a:r>
-              <a:rPr b="0" lang="en-US" sz="2800" spc="-1" strike="noStrike">
-                <a:solidFill>
-                  <a:srgbClr val="000000"/>
-                </a:solidFill>
+              <a:rPr b="0" lang="en-US" sz="2400" spc="-1" strike="noStrike">
                 <a:latin typeface="Arial"/>
               </a:rPr>
               <a:t>Third Outline Level</a:t>
             </a:r>
-            <a:endParaRPr b="0" lang="en-US" sz="2800" spc="-1" strike="noStrike">
-              <a:solidFill>
-                <a:srgbClr val="000000"/>
-              </a:solidFill>
+            <a:endParaRPr b="0" lang="en-US" sz="2400" spc="-1" strike="noStrike">
               <a:latin typeface="Arial"/>
             </a:endParaRPr>
           </a:p>
@@ -4470,18 +4181,12 @@
               <a:buChar char=""/>
             </a:pPr>
             <a:r>
-              <a:rPr b="0" lang="en-US" sz="2800" spc="-1" strike="noStrike">
-                <a:solidFill>
-                  <a:srgbClr val="000000"/>
-                </a:solidFill>
+              <a:rPr b="0" lang="en-US" sz="2000" spc="-1" strike="noStrike">
                 <a:latin typeface="Arial"/>
               </a:rPr>
               <a:t>Fourth Outline Level</a:t>
             </a:r>
-            <a:endParaRPr b="0" lang="en-US" sz="2800" spc="-1" strike="noStrike">
-              <a:solidFill>
-                <a:srgbClr val="000000"/>
-              </a:solidFill>
+            <a:endParaRPr b="0" lang="en-US" sz="2000" spc="-1" strike="noStrike">
               <a:latin typeface="Arial"/>
             </a:endParaRPr>
           </a:p>
@@ -4498,18 +4203,12 @@
               <a:buChar char=""/>
             </a:pPr>
             <a:r>
-              <a:rPr b="0" lang="en-US" sz="2800" spc="-1" strike="noStrike">
-                <a:solidFill>
-                  <a:srgbClr val="000000"/>
-                </a:solidFill>
+              <a:rPr b="0" lang="en-US" sz="2000" spc="-1" strike="noStrike">
                 <a:latin typeface="Arial"/>
               </a:rPr>
               <a:t>Fifth Outline Level</a:t>
             </a:r>
-            <a:endParaRPr b="0" lang="en-US" sz="2800" spc="-1" strike="noStrike">
-              <a:solidFill>
-                <a:srgbClr val="000000"/>
-              </a:solidFill>
+            <a:endParaRPr b="0" lang="en-US" sz="2000" spc="-1" strike="noStrike">
               <a:latin typeface="Arial"/>
             </a:endParaRPr>
           </a:p>
@@ -4526,18 +4225,12 @@
               <a:buChar char=""/>
             </a:pPr>
             <a:r>
-              <a:rPr b="0" lang="en-US" sz="2800" spc="-1" strike="noStrike">
-                <a:solidFill>
-                  <a:srgbClr val="000000"/>
-                </a:solidFill>
+              <a:rPr b="0" lang="en-US" sz="2000" spc="-1" strike="noStrike">
                 <a:latin typeface="Arial"/>
               </a:rPr>
               <a:t>Sixth Outline Level</a:t>
             </a:r>
-            <a:endParaRPr b="0" lang="en-US" sz="2800" spc="-1" strike="noStrike">
-              <a:solidFill>
-                <a:srgbClr val="000000"/>
-              </a:solidFill>
+            <a:endParaRPr b="0" lang="en-US" sz="2000" spc="-1" strike="noStrike">
               <a:latin typeface="Arial"/>
             </a:endParaRPr>
           </a:p>
@@ -4554,18 +4247,12 @@
               <a:buChar char=""/>
             </a:pPr>
             <a:r>
-              <a:rPr b="0" lang="en-US" sz="2800" spc="-1" strike="noStrike">
-                <a:solidFill>
-                  <a:srgbClr val="000000"/>
-                </a:solidFill>
+              <a:rPr b="0" lang="en-US" sz="2000" spc="-1" strike="noStrike">
                 <a:latin typeface="Arial"/>
               </a:rPr>
               <a:t>Seventh Outline Level</a:t>
             </a:r>
-            <a:endParaRPr b="0" lang="en-US" sz="2800" spc="-1" strike="noStrike">
-              <a:solidFill>
-                <a:srgbClr val="000000"/>
-              </a:solidFill>
+            <a:endParaRPr b="0" lang="en-US" sz="2000" spc="-1" strike="noStrike">
               <a:latin typeface="Arial"/>
             </a:endParaRPr>
           </a:p>
@@ -4637,19 +4324,14 @@
         <p:txBody>
           <a:bodyPr lIns="0" rIns="0" tIns="0" bIns="0" anchor="ctr"/>
           <a:p>
-            <a:r>
-              <a:rPr b="0" lang="en-US" sz="1800" spc="-1" strike="noStrike">
-                <a:solidFill>
-                  <a:srgbClr val="000000"/>
-                </a:solidFill>
+            <a:pPr algn="ctr"/>
+            <a:r>
+              <a:rPr b="0" lang="en-US" sz="4400" spc="-1" strike="noStrike">
                 <a:latin typeface="Arial"/>
               </a:rPr>
               <a:t>Click to edit the title text format</a:t>
             </a:r>
-            <a:endParaRPr b="0" lang="en-US" sz="1800" spc="-1" strike="noStrike">
-              <a:solidFill>
-                <a:srgbClr val="000000"/>
-              </a:solidFill>
+            <a:endParaRPr b="0" lang="en-US" sz="4400" spc="-1" strike="noStrike">
               <a:latin typeface="Arial"/>
             </a:endParaRPr>
           </a:p>
@@ -4691,18 +4373,12 @@
               <a:buChar char=""/>
             </a:pPr>
             <a:r>
-              <a:rPr b="0" lang="en-US" sz="2800" spc="-1" strike="noStrike">
-                <a:solidFill>
-                  <a:srgbClr val="000000"/>
-                </a:solidFill>
+              <a:rPr b="0" lang="en-US" sz="3200" spc="-1" strike="noStrike">
                 <a:latin typeface="Arial"/>
               </a:rPr>
               <a:t>Click to edit the outline text format</a:t>
             </a:r>
-            <a:endParaRPr b="0" lang="en-US" sz="2800" spc="-1" strike="noStrike">
-              <a:solidFill>
-                <a:srgbClr val="000000"/>
-              </a:solidFill>
+            <a:endParaRPr b="0" lang="en-US" sz="3200" spc="-1" strike="noStrike">
               <a:latin typeface="Arial"/>
             </a:endParaRPr>
           </a:p>
@@ -4719,18 +4395,12 @@
               <a:buChar char=""/>
             </a:pPr>
             <a:r>
-              <a:rPr b="0" lang="en-US" sz="2000" spc="-1" strike="noStrike">
-                <a:solidFill>
-                  <a:srgbClr val="000000"/>
-                </a:solidFill>
+              <a:rPr b="0" lang="en-US" sz="2800" spc="-1" strike="noStrike">
                 <a:latin typeface="Arial"/>
               </a:rPr>
               <a:t>Second Outline Level</a:t>
             </a:r>
-            <a:endParaRPr b="0" lang="en-US" sz="2000" spc="-1" strike="noStrike">
-              <a:solidFill>
-                <a:srgbClr val="000000"/>
-              </a:solidFill>
+            <a:endParaRPr b="0" lang="en-US" sz="2800" spc="-1" strike="noStrike">
               <a:latin typeface="Arial"/>
             </a:endParaRPr>
           </a:p>
@@ -4747,18 +4417,12 @@
               <a:buChar char=""/>
             </a:pPr>
             <a:r>
-              <a:rPr b="0" lang="en-US" sz="1800" spc="-1" strike="noStrike">
-                <a:solidFill>
-                  <a:srgbClr val="000000"/>
-                </a:solidFill>
+              <a:rPr b="0" lang="en-US" sz="2400" spc="-1" strike="noStrike">
                 <a:latin typeface="Arial"/>
               </a:rPr>
               <a:t>Third Outline Level</a:t>
             </a:r>
-            <a:endParaRPr b="0" lang="en-US" sz="1800" spc="-1" strike="noStrike">
-              <a:solidFill>
-                <a:srgbClr val="000000"/>
-              </a:solidFill>
+            <a:endParaRPr b="0" lang="en-US" sz="2400" spc="-1" strike="noStrike">
               <a:latin typeface="Arial"/>
             </a:endParaRPr>
           </a:p>
@@ -4775,18 +4439,12 @@
               <a:buChar char=""/>
             </a:pPr>
             <a:r>
-              <a:rPr b="0" lang="en-US" sz="1800" spc="-1" strike="noStrike">
-                <a:solidFill>
-                  <a:srgbClr val="000000"/>
-                </a:solidFill>
+              <a:rPr b="0" lang="en-US" sz="2000" spc="-1" strike="noStrike">
                 <a:latin typeface="Arial"/>
               </a:rPr>
               <a:t>Fourth Outline Level</a:t>
             </a:r>
-            <a:endParaRPr b="0" lang="en-US" sz="1800" spc="-1" strike="noStrike">
-              <a:solidFill>
-                <a:srgbClr val="000000"/>
-              </a:solidFill>
+            <a:endParaRPr b="0" lang="en-US" sz="2000" spc="-1" strike="noStrike">
               <a:latin typeface="Arial"/>
             </a:endParaRPr>
           </a:p>
@@ -4804,17 +4462,11 @@
             </a:pPr>
             <a:r>
               <a:rPr b="0" lang="en-US" sz="2000" spc="-1" strike="noStrike">
-                <a:solidFill>
-                  <a:srgbClr val="000000"/>
-                </a:solidFill>
                 <a:latin typeface="Arial"/>
               </a:rPr>
               <a:t>Fifth Outline Level</a:t>
             </a:r>
             <a:endParaRPr b="0" lang="en-US" sz="2000" spc="-1" strike="noStrike">
-              <a:solidFill>
-                <a:srgbClr val="000000"/>
-              </a:solidFill>
               <a:latin typeface="Arial"/>
             </a:endParaRPr>
           </a:p>
@@ -4832,17 +4484,11 @@
             </a:pPr>
             <a:r>
               <a:rPr b="0" lang="en-US" sz="2000" spc="-1" strike="noStrike">
-                <a:solidFill>
-                  <a:srgbClr val="000000"/>
-                </a:solidFill>
                 <a:latin typeface="Arial"/>
               </a:rPr>
               <a:t>Sixth Outline Level</a:t>
             </a:r>
             <a:endParaRPr b="0" lang="en-US" sz="2000" spc="-1" strike="noStrike">
-              <a:solidFill>
-                <a:srgbClr val="000000"/>
-              </a:solidFill>
               <a:latin typeface="Arial"/>
             </a:endParaRPr>
           </a:p>
@@ -4860,17 +4506,11 @@
             </a:pPr>
             <a:r>
               <a:rPr b="0" lang="en-US" sz="2000" spc="-1" strike="noStrike">
-                <a:solidFill>
-                  <a:srgbClr val="000000"/>
-                </a:solidFill>
                 <a:latin typeface="Arial"/>
               </a:rPr>
               <a:t>Seventh Outline Level</a:t>
             </a:r>
             <a:endParaRPr b="0" lang="en-US" sz="2000" spc="-1" strike="noStrike">
-              <a:solidFill>
-                <a:srgbClr val="000000"/>
-              </a:solidFill>
               <a:latin typeface="Arial"/>
             </a:endParaRPr>
           </a:p>
@@ -4930,7 +4570,7 @@
         <p:spPr>
           <a:xfrm>
             <a:off x="-12600" y="-7200"/>
-            <a:ext cx="12216240" cy="1040400"/>
+            <a:ext cx="12215880" cy="1040040"/>
           </a:xfrm>
           <a:custGeom>
             <a:avLst/>
@@ -5019,7 +4659,7 @@
         <p:spPr>
           <a:xfrm>
             <a:off x="5842080" y="-7200"/>
-            <a:ext cx="6348960" cy="637200"/>
+            <a:ext cx="6348600" cy="636840"/>
           </a:xfrm>
           <a:custGeom>
             <a:avLst/>
@@ -5068,7 +4708,7 @@
                 </a:schemeClr>
               </a:gs>
             </a:gsLst>
-            <a:lin ang="16200000"/>
+            <a:lin ang="5400000"/>
           </a:gradFill>
           <a:ln w="9360">
             <a:noFill/>
@@ -5089,10 +4729,10 @@
         </p:nvGrpSpPr>
         <p:grpSpPr>
           <a:xfrm>
-            <a:off x="-38160" y="-14760"/>
-            <a:ext cx="12248640" cy="1082520"/>
-            <a:chOff x="-38160" y="-14760"/>
-            <a:chExt cx="12248640" cy="1082520"/>
+            <a:off x="-37800" y="-15120"/>
+            <a:ext cx="12248280" cy="1082160"/>
+            <a:chOff x="-37800" y="-15120"/>
+            <a:chExt cx="12248280" cy="1082160"/>
           </a:xfrm>
         </p:grpSpPr>
         <p:sp>
@@ -5103,8 +4743,8 @@
           </p:nvSpPr>
           <p:spPr>
             <a:xfrm rot="21477600">
-              <a:off x="-30240" y="201960"/>
-              <a:ext cx="12210120" cy="648360"/>
+              <a:off x="-29880" y="201600"/>
+              <a:ext cx="12209760" cy="648000"/>
             </a:xfrm>
             <a:custGeom>
               <a:avLst/>
@@ -5157,8 +4797,8 @@
           </p:nvSpPr>
           <p:spPr>
             <a:xfrm rot="21477600">
-              <a:off x="-22320" y="276120"/>
-              <a:ext cx="12227400" cy="529560"/>
+              <a:off x="-21960" y="276120"/>
+              <a:ext cx="12227040" cy="529200"/>
             </a:xfrm>
             <a:custGeom>
               <a:avLst/>
@@ -5226,19 +4866,14 @@
         <p:txBody>
           <a:bodyPr lIns="0" rIns="0" tIns="0" bIns="0" anchor="ctr"/>
           <a:p>
-            <a:r>
-              <a:rPr b="0" lang="en-US" sz="1800" spc="-1" strike="noStrike">
-                <a:solidFill>
-                  <a:srgbClr val="000000"/>
-                </a:solidFill>
+            <a:pPr algn="ctr"/>
+            <a:r>
+              <a:rPr b="0" lang="en-US" sz="4400" spc="-1" strike="noStrike">
                 <a:latin typeface="Arial"/>
               </a:rPr>
               <a:t>Click to edit the title text format</a:t>
             </a:r>
-            <a:endParaRPr b="0" lang="en-US" sz="1800" spc="-1" strike="noStrike">
-              <a:solidFill>
-                <a:srgbClr val="000000"/>
-              </a:solidFill>
+            <a:endParaRPr b="0" lang="en-US" sz="4400" spc="-1" strike="noStrike">
               <a:latin typeface="Arial"/>
             </a:endParaRPr>
           </a:p>
@@ -5280,18 +4915,12 @@
               <a:buChar char=""/>
             </a:pPr>
             <a:r>
-              <a:rPr b="0" lang="en-US" sz="2800" spc="-1" strike="noStrike">
-                <a:solidFill>
-                  <a:srgbClr val="000000"/>
-                </a:solidFill>
+              <a:rPr b="0" lang="en-US" sz="3200" spc="-1" strike="noStrike">
                 <a:latin typeface="Arial"/>
               </a:rPr>
               <a:t>Click to edit the outline text format</a:t>
             </a:r>
-            <a:endParaRPr b="0" lang="en-US" sz="2800" spc="-1" strike="noStrike">
-              <a:solidFill>
-                <a:srgbClr val="000000"/>
-              </a:solidFill>
+            <a:endParaRPr b="0" lang="en-US" sz="3200" spc="-1" strike="noStrike">
               <a:latin typeface="Arial"/>
             </a:endParaRPr>
           </a:p>
@@ -5308,18 +4937,12 @@
               <a:buChar char=""/>
             </a:pPr>
             <a:r>
-              <a:rPr b="0" lang="en-US" sz="2000" spc="-1" strike="noStrike">
-                <a:solidFill>
-                  <a:srgbClr val="000000"/>
-                </a:solidFill>
+              <a:rPr b="0" lang="en-US" sz="2800" spc="-1" strike="noStrike">
                 <a:latin typeface="Arial"/>
               </a:rPr>
               <a:t>Second Outline Level</a:t>
             </a:r>
-            <a:endParaRPr b="0" lang="en-US" sz="2000" spc="-1" strike="noStrike">
-              <a:solidFill>
-                <a:srgbClr val="000000"/>
-              </a:solidFill>
+            <a:endParaRPr b="0" lang="en-US" sz="2800" spc="-1" strike="noStrike">
               <a:latin typeface="Arial"/>
             </a:endParaRPr>
           </a:p>
@@ -5336,18 +4959,12 @@
               <a:buChar char=""/>
             </a:pPr>
             <a:r>
-              <a:rPr b="0" lang="en-US" sz="1800" spc="-1" strike="noStrike">
-                <a:solidFill>
-                  <a:srgbClr val="000000"/>
-                </a:solidFill>
+              <a:rPr b="0" lang="en-US" sz="2400" spc="-1" strike="noStrike">
                 <a:latin typeface="Arial"/>
               </a:rPr>
               <a:t>Third Outline Level</a:t>
             </a:r>
-            <a:endParaRPr b="0" lang="en-US" sz="1800" spc="-1" strike="noStrike">
-              <a:solidFill>
-                <a:srgbClr val="000000"/>
-              </a:solidFill>
+            <a:endParaRPr b="0" lang="en-US" sz="2400" spc="-1" strike="noStrike">
               <a:latin typeface="Arial"/>
             </a:endParaRPr>
           </a:p>
@@ -5364,18 +4981,12 @@
               <a:buChar char=""/>
             </a:pPr>
             <a:r>
-              <a:rPr b="0" lang="en-US" sz="1800" spc="-1" strike="noStrike">
-                <a:solidFill>
-                  <a:srgbClr val="000000"/>
-                </a:solidFill>
+              <a:rPr b="0" lang="en-US" sz="2000" spc="-1" strike="noStrike">
                 <a:latin typeface="Arial"/>
               </a:rPr>
               <a:t>Fourth Outline Level</a:t>
             </a:r>
-            <a:endParaRPr b="0" lang="en-US" sz="1800" spc="-1" strike="noStrike">
-              <a:solidFill>
-                <a:srgbClr val="000000"/>
-              </a:solidFill>
+            <a:endParaRPr b="0" lang="en-US" sz="2000" spc="-1" strike="noStrike">
               <a:latin typeface="Arial"/>
             </a:endParaRPr>
           </a:p>
@@ -5393,17 +5004,11 @@
             </a:pPr>
             <a:r>
               <a:rPr b="0" lang="en-US" sz="2000" spc="-1" strike="noStrike">
-                <a:solidFill>
-                  <a:srgbClr val="000000"/>
-                </a:solidFill>
                 <a:latin typeface="Arial"/>
               </a:rPr>
               <a:t>Fifth Outline Level</a:t>
             </a:r>
             <a:endParaRPr b="0" lang="en-US" sz="2000" spc="-1" strike="noStrike">
-              <a:solidFill>
-                <a:srgbClr val="000000"/>
-              </a:solidFill>
               <a:latin typeface="Arial"/>
             </a:endParaRPr>
           </a:p>
@@ -5421,17 +5026,11 @@
             </a:pPr>
             <a:r>
               <a:rPr b="0" lang="en-US" sz="2000" spc="-1" strike="noStrike">
-                <a:solidFill>
-                  <a:srgbClr val="000000"/>
-                </a:solidFill>
                 <a:latin typeface="Arial"/>
               </a:rPr>
               <a:t>Sixth Outline Level</a:t>
             </a:r>
             <a:endParaRPr b="0" lang="en-US" sz="2000" spc="-1" strike="noStrike">
-              <a:solidFill>
-                <a:srgbClr val="000000"/>
-              </a:solidFill>
               <a:latin typeface="Arial"/>
             </a:endParaRPr>
           </a:p>
@@ -5449,17 +5048,11 @@
             </a:pPr>
             <a:r>
               <a:rPr b="0" lang="en-US" sz="2000" spc="-1" strike="noStrike">
-                <a:solidFill>
-                  <a:srgbClr val="000000"/>
-                </a:solidFill>
                 <a:latin typeface="Arial"/>
               </a:rPr>
               <a:t>Seventh Outline Level</a:t>
             </a:r>
             <a:endParaRPr b="0" lang="en-US" sz="2000" spc="-1" strike="noStrike">
-              <a:solidFill>
-                <a:srgbClr val="000000"/>
-              </a:solidFill>
               <a:latin typeface="Arial"/>
             </a:endParaRPr>
           </a:p>
@@ -5511,7 +5104,7 @@
         <p:spPr>
           <a:xfrm>
             <a:off x="976680" y="704160"/>
-            <a:ext cx="10117080" cy="991800"/>
+            <a:ext cx="10116720" cy="991440"/>
           </a:xfrm>
           <a:prstGeom prst="rect">
             <a:avLst/>
@@ -5590,9 +5183,9 @@
         <p:grpSpPr>
           <a:xfrm>
             <a:off x="0" y="0"/>
-            <a:ext cx="13613400" cy="6855480"/>
+            <a:ext cx="13613040" cy="6855120"/>
             <a:chOff x="0" y="0"/>
-            <a:chExt cx="13613400" cy="6855480"/>
+            <a:chExt cx="13613040" cy="6855120"/>
           </a:xfrm>
         </p:grpSpPr>
         <p:pic>
@@ -5608,7 +5201,7 @@
           <p:spPr>
             <a:xfrm>
               <a:off x="0" y="6477120"/>
-              <a:ext cx="12800520" cy="378360"/>
+              <a:ext cx="12800160" cy="378000"/>
             </a:xfrm>
             <a:prstGeom prst="rect">
               <a:avLst/>
@@ -5631,7 +5224,7 @@
           <p:spPr>
             <a:xfrm>
               <a:off x="0" y="0"/>
-              <a:ext cx="13613400" cy="403560"/>
+              <a:ext cx="13613040" cy="403200"/>
             </a:xfrm>
             <a:prstGeom prst="rect">
               <a:avLst/>
@@ -5654,7 +5247,7 @@
           <p:spPr>
             <a:xfrm>
               <a:off x="0" y="304920"/>
-              <a:ext cx="449640" cy="6247440"/>
+              <a:ext cx="449280" cy="6247080"/>
             </a:xfrm>
             <a:prstGeom prst="rect">
               <a:avLst/>
@@ -5677,7 +5270,7 @@
           <p:spPr>
             <a:xfrm>
               <a:off x="11741040" y="0"/>
-              <a:ext cx="477360" cy="6628320"/>
+              <a:ext cx="477000" cy="6627960"/>
             </a:xfrm>
             <a:prstGeom prst="rect">
               <a:avLst/>
@@ -5697,7 +5290,7 @@
         <p:spPr>
           <a:xfrm>
             <a:off x="858960" y="2029320"/>
-            <a:ext cx="10622520" cy="1141920"/>
+            <a:ext cx="10622160" cy="1141560"/>
           </a:xfrm>
           <a:prstGeom prst="rect">
             <a:avLst/>
@@ -5766,7 +5359,7 @@
         <p:spPr>
           <a:xfrm>
             <a:off x="1344600" y="3902400"/>
-            <a:ext cx="9810360" cy="2146320"/>
+            <a:ext cx="9810000" cy="2145960"/>
           </a:xfrm>
           <a:prstGeom prst="rect">
             <a:avLst/>
@@ -6055,6 +5648,5049 @@
           <p:childTnLst>
             <p:seq>
               <p:cTn id="2" dur="indefinite" nodeType="mainSeq"/>
+              <p:prevCondLst>
+                <p:cond delay="0" evt="onPrev">
+                  <p:tgtEl>
+                    <p:sldTgt/>
+                  </p:tgtEl>
+                </p:cond>
+              </p:prevCondLst>
+              <p:nextCondLst>
+                <p:cond delay="0" evt="onNext">
+                  <p:tgtEl>
+                    <p:sldTgt/>
+                  </p:tgtEl>
+                </p:cond>
+              </p:nextCondLst>
+            </p:seq>
+          </p:childTnLst>
+        </p:cTn>
+      </p:par>
+    </p:tnLst>
+  </p:timing>
+</p:sld>
+</file>
+
+<file path=ppt/slides/slide10.xml><?xml version="1.0" encoding="utf-8"?>
+<p:sld xmlns:a="http://schemas.openxmlformats.org/drawingml/2006/main" xmlns:p="http://schemas.openxmlformats.org/presentationml/2006/main" xmlns:r="http://schemas.openxmlformats.org/officeDocument/2006/relationships" xmlns:p14="http://schemas.microsoft.com/office/powerpoint/2010/main" xmlns:p15="http://schemas.microsoft.com/office/powerpoint/2012/main" xmlns:mc="http://schemas.openxmlformats.org/markup-compatibility/2006">
+  <p:cSld>
+    <p:spTree>
+      <p:nvGrpSpPr>
+        <p:cNvPr id="1" name=""/>
+        <p:cNvGrpSpPr/>
+        <p:nvPr/>
+      </p:nvGrpSpPr>
+      <p:grpSpPr>
+        <a:xfrm>
+          <a:off x="0" y="0"/>
+          <a:ext cx="0" cy="0"/>
+          <a:chOff x="0" y="0"/>
+          <a:chExt cx="0" cy="0"/>
+        </a:xfrm>
+      </p:grpSpPr>
+      <p:sp>
+        <p:nvSpPr>
+          <p:cNvPr id="172" name="CustomShape 1"/>
+          <p:cNvSpPr/>
+          <p:nvPr/>
+        </p:nvSpPr>
+        <p:spPr>
+          <a:xfrm>
+            <a:off x="0" y="1567440"/>
+            <a:ext cx="12190680" cy="621000"/>
+          </a:xfrm>
+          <a:prstGeom prst="rect">
+            <a:avLst/>
+          </a:prstGeom>
+          <a:noFill/>
+          <a:ln>
+            <a:noFill/>
+          </a:ln>
+        </p:spPr>
+        <p:style>
+          <a:lnRef idx="0"/>
+          <a:fillRef idx="0"/>
+          <a:effectRef idx="0"/>
+          <a:fontRef idx="minor"/>
+        </p:style>
+        <p:txBody>
+          <a:bodyPr lIns="90000" rIns="90000" tIns="45000" bIns="45000"/>
+          <a:p>
+            <a:pPr>
+              <a:lnSpc>
+                <a:spcPct val="90000"/>
+              </a:lnSpc>
+              <a:spcBef>
+                <a:spcPts val="1001"/>
+              </a:spcBef>
+            </a:pPr>
+            <a:r>
+              <a:rPr b="1" lang="en-US" sz="2800" spc="-1" strike="noStrike">
+                <a:solidFill>
+                  <a:srgbClr val="000000"/>
+                </a:solidFill>
+                <a:latin typeface="Calibri"/>
+                <a:ea typeface="DejaVu Sans"/>
+              </a:rPr>
+              <a:t>	</a:t>
+            </a:r>
+            <a:r>
+              <a:rPr b="1" lang="en-US" sz="3200" spc="-1" strike="noStrike">
+                <a:solidFill>
+                  <a:srgbClr val="000000"/>
+                </a:solidFill>
+                <a:latin typeface="Arial"/>
+                <a:ea typeface="DejaVu Sans"/>
+              </a:rPr>
+              <a:t>4. Kết luận</a:t>
+            </a:r>
+            <a:endParaRPr b="0" lang="en-US" sz="3200" spc="-1" strike="noStrike">
+              <a:latin typeface="Arial"/>
+            </a:endParaRPr>
+          </a:p>
+        </p:txBody>
+      </p:sp>
+      <p:sp>
+        <p:nvSpPr>
+          <p:cNvPr id="173" name="CustomShape 2"/>
+          <p:cNvSpPr/>
+          <p:nvPr/>
+        </p:nvSpPr>
+        <p:spPr>
+          <a:xfrm>
+            <a:off x="0" y="2395800"/>
+            <a:ext cx="12190680" cy="3809160"/>
+          </a:xfrm>
+          <a:prstGeom prst="rect">
+            <a:avLst/>
+          </a:prstGeom>
+          <a:noFill/>
+          <a:ln>
+            <a:noFill/>
+          </a:ln>
+        </p:spPr>
+        <p:style>
+          <a:lnRef idx="0"/>
+          <a:fillRef idx="0"/>
+          <a:effectRef idx="0"/>
+          <a:fontRef idx="minor"/>
+        </p:style>
+        <p:txBody>
+          <a:bodyPr lIns="90000" rIns="90000" tIns="45000" bIns="45000"/>
+          <a:p>
+            <a:pPr algn="just">
+              <a:lnSpc>
+                <a:spcPct val="200000"/>
+              </a:lnSpc>
+              <a:spcBef>
+                <a:spcPts val="1001"/>
+              </a:spcBef>
+            </a:pPr>
+            <a:r>
+              <a:rPr b="0" lang="en-US" sz="3000" spc="-1" strike="noStrike">
+                <a:solidFill>
+                  <a:srgbClr val="000000"/>
+                </a:solidFill>
+                <a:latin typeface="Calibri"/>
+                <a:ea typeface="DejaVu Sans"/>
+              </a:rPr>
+              <a:t>	</a:t>
+            </a:r>
+            <a:endParaRPr b="0" lang="en-US" sz="3000" spc="-1" strike="noStrike">
+              <a:latin typeface="Arial"/>
+            </a:endParaRPr>
+          </a:p>
+        </p:txBody>
+      </p:sp>
+      <p:sp>
+        <p:nvSpPr>
+          <p:cNvPr id="174" name="CustomShape 3"/>
+          <p:cNvSpPr/>
+          <p:nvPr/>
+        </p:nvSpPr>
+        <p:spPr>
+          <a:xfrm>
+            <a:off x="8610480" y="6356520"/>
+            <a:ext cx="2741760" cy="363600"/>
+          </a:xfrm>
+          <a:prstGeom prst="rect">
+            <a:avLst/>
+          </a:prstGeom>
+          <a:noFill/>
+          <a:ln>
+            <a:noFill/>
+          </a:ln>
+        </p:spPr>
+        <p:style>
+          <a:lnRef idx="0"/>
+          <a:fillRef idx="0"/>
+          <a:effectRef idx="0"/>
+          <a:fontRef idx="minor"/>
+        </p:style>
+        <p:txBody>
+          <a:bodyPr lIns="90000" rIns="90000" tIns="45000" bIns="45000" anchor="ctr"/>
+          <a:p>
+            <a:pPr algn="r">
+              <a:lnSpc>
+                <a:spcPct val="100000"/>
+              </a:lnSpc>
+            </a:pPr>
+            <a:fld id="{6120C15A-BEDD-4FBD-86DC-09F48F0542F1}" type="slidenum">
+              <a:rPr b="0" lang="en-US" sz="1200" spc="-1" strike="noStrike">
+                <a:solidFill>
+                  <a:srgbClr val="8b8b8b"/>
+                </a:solidFill>
+                <a:latin typeface="Calibri"/>
+                <a:ea typeface="DejaVu Sans"/>
+              </a:rPr>
+              <a:t>&lt;number&gt;</a:t>
+            </a:fld>
+            <a:endParaRPr b="0" lang="en-US" sz="1200" spc="-1" strike="noStrike">
+              <a:latin typeface="Arial"/>
+            </a:endParaRPr>
+          </a:p>
+        </p:txBody>
+      </p:sp>
+      <p:sp>
+        <p:nvSpPr>
+          <p:cNvPr id="175" name="CustomShape 4"/>
+          <p:cNvSpPr/>
+          <p:nvPr/>
+        </p:nvSpPr>
+        <p:spPr>
+          <a:xfrm>
+            <a:off x="582840" y="2263320"/>
+            <a:ext cx="11114640" cy="4093920"/>
+          </a:xfrm>
+          <a:prstGeom prst="rect">
+            <a:avLst/>
+          </a:prstGeom>
+          <a:noFill/>
+          <a:ln>
+            <a:noFill/>
+          </a:ln>
+        </p:spPr>
+        <p:style>
+          <a:lnRef idx="0"/>
+          <a:fillRef idx="0"/>
+          <a:effectRef idx="0"/>
+          <a:fontRef idx="minor"/>
+        </p:style>
+        <p:txBody>
+          <a:bodyPr lIns="90000" rIns="90000" tIns="45000" bIns="45000"/>
+          <a:p>
+            <a:pPr algn="just">
+              <a:lnSpc>
+                <a:spcPct val="150000"/>
+              </a:lnSpc>
+              <a:spcBef>
+                <a:spcPts val="1001"/>
+              </a:spcBef>
+            </a:pPr>
+            <a:r>
+              <a:rPr b="0" lang="en-US" sz="2800" spc="-1" strike="noStrike">
+                <a:solidFill>
+                  <a:srgbClr val="000000"/>
+                </a:solidFill>
+                <a:latin typeface="Arial"/>
+                <a:ea typeface="DejaVu Sans"/>
+              </a:rPr>
+              <a:t>	</a:t>
+            </a:r>
+            <a:r>
+              <a:rPr b="0" lang="en-US" sz="2800" spc="-1" strike="noStrike">
+                <a:solidFill>
+                  <a:srgbClr val="000000"/>
+                </a:solidFill>
+                <a:latin typeface="Arial"/>
+                <a:ea typeface="DejaVu Sans"/>
+              </a:rPr>
+              <a:t>Nhóm đã tiếp cận và hoàn thành được một ứng dụng nhỏ từ phần mềm nguồn mở, phần mềm sẽ được hoàn thiện thêm sau góp ý của thầy và các bạn.</a:t>
+            </a:r>
+            <a:endParaRPr b="0" lang="en-US" sz="2800" spc="-1" strike="noStrike">
+              <a:latin typeface="Arial"/>
+            </a:endParaRPr>
+          </a:p>
+        </p:txBody>
+      </p:sp>
+      <p:sp>
+        <p:nvSpPr>
+          <p:cNvPr id="176" name="CustomShape 5"/>
+          <p:cNvSpPr/>
+          <p:nvPr/>
+        </p:nvSpPr>
+        <p:spPr>
+          <a:xfrm>
+            <a:off x="0" y="0"/>
+            <a:ext cx="8461800" cy="1166040"/>
+          </a:xfrm>
+          <a:prstGeom prst="rect">
+            <a:avLst/>
+          </a:prstGeom>
+          <a:solidFill>
+            <a:schemeClr val="accent5"/>
+          </a:solidFill>
+          <a:ln>
+            <a:noFill/>
+          </a:ln>
+        </p:spPr>
+        <p:style>
+          <a:lnRef idx="0"/>
+          <a:fillRef idx="0"/>
+          <a:effectRef idx="0"/>
+          <a:fontRef idx="minor"/>
+        </p:style>
+        <p:txBody>
+          <a:bodyPr lIns="90000" rIns="90000" tIns="45000" bIns="45000" anchor="ctr">
+            <a:normAutofit/>
+          </a:bodyPr>
+          <a:p>
+            <a:pPr algn="ctr">
+              <a:lnSpc>
+                <a:spcPct val="90000"/>
+              </a:lnSpc>
+            </a:pPr>
+            <a:r>
+              <a:rPr b="1" lang="en-US" sz="3200" spc="-1" strike="noStrike">
+                <a:solidFill>
+                  <a:srgbClr val="ffffff"/>
+                </a:solidFill>
+                <a:latin typeface="Arial"/>
+                <a:ea typeface="DejaVu Sans"/>
+              </a:rPr>
+              <a:t>Báo cáo đồ án học phần PMMNM</a:t>
+            </a:r>
+            <a:endParaRPr b="0" lang="en-US" sz="3200" spc="-1" strike="noStrike">
+              <a:latin typeface="Arial"/>
+            </a:endParaRPr>
+          </a:p>
+        </p:txBody>
+      </p:sp>
+      <p:sp>
+        <p:nvSpPr>
+          <p:cNvPr id="177" name="CustomShape 6"/>
+          <p:cNvSpPr/>
+          <p:nvPr/>
+        </p:nvSpPr>
+        <p:spPr>
+          <a:xfrm>
+            <a:off x="8462520" y="0"/>
+            <a:ext cx="3727440" cy="1166040"/>
+          </a:xfrm>
+          <a:prstGeom prst="rect">
+            <a:avLst/>
+          </a:prstGeom>
+          <a:solidFill>
+            <a:schemeClr val="tx1">
+              <a:lumMod val="95000"/>
+              <a:lumOff val="5000"/>
+            </a:schemeClr>
+          </a:solidFill>
+          <a:ln>
+            <a:noFill/>
+          </a:ln>
+        </p:spPr>
+        <p:style>
+          <a:lnRef idx="0"/>
+          <a:fillRef idx="0"/>
+          <a:effectRef idx="0"/>
+          <a:fontRef idx="minor"/>
+        </p:style>
+        <p:txBody>
+          <a:bodyPr lIns="90000" rIns="90000" tIns="45000" bIns="45000" anchor="ctr">
+            <a:normAutofit/>
+          </a:bodyPr>
+          <a:p>
+            <a:pPr marL="720">
+              <a:lnSpc>
+                <a:spcPct val="90000"/>
+              </a:lnSpc>
+            </a:pPr>
+            <a:r>
+              <a:rPr b="1" lang="en-US" sz="1800" spc="-1" strike="noStrike">
+                <a:solidFill>
+                  <a:srgbClr val="767171"/>
+                </a:solidFill>
+                <a:latin typeface="Arial"/>
+                <a:ea typeface="DejaVu Sans"/>
+              </a:rPr>
+              <a:t>1.   Mô tả</a:t>
+            </a:r>
+            <a:endParaRPr b="0" lang="en-US" sz="1800" spc="-1" strike="noStrike">
+              <a:latin typeface="Arial"/>
+            </a:endParaRPr>
+          </a:p>
+          <a:p>
+            <a:pPr marL="720">
+              <a:lnSpc>
+                <a:spcPct val="90000"/>
+              </a:lnSpc>
+            </a:pPr>
+            <a:r>
+              <a:rPr b="1" lang="en-US" sz="1800" spc="-1" strike="noStrike">
+                <a:solidFill>
+                  <a:srgbClr val="808080"/>
+                </a:solidFill>
+                <a:latin typeface="Arial"/>
+                <a:ea typeface="DejaVu Sans"/>
+              </a:rPr>
+              <a:t>2.   Giao diện phần mềm</a:t>
+            </a:r>
+            <a:endParaRPr b="0" lang="en-US" sz="1800" spc="-1" strike="noStrike">
+              <a:latin typeface="Arial"/>
+            </a:endParaRPr>
+          </a:p>
+          <a:p>
+            <a:pPr marL="720">
+              <a:lnSpc>
+                <a:spcPct val="90000"/>
+              </a:lnSpc>
+            </a:pPr>
+            <a:r>
+              <a:rPr b="1" lang="en-US" sz="1800" spc="-1" strike="noStrike">
+                <a:solidFill>
+                  <a:srgbClr val="808080"/>
+                </a:solidFill>
+                <a:latin typeface="Arial"/>
+                <a:ea typeface="DejaVu Sans"/>
+              </a:rPr>
+              <a:t>3.   Kết quả</a:t>
+            </a:r>
+            <a:endParaRPr b="0" lang="en-US" sz="1800" spc="-1" strike="noStrike">
+              <a:latin typeface="Arial"/>
+            </a:endParaRPr>
+          </a:p>
+          <a:p>
+            <a:pPr marL="720">
+              <a:lnSpc>
+                <a:spcPct val="90000"/>
+              </a:lnSpc>
+            </a:pPr>
+            <a:r>
+              <a:rPr b="1" lang="en-US" sz="1800" spc="-1" strike="noStrike">
+                <a:solidFill>
+                  <a:srgbClr val="ffffff"/>
+                </a:solidFill>
+                <a:latin typeface="Arial"/>
+                <a:ea typeface="DejaVu Sans"/>
+              </a:rPr>
+              <a:t>4.   Kết luận</a:t>
+            </a:r>
+            <a:endParaRPr b="0" lang="en-US" sz="1800" spc="-1" strike="noStrike">
+              <a:latin typeface="Arial"/>
+            </a:endParaRPr>
+          </a:p>
+        </p:txBody>
+      </p:sp>
+    </p:spTree>
+  </p:cSld>
+  <p:timing>
+    <p:tnLst>
+      <p:par>
+        <p:cTn id="19" dur="indefinite" restart="never" nodeType="tmRoot">
+          <p:childTnLst>
+            <p:seq>
+              <p:cTn id="20" dur="indefinite" nodeType="mainSeq"/>
+              <p:prevCondLst>
+                <p:cond delay="0" evt="onPrev">
+                  <p:tgtEl>
+                    <p:sldTgt/>
+                  </p:tgtEl>
+                </p:cond>
+              </p:prevCondLst>
+              <p:nextCondLst>
+                <p:cond delay="0" evt="onNext">
+                  <p:tgtEl>
+                    <p:sldTgt/>
+                  </p:tgtEl>
+                </p:cond>
+              </p:nextCondLst>
+            </p:seq>
+          </p:childTnLst>
+        </p:cTn>
+      </p:par>
+    </p:tnLst>
+  </p:timing>
+</p:sld>
+</file>
+
+<file path=ppt/slides/slide11.xml><?xml version="1.0" encoding="utf-8"?>
+<p:sld xmlns:a="http://schemas.openxmlformats.org/drawingml/2006/main" xmlns:p="http://schemas.openxmlformats.org/presentationml/2006/main" xmlns:r="http://schemas.openxmlformats.org/officeDocument/2006/relationships" xmlns:p14="http://schemas.microsoft.com/office/powerpoint/2010/main" xmlns:p15="http://schemas.microsoft.com/office/powerpoint/2012/main" xmlns:mc="http://schemas.openxmlformats.org/markup-compatibility/2006">
+  <p:cSld>
+    <p:spTree>
+      <p:nvGrpSpPr>
+        <p:cNvPr id="1" name=""/>
+        <p:cNvGrpSpPr/>
+        <p:nvPr/>
+      </p:nvGrpSpPr>
+      <p:grpSpPr>
+        <a:xfrm>
+          <a:off x="0" y="0"/>
+          <a:ext cx="0" cy="0"/>
+          <a:chOff x="0" y="0"/>
+          <a:chExt cx="0" cy="0"/>
+        </a:xfrm>
+      </p:grpSpPr>
+      <p:sp>
+        <p:nvSpPr>
+          <p:cNvPr id="178" name="CustomShape 1"/>
+          <p:cNvSpPr/>
+          <p:nvPr/>
+        </p:nvSpPr>
+        <p:spPr>
+          <a:xfrm>
+            <a:off x="10566360" y="6356520"/>
+            <a:ext cx="1014480" cy="363600"/>
+          </a:xfrm>
+          <a:prstGeom prst="rect">
+            <a:avLst/>
+          </a:prstGeom>
+          <a:noFill/>
+          <a:ln>
+            <a:noFill/>
+          </a:ln>
+        </p:spPr>
+        <p:style>
+          <a:lnRef idx="0"/>
+          <a:fillRef idx="0"/>
+          <a:effectRef idx="0"/>
+          <a:fontRef idx="minor"/>
+        </p:style>
+        <p:txBody>
+          <a:bodyPr lIns="0" rIns="0" tIns="0" bIns="0" anchor="b"/>
+          <a:p>
+            <a:pPr algn="r">
+              <a:lnSpc>
+                <a:spcPct val="100000"/>
+              </a:lnSpc>
+            </a:pPr>
+            <a:fld id="{15D3BA70-923E-4C6C-8D76-D99363391ABB}" type="slidenum">
+              <a:rPr b="0" lang="en-US" sz="1200" spc="-1" strike="noStrike">
+                <a:solidFill>
+                  <a:srgbClr val="035c75"/>
+                </a:solidFill>
+                <a:latin typeface="Constantia"/>
+                <a:ea typeface="DejaVu Sans"/>
+              </a:rPr>
+              <a:t>&lt;number&gt;</a:t>
+            </a:fld>
+            <a:endParaRPr b="0" lang="en-US" sz="1200" spc="-1" strike="noStrike">
+              <a:latin typeface="Arial"/>
+            </a:endParaRPr>
+          </a:p>
+        </p:txBody>
+      </p:sp>
+      <p:pic>
+        <p:nvPicPr>
+          <p:cNvPr id="179" name="Picture 2" descr=""/>
+          <p:cNvPicPr/>
+          <p:nvPr/>
+        </p:nvPicPr>
+        <p:blipFill>
+          <a:blip r:embed="rId1"/>
+          <a:stretch/>
+        </p:blipFill>
+        <p:spPr>
+          <a:xfrm rot="10800000">
+            <a:off x="48766320" y="10260000"/>
+            <a:ext cx="12190680" cy="1133280"/>
+          </a:xfrm>
+          <a:prstGeom prst="rect">
+            <a:avLst/>
+          </a:prstGeom>
+          <a:ln>
+            <a:noFill/>
+          </a:ln>
+        </p:spPr>
+      </p:pic>
+      <p:sp>
+        <p:nvSpPr>
+          <p:cNvPr id="180" name="CustomShape 2"/>
+          <p:cNvSpPr/>
+          <p:nvPr/>
+        </p:nvSpPr>
+        <p:spPr>
+          <a:xfrm>
+            <a:off x="0" y="2804760"/>
+            <a:ext cx="12190680" cy="621000"/>
+          </a:xfrm>
+          <a:prstGeom prst="rect">
+            <a:avLst/>
+          </a:prstGeom>
+          <a:noFill/>
+          <a:ln>
+            <a:noFill/>
+          </a:ln>
+        </p:spPr>
+        <p:style>
+          <a:lnRef idx="0"/>
+          <a:fillRef idx="0"/>
+          <a:effectRef idx="0"/>
+          <a:fontRef idx="minor"/>
+        </p:style>
+        <p:txBody>
+          <a:bodyPr lIns="90000" rIns="90000" tIns="45000" bIns="45000"/>
+          <a:p>
+            <a:pPr algn="ctr">
+              <a:lnSpc>
+                <a:spcPct val="100000"/>
+              </a:lnSpc>
+              <a:spcBef>
+                <a:spcPts val="879"/>
+              </a:spcBef>
+            </a:pPr>
+            <a:r>
+              <a:rPr b="1" lang="en-US" sz="4400" spc="-1" strike="noStrike">
+                <a:solidFill>
+                  <a:srgbClr val="000000"/>
+                </a:solidFill>
+                <a:latin typeface="Constantia"/>
+                <a:ea typeface="DejaVu Sans"/>
+              </a:rPr>
+              <a:t>Cảm ơn thầy và các bạn đã theo dõi</a:t>
+            </a:r>
+            <a:endParaRPr b="0" lang="en-US" sz="4400" spc="-1" strike="noStrike">
+              <a:latin typeface="Arial"/>
+            </a:endParaRPr>
+          </a:p>
+        </p:txBody>
+      </p:sp>
+    </p:spTree>
+  </p:cSld>
+  <p:timing>
+    <p:tnLst>
+      <p:par>
+        <p:cTn id="21" dur="indefinite" restart="never" nodeType="tmRoot">
+          <p:childTnLst>
+            <p:seq>
+              <p:cTn id="22" dur="indefinite" nodeType="mainSeq"/>
+              <p:prevCondLst>
+                <p:cond delay="0" evt="onPrev">
+                  <p:tgtEl>
+                    <p:sldTgt/>
+                  </p:tgtEl>
+                </p:cond>
+              </p:prevCondLst>
+              <p:nextCondLst>
+                <p:cond delay="0" evt="onNext">
+                  <p:tgtEl>
+                    <p:sldTgt/>
+                  </p:tgtEl>
+                </p:cond>
+              </p:nextCondLst>
+            </p:seq>
+          </p:childTnLst>
+        </p:cTn>
+      </p:par>
+    </p:tnLst>
+  </p:timing>
+</p:sld>
+</file>
+
+<file path=ppt/slides/slide2.xml><?xml version="1.0" encoding="utf-8"?>
+<p:sld xmlns:a="http://schemas.openxmlformats.org/drawingml/2006/main" xmlns:p="http://schemas.openxmlformats.org/presentationml/2006/main" xmlns:r="http://schemas.openxmlformats.org/officeDocument/2006/relationships" xmlns:p14="http://schemas.microsoft.com/office/powerpoint/2010/main" xmlns:p15="http://schemas.microsoft.com/office/powerpoint/2012/main" xmlns:mc="http://schemas.openxmlformats.org/markup-compatibility/2006">
+  <p:cSld>
+    <p:spTree>
+      <p:nvGrpSpPr>
+        <p:cNvPr id="1" name=""/>
+        <p:cNvGrpSpPr/>
+        <p:nvPr/>
+      </p:nvGrpSpPr>
+      <p:grpSpPr>
+        <a:xfrm>
+          <a:off x="0" y="0"/>
+          <a:ext cx="0" cy="0"/>
+          <a:chOff x="0" y="0"/>
+          <a:chExt cx="0" cy="0"/>
+        </a:xfrm>
+      </p:grpSpPr>
+      <p:sp>
+        <p:nvSpPr>
+          <p:cNvPr id="127" name="CustomShape 1"/>
+          <p:cNvSpPr/>
+          <p:nvPr/>
+        </p:nvSpPr>
+        <p:spPr>
+          <a:xfrm>
+            <a:off x="0" y="0"/>
+            <a:ext cx="12190680" cy="1166040"/>
+          </a:xfrm>
+          <a:prstGeom prst="rect">
+            <a:avLst/>
+          </a:prstGeom>
+          <a:solidFill>
+            <a:srgbClr val="2e75b6"/>
+          </a:solidFill>
+          <a:ln>
+            <a:noFill/>
+          </a:ln>
+        </p:spPr>
+        <p:style>
+          <a:lnRef idx="0"/>
+          <a:fillRef idx="0"/>
+          <a:effectRef idx="0"/>
+          <a:fontRef idx="minor"/>
+        </p:style>
+        <p:txBody>
+          <a:bodyPr lIns="90000" rIns="90000" tIns="45000" bIns="45000" anchor="ctr">
+            <a:normAutofit/>
+          </a:bodyPr>
+          <a:p>
+            <a:pPr>
+              <a:lnSpc>
+                <a:spcPct val="90000"/>
+              </a:lnSpc>
+            </a:pPr>
+            <a:r>
+              <a:rPr b="1" lang="en-US" sz="3100" spc="-1" strike="noStrike">
+                <a:solidFill>
+                  <a:srgbClr val="ffffff"/>
+                </a:solidFill>
+                <a:latin typeface="Arial"/>
+                <a:ea typeface="DejaVu Sans"/>
+              </a:rPr>
+              <a:t>	</a:t>
+            </a:r>
+            <a:r>
+              <a:rPr b="1" lang="en-US" sz="3100" spc="-1" strike="noStrike">
+                <a:solidFill>
+                  <a:srgbClr val="ffffff"/>
+                </a:solidFill>
+                <a:latin typeface="Arial"/>
+                <a:ea typeface="DejaVu Sans"/>
+              </a:rPr>
+              <a:t>NỘI DUNG BÁO CÁO </a:t>
+            </a:r>
+            <a:endParaRPr b="0" lang="en-US" sz="3100" spc="-1" strike="noStrike">
+              <a:latin typeface="Arial"/>
+            </a:endParaRPr>
+          </a:p>
+        </p:txBody>
+      </p:sp>
+      <p:sp>
+        <p:nvSpPr>
+          <p:cNvPr id="128" name="CustomShape 2"/>
+          <p:cNvSpPr/>
+          <p:nvPr/>
+        </p:nvSpPr>
+        <p:spPr>
+          <a:xfrm>
+            <a:off x="0" y="1860840"/>
+            <a:ext cx="12190680" cy="621000"/>
+          </a:xfrm>
+          <a:prstGeom prst="rect">
+            <a:avLst/>
+          </a:prstGeom>
+          <a:noFill/>
+          <a:ln>
+            <a:noFill/>
+          </a:ln>
+        </p:spPr>
+        <p:style>
+          <a:lnRef idx="0"/>
+          <a:fillRef idx="0"/>
+          <a:effectRef idx="0"/>
+          <a:fontRef idx="minor"/>
+        </p:style>
+        <p:txBody>
+          <a:bodyPr lIns="90000" rIns="90000" tIns="45000" bIns="45000"/>
+          <a:p>
+            <a:pPr>
+              <a:lnSpc>
+                <a:spcPct val="90000"/>
+              </a:lnSpc>
+              <a:spcBef>
+                <a:spcPts val="1001"/>
+              </a:spcBef>
+            </a:pPr>
+            <a:r>
+              <a:rPr b="0" lang="en-US" sz="2800" spc="-1" strike="noStrike">
+                <a:solidFill>
+                  <a:srgbClr val="000000"/>
+                </a:solidFill>
+                <a:latin typeface="Calibri"/>
+                <a:ea typeface="DejaVu Sans"/>
+              </a:rPr>
+              <a:t>	</a:t>
+            </a:r>
+            <a:r>
+              <a:rPr b="0" lang="en-US" sz="3200" spc="-1" strike="noStrike">
+                <a:solidFill>
+                  <a:srgbClr val="000000"/>
+                </a:solidFill>
+                <a:latin typeface="Arial"/>
+                <a:ea typeface="DejaVu Sans"/>
+              </a:rPr>
+              <a:t>1. Mô tả</a:t>
+            </a:r>
+            <a:endParaRPr b="0" lang="en-US" sz="3200" spc="-1" strike="noStrike">
+              <a:latin typeface="Arial"/>
+            </a:endParaRPr>
+          </a:p>
+        </p:txBody>
+      </p:sp>
+      <p:sp>
+        <p:nvSpPr>
+          <p:cNvPr id="129" name="CustomShape 3"/>
+          <p:cNvSpPr/>
+          <p:nvPr/>
+        </p:nvSpPr>
+        <p:spPr>
+          <a:xfrm>
+            <a:off x="0" y="2848320"/>
+            <a:ext cx="12190680" cy="621000"/>
+          </a:xfrm>
+          <a:prstGeom prst="rect">
+            <a:avLst/>
+          </a:prstGeom>
+          <a:noFill/>
+          <a:ln>
+            <a:noFill/>
+          </a:ln>
+        </p:spPr>
+        <p:style>
+          <a:lnRef idx="0"/>
+          <a:fillRef idx="0"/>
+          <a:effectRef idx="0"/>
+          <a:fontRef idx="minor"/>
+        </p:style>
+        <p:txBody>
+          <a:bodyPr lIns="90000" rIns="90000" tIns="45000" bIns="45000">
+            <a:normAutofit/>
+          </a:bodyPr>
+          <a:p>
+            <a:pPr>
+              <a:lnSpc>
+                <a:spcPct val="90000"/>
+              </a:lnSpc>
+              <a:spcBef>
+                <a:spcPts val="1001"/>
+              </a:spcBef>
+            </a:pPr>
+            <a:r>
+              <a:rPr b="0" lang="en-US" sz="2800" spc="-1" strike="noStrike">
+                <a:solidFill>
+                  <a:srgbClr val="000000"/>
+                </a:solidFill>
+                <a:latin typeface="Calibri"/>
+                <a:ea typeface="DejaVu Sans"/>
+              </a:rPr>
+              <a:t>	</a:t>
+            </a:r>
+            <a:r>
+              <a:rPr b="0" lang="en-US" sz="3200" spc="-1" strike="noStrike">
+                <a:solidFill>
+                  <a:srgbClr val="000000"/>
+                </a:solidFill>
+                <a:latin typeface="Arial"/>
+                <a:ea typeface="DejaVu Sans"/>
+              </a:rPr>
+              <a:t>2. Giao diện phần mềm</a:t>
+            </a:r>
+            <a:endParaRPr b="0" lang="en-US" sz="3200" spc="-1" strike="noStrike">
+              <a:latin typeface="Arial"/>
+            </a:endParaRPr>
+          </a:p>
+        </p:txBody>
+      </p:sp>
+      <p:sp>
+        <p:nvSpPr>
+          <p:cNvPr id="130" name="CustomShape 4"/>
+          <p:cNvSpPr/>
+          <p:nvPr/>
+        </p:nvSpPr>
+        <p:spPr>
+          <a:xfrm>
+            <a:off x="0" y="3835800"/>
+            <a:ext cx="12190680" cy="621000"/>
+          </a:xfrm>
+          <a:prstGeom prst="rect">
+            <a:avLst/>
+          </a:prstGeom>
+          <a:noFill/>
+          <a:ln>
+            <a:noFill/>
+          </a:ln>
+        </p:spPr>
+        <p:style>
+          <a:lnRef idx="0"/>
+          <a:fillRef idx="0"/>
+          <a:effectRef idx="0"/>
+          <a:fontRef idx="minor"/>
+        </p:style>
+        <p:txBody>
+          <a:bodyPr lIns="90000" rIns="90000" tIns="45000" bIns="45000">
+            <a:normAutofit/>
+          </a:bodyPr>
+          <a:p>
+            <a:pPr>
+              <a:lnSpc>
+                <a:spcPct val="90000"/>
+              </a:lnSpc>
+              <a:spcBef>
+                <a:spcPts val="1001"/>
+              </a:spcBef>
+            </a:pPr>
+            <a:r>
+              <a:rPr b="0" lang="en-US" sz="2800" spc="-1" strike="noStrike">
+                <a:solidFill>
+                  <a:srgbClr val="000000"/>
+                </a:solidFill>
+                <a:latin typeface="Calibri"/>
+                <a:ea typeface="DejaVu Sans"/>
+              </a:rPr>
+              <a:t>	</a:t>
+            </a:r>
+            <a:r>
+              <a:rPr b="0" lang="en-US" sz="3200" spc="-1" strike="noStrike">
+                <a:solidFill>
+                  <a:srgbClr val="000000"/>
+                </a:solidFill>
+                <a:latin typeface="Arial"/>
+                <a:ea typeface="DejaVu Sans"/>
+              </a:rPr>
+              <a:t>3. Kết quả các chức năng đã xây dựng</a:t>
+            </a:r>
+            <a:endParaRPr b="0" lang="en-US" sz="3200" spc="-1" strike="noStrike">
+              <a:latin typeface="Arial"/>
+            </a:endParaRPr>
+          </a:p>
+        </p:txBody>
+      </p:sp>
+      <p:sp>
+        <p:nvSpPr>
+          <p:cNvPr id="131" name="CustomShape 5"/>
+          <p:cNvSpPr/>
+          <p:nvPr/>
+        </p:nvSpPr>
+        <p:spPr>
+          <a:xfrm>
+            <a:off x="0" y="4823280"/>
+            <a:ext cx="12190680" cy="621000"/>
+          </a:xfrm>
+          <a:prstGeom prst="rect">
+            <a:avLst/>
+          </a:prstGeom>
+          <a:noFill/>
+          <a:ln>
+            <a:noFill/>
+          </a:ln>
+        </p:spPr>
+        <p:style>
+          <a:lnRef idx="0"/>
+          <a:fillRef idx="0"/>
+          <a:effectRef idx="0"/>
+          <a:fontRef idx="minor"/>
+        </p:style>
+        <p:txBody>
+          <a:bodyPr lIns="90000" rIns="90000" tIns="45000" bIns="45000">
+            <a:normAutofit/>
+          </a:bodyPr>
+          <a:p>
+            <a:pPr>
+              <a:lnSpc>
+                <a:spcPct val="90000"/>
+              </a:lnSpc>
+              <a:spcBef>
+                <a:spcPts val="1001"/>
+              </a:spcBef>
+            </a:pPr>
+            <a:r>
+              <a:rPr b="0" lang="en-US" sz="2800" spc="-1" strike="noStrike">
+                <a:solidFill>
+                  <a:srgbClr val="000000"/>
+                </a:solidFill>
+                <a:latin typeface="Arial"/>
+                <a:ea typeface="DejaVu Sans"/>
+              </a:rPr>
+              <a:t>	</a:t>
+            </a:r>
+            <a:r>
+              <a:rPr b="0" lang="en-US" sz="3200" spc="-1" strike="noStrike">
+                <a:solidFill>
+                  <a:srgbClr val="000000"/>
+                </a:solidFill>
+                <a:latin typeface="Arial"/>
+                <a:ea typeface="DejaVu Sans"/>
+              </a:rPr>
+              <a:t>4. Kết luận</a:t>
+            </a:r>
+            <a:endParaRPr b="0" lang="en-US" sz="3200" spc="-1" strike="noStrike">
+              <a:latin typeface="Arial"/>
+            </a:endParaRPr>
+          </a:p>
+        </p:txBody>
+      </p:sp>
+      <p:sp>
+        <p:nvSpPr>
+          <p:cNvPr id="132" name="CustomShape 6"/>
+          <p:cNvSpPr/>
+          <p:nvPr/>
+        </p:nvSpPr>
+        <p:spPr>
+          <a:xfrm>
+            <a:off x="8610480" y="6356520"/>
+            <a:ext cx="2741760" cy="363600"/>
+          </a:xfrm>
+          <a:prstGeom prst="rect">
+            <a:avLst/>
+          </a:prstGeom>
+          <a:noFill/>
+          <a:ln>
+            <a:noFill/>
+          </a:ln>
+        </p:spPr>
+        <p:style>
+          <a:lnRef idx="0"/>
+          <a:fillRef idx="0"/>
+          <a:effectRef idx="0"/>
+          <a:fontRef idx="minor"/>
+        </p:style>
+        <p:txBody>
+          <a:bodyPr lIns="90000" rIns="90000" tIns="45000" bIns="45000" anchor="ctr"/>
+          <a:p>
+            <a:pPr algn="r">
+              <a:lnSpc>
+                <a:spcPct val="100000"/>
+              </a:lnSpc>
+            </a:pPr>
+            <a:fld id="{7296D974-BBD8-41DE-B12C-7351126BD404}" type="slidenum">
+              <a:rPr b="0" lang="en-US" sz="1200" spc="-1" strike="noStrike">
+                <a:solidFill>
+                  <a:srgbClr val="8b8b8b"/>
+                </a:solidFill>
+                <a:latin typeface="Calibri"/>
+                <a:ea typeface="DejaVu Sans"/>
+              </a:rPr>
+              <a:t>&lt;number&gt;</a:t>
+            </a:fld>
+            <a:endParaRPr b="0" lang="en-US" sz="1200" spc="-1" strike="noStrike">
+              <a:latin typeface="Arial"/>
+            </a:endParaRPr>
+          </a:p>
+        </p:txBody>
+      </p:sp>
+    </p:spTree>
+  </p:cSld>
+  <p:timing>
+    <p:tnLst>
+      <p:par>
+        <p:cTn id="3" dur="indefinite" restart="never" nodeType="tmRoot">
+          <p:childTnLst>
+            <p:seq>
+              <p:cTn id="4" dur="indefinite" nodeType="mainSeq"/>
+              <p:prevCondLst>
+                <p:cond delay="0" evt="onPrev">
+                  <p:tgtEl>
+                    <p:sldTgt/>
+                  </p:tgtEl>
+                </p:cond>
+              </p:prevCondLst>
+              <p:nextCondLst>
+                <p:cond delay="0" evt="onNext">
+                  <p:tgtEl>
+                    <p:sldTgt/>
+                  </p:tgtEl>
+                </p:cond>
+              </p:nextCondLst>
+            </p:seq>
+          </p:childTnLst>
+        </p:cTn>
+      </p:par>
+    </p:tnLst>
+  </p:timing>
+</p:sld>
+</file>
+
+<file path=ppt/slides/slide3.xml><?xml version="1.0" encoding="utf-8"?>
+<p:sld xmlns:a="http://schemas.openxmlformats.org/drawingml/2006/main" xmlns:p="http://schemas.openxmlformats.org/presentationml/2006/main" xmlns:r="http://schemas.openxmlformats.org/officeDocument/2006/relationships" xmlns:p14="http://schemas.microsoft.com/office/powerpoint/2010/main" xmlns:p15="http://schemas.microsoft.com/office/powerpoint/2012/main" xmlns:mc="http://schemas.openxmlformats.org/markup-compatibility/2006">
+  <p:cSld>
+    <p:spTree>
+      <p:nvGrpSpPr>
+        <p:cNvPr id="1" name=""/>
+        <p:cNvGrpSpPr/>
+        <p:nvPr/>
+      </p:nvGrpSpPr>
+      <p:grpSpPr>
+        <a:xfrm>
+          <a:off x="0" y="0"/>
+          <a:ext cx="0" cy="0"/>
+          <a:chOff x="0" y="0"/>
+          <a:chExt cx="0" cy="0"/>
+        </a:xfrm>
+      </p:grpSpPr>
+      <p:sp>
+        <p:nvSpPr>
+          <p:cNvPr id="133" name="CustomShape 1"/>
+          <p:cNvSpPr/>
+          <p:nvPr/>
+        </p:nvSpPr>
+        <p:spPr>
+          <a:xfrm>
+            <a:off x="0" y="0"/>
+            <a:ext cx="8461800" cy="1166040"/>
+          </a:xfrm>
+          <a:prstGeom prst="rect">
+            <a:avLst/>
+          </a:prstGeom>
+          <a:solidFill>
+            <a:srgbClr val="4472c4"/>
+          </a:solidFill>
+          <a:ln>
+            <a:noFill/>
+          </a:ln>
+        </p:spPr>
+        <p:style>
+          <a:lnRef idx="0"/>
+          <a:fillRef idx="0"/>
+          <a:effectRef idx="0"/>
+          <a:fontRef idx="minor"/>
+        </p:style>
+        <p:txBody>
+          <a:bodyPr lIns="90000" rIns="90000" tIns="45000" bIns="45000" anchor="ctr">
+            <a:normAutofit/>
+          </a:bodyPr>
+          <a:p>
+            <a:pPr algn="ctr">
+              <a:lnSpc>
+                <a:spcPct val="90000"/>
+              </a:lnSpc>
+            </a:pPr>
+            <a:r>
+              <a:rPr b="1" lang="en-US" sz="3200" spc="-1" strike="noStrike">
+                <a:solidFill>
+                  <a:srgbClr val="ffffff"/>
+                </a:solidFill>
+                <a:latin typeface="Arial"/>
+                <a:ea typeface="DejaVu Sans"/>
+              </a:rPr>
+              <a:t>Báo cáo đồ án học phần PMMNM</a:t>
+            </a:r>
+            <a:endParaRPr b="0" lang="en-US" sz="3200" spc="-1" strike="noStrike">
+              <a:latin typeface="Arial"/>
+            </a:endParaRPr>
+          </a:p>
+        </p:txBody>
+      </p:sp>
+      <p:sp>
+        <p:nvSpPr>
+          <p:cNvPr id="134" name="CustomShape 2"/>
+          <p:cNvSpPr/>
+          <p:nvPr/>
+        </p:nvSpPr>
+        <p:spPr>
+          <a:xfrm>
+            <a:off x="0" y="1567440"/>
+            <a:ext cx="12190680" cy="621000"/>
+          </a:xfrm>
+          <a:prstGeom prst="rect">
+            <a:avLst/>
+          </a:prstGeom>
+          <a:noFill/>
+          <a:ln>
+            <a:noFill/>
+          </a:ln>
+        </p:spPr>
+        <p:style>
+          <a:lnRef idx="0"/>
+          <a:fillRef idx="0"/>
+          <a:effectRef idx="0"/>
+          <a:fontRef idx="minor"/>
+        </p:style>
+        <p:txBody>
+          <a:bodyPr lIns="90000" rIns="90000" tIns="45000" bIns="45000"/>
+          <a:p>
+            <a:pPr>
+              <a:lnSpc>
+                <a:spcPct val="90000"/>
+              </a:lnSpc>
+              <a:spcBef>
+                <a:spcPts val="1001"/>
+              </a:spcBef>
+            </a:pPr>
+            <a:r>
+              <a:rPr b="1" lang="en-US" sz="2800" spc="-1" strike="noStrike">
+                <a:solidFill>
+                  <a:srgbClr val="000000"/>
+                </a:solidFill>
+                <a:latin typeface="Calibri"/>
+                <a:ea typeface="DejaVu Sans"/>
+              </a:rPr>
+              <a:t>	</a:t>
+            </a:r>
+            <a:r>
+              <a:rPr b="1" lang="en-US" sz="3200" spc="-1" strike="noStrike">
+                <a:solidFill>
+                  <a:srgbClr val="000000"/>
+                </a:solidFill>
+                <a:latin typeface="Arial"/>
+                <a:ea typeface="DejaVu Sans"/>
+              </a:rPr>
+              <a:t>1. Mô tả hệ thống CRM và Vtiger CRM</a:t>
+            </a:r>
+            <a:endParaRPr b="0" lang="en-US" sz="3200" spc="-1" strike="noStrike">
+              <a:latin typeface="Arial"/>
+            </a:endParaRPr>
+          </a:p>
+        </p:txBody>
+      </p:sp>
+      <p:sp>
+        <p:nvSpPr>
+          <p:cNvPr id="135" name="CustomShape 3"/>
+          <p:cNvSpPr/>
+          <p:nvPr/>
+        </p:nvSpPr>
+        <p:spPr>
+          <a:xfrm>
+            <a:off x="8463240" y="0"/>
+            <a:ext cx="3727440" cy="1166040"/>
+          </a:xfrm>
+          <a:prstGeom prst="rect">
+            <a:avLst/>
+          </a:prstGeom>
+          <a:solidFill>
+            <a:schemeClr val="tx1">
+              <a:lumMod val="95000"/>
+              <a:lumOff val="5000"/>
+            </a:schemeClr>
+          </a:solidFill>
+          <a:ln>
+            <a:noFill/>
+          </a:ln>
+        </p:spPr>
+        <p:style>
+          <a:lnRef idx="0"/>
+          <a:fillRef idx="0"/>
+          <a:effectRef idx="0"/>
+          <a:fontRef idx="minor"/>
+        </p:style>
+        <p:txBody>
+          <a:bodyPr lIns="90000" rIns="90000" tIns="45000" bIns="45000" anchor="ctr">
+            <a:normAutofit/>
+          </a:bodyPr>
+          <a:p>
+            <a:pPr marL="343080" indent="-341640">
+              <a:lnSpc>
+                <a:spcPct val="90000"/>
+              </a:lnSpc>
+              <a:buClr>
+                <a:srgbClr val="ffffff"/>
+              </a:buClr>
+              <a:buFont typeface="StarSymbol"/>
+              <a:buAutoNum type="arabicPeriod"/>
+            </a:pPr>
+            <a:r>
+              <a:rPr b="1" lang="en-US" sz="1800" spc="-1" strike="noStrike">
+                <a:solidFill>
+                  <a:srgbClr val="ffffff"/>
+                </a:solidFill>
+                <a:latin typeface="Arial"/>
+                <a:ea typeface="DejaVu Sans"/>
+              </a:rPr>
+              <a:t>Mô tả</a:t>
+            </a:r>
+            <a:endParaRPr b="0" lang="en-US" sz="1800" spc="-1" strike="noStrike">
+              <a:latin typeface="Arial"/>
+            </a:endParaRPr>
+          </a:p>
+          <a:p>
+            <a:pPr marL="343080" indent="-341640">
+              <a:lnSpc>
+                <a:spcPct val="90000"/>
+              </a:lnSpc>
+              <a:buClr>
+                <a:srgbClr val="767171"/>
+              </a:buClr>
+              <a:buFont typeface="StarSymbol"/>
+              <a:buAutoNum type="arabicPeriod"/>
+            </a:pPr>
+            <a:r>
+              <a:rPr b="1" lang="en-US" sz="1800" spc="-1" strike="noStrike">
+                <a:solidFill>
+                  <a:srgbClr val="767171"/>
+                </a:solidFill>
+                <a:latin typeface="Arial"/>
+                <a:ea typeface="DejaVu Sans"/>
+              </a:rPr>
+              <a:t>Giao diện phần mềm</a:t>
+            </a:r>
+            <a:endParaRPr b="0" lang="en-US" sz="1800" spc="-1" strike="noStrike">
+              <a:latin typeface="Arial"/>
+            </a:endParaRPr>
+          </a:p>
+          <a:p>
+            <a:pPr marL="343080" indent="-341640">
+              <a:lnSpc>
+                <a:spcPct val="90000"/>
+              </a:lnSpc>
+              <a:buClr>
+                <a:srgbClr val="767171"/>
+              </a:buClr>
+              <a:buFont typeface="StarSymbol"/>
+              <a:buAutoNum type="arabicPeriod"/>
+            </a:pPr>
+            <a:r>
+              <a:rPr b="1" lang="en-US" sz="1800" spc="-1" strike="noStrike">
+                <a:solidFill>
+                  <a:srgbClr val="767171"/>
+                </a:solidFill>
+                <a:latin typeface="Arial"/>
+                <a:ea typeface="DejaVu Sans"/>
+              </a:rPr>
+              <a:t>Kết quả</a:t>
+            </a:r>
+            <a:endParaRPr b="0" lang="en-US" sz="1800" spc="-1" strike="noStrike">
+              <a:latin typeface="Arial"/>
+            </a:endParaRPr>
+          </a:p>
+          <a:p>
+            <a:pPr marL="343080" indent="-341640">
+              <a:lnSpc>
+                <a:spcPct val="90000"/>
+              </a:lnSpc>
+              <a:buClr>
+                <a:srgbClr val="767171"/>
+              </a:buClr>
+              <a:buFont typeface="StarSymbol"/>
+              <a:buAutoNum type="arabicPeriod"/>
+            </a:pPr>
+            <a:r>
+              <a:rPr b="1" lang="en-US" sz="1800" spc="-1" strike="noStrike">
+                <a:solidFill>
+                  <a:srgbClr val="767171"/>
+                </a:solidFill>
+                <a:latin typeface="Arial"/>
+                <a:ea typeface="DejaVu Sans"/>
+              </a:rPr>
+              <a:t>Kết luận</a:t>
+            </a:r>
+            <a:endParaRPr b="0" lang="en-US" sz="1800" spc="-1" strike="noStrike">
+              <a:latin typeface="Arial"/>
+            </a:endParaRPr>
+          </a:p>
+        </p:txBody>
+      </p:sp>
+      <p:sp>
+        <p:nvSpPr>
+          <p:cNvPr id="136" name="CustomShape 4"/>
+          <p:cNvSpPr/>
+          <p:nvPr/>
+        </p:nvSpPr>
+        <p:spPr>
+          <a:xfrm>
+            <a:off x="0" y="2395800"/>
+            <a:ext cx="12190680" cy="3809160"/>
+          </a:xfrm>
+          <a:prstGeom prst="rect">
+            <a:avLst/>
+          </a:prstGeom>
+          <a:noFill/>
+          <a:ln>
+            <a:noFill/>
+          </a:ln>
+        </p:spPr>
+        <p:style>
+          <a:lnRef idx="0"/>
+          <a:fillRef idx="0"/>
+          <a:effectRef idx="0"/>
+          <a:fontRef idx="minor"/>
+        </p:style>
+        <p:txBody>
+          <a:bodyPr lIns="90000" rIns="90000" tIns="45000" bIns="45000"/>
+          <a:p>
+            <a:pPr algn="just">
+              <a:lnSpc>
+                <a:spcPct val="200000"/>
+              </a:lnSpc>
+              <a:spcBef>
+                <a:spcPts val="1001"/>
+              </a:spcBef>
+            </a:pPr>
+            <a:r>
+              <a:rPr b="0" lang="en-US" sz="3000" spc="-1" strike="noStrike">
+                <a:solidFill>
+                  <a:srgbClr val="000000"/>
+                </a:solidFill>
+                <a:latin typeface="Calibri"/>
+                <a:ea typeface="DejaVu Sans"/>
+              </a:rPr>
+              <a:t>	</a:t>
+            </a:r>
+            <a:endParaRPr b="0" lang="en-US" sz="3000" spc="-1" strike="noStrike">
+              <a:latin typeface="Arial"/>
+            </a:endParaRPr>
+          </a:p>
+        </p:txBody>
+      </p:sp>
+      <p:sp>
+        <p:nvSpPr>
+          <p:cNvPr id="137" name="CustomShape 5"/>
+          <p:cNvSpPr/>
+          <p:nvPr/>
+        </p:nvSpPr>
+        <p:spPr>
+          <a:xfrm>
+            <a:off x="8610480" y="6356520"/>
+            <a:ext cx="2741760" cy="363600"/>
+          </a:xfrm>
+          <a:prstGeom prst="rect">
+            <a:avLst/>
+          </a:prstGeom>
+          <a:noFill/>
+          <a:ln>
+            <a:noFill/>
+          </a:ln>
+        </p:spPr>
+        <p:style>
+          <a:lnRef idx="0"/>
+          <a:fillRef idx="0"/>
+          <a:effectRef idx="0"/>
+          <a:fontRef idx="minor"/>
+        </p:style>
+        <p:txBody>
+          <a:bodyPr lIns="90000" rIns="90000" tIns="45000" bIns="45000" anchor="ctr"/>
+          <a:p>
+            <a:pPr algn="r">
+              <a:lnSpc>
+                <a:spcPct val="100000"/>
+              </a:lnSpc>
+            </a:pPr>
+            <a:fld id="{9CCF556F-09BD-4038-93CC-BECFA2D63349}" type="slidenum">
+              <a:rPr b="0" lang="en-US" sz="1200" spc="-1" strike="noStrike">
+                <a:solidFill>
+                  <a:srgbClr val="8b8b8b"/>
+                </a:solidFill>
+                <a:latin typeface="Calibri"/>
+                <a:ea typeface="DejaVu Sans"/>
+              </a:rPr>
+              <a:t>&lt;number&gt;</a:t>
+            </a:fld>
+            <a:endParaRPr b="0" lang="en-US" sz="1200" spc="-1" strike="noStrike">
+              <a:latin typeface="Arial"/>
+            </a:endParaRPr>
+          </a:p>
+        </p:txBody>
+      </p:sp>
+      <p:sp>
+        <p:nvSpPr>
+          <p:cNvPr id="138" name="CustomShape 6"/>
+          <p:cNvSpPr/>
+          <p:nvPr/>
+        </p:nvSpPr>
+        <p:spPr>
+          <a:xfrm>
+            <a:off x="430200" y="2395800"/>
+            <a:ext cx="11302920" cy="3809160"/>
+          </a:xfrm>
+          <a:prstGeom prst="rect">
+            <a:avLst/>
+          </a:prstGeom>
+          <a:noFill/>
+          <a:ln>
+            <a:noFill/>
+          </a:ln>
+        </p:spPr>
+        <p:style>
+          <a:lnRef idx="0"/>
+          <a:fillRef idx="0"/>
+          <a:effectRef idx="0"/>
+          <a:fontRef idx="minor"/>
+        </p:style>
+        <p:txBody>
+          <a:bodyPr lIns="90000" rIns="90000" tIns="45000" bIns="45000"/>
+          <a:p>
+            <a:pPr>
+              <a:lnSpc>
+                <a:spcPct val="107000"/>
+              </a:lnSpc>
+              <a:spcAft>
+                <a:spcPts val="799"/>
+              </a:spcAft>
+            </a:pPr>
+            <a:r>
+              <a:rPr b="1" lang="en-US" sz="3200" spc="-1" strike="noStrike">
+                <a:solidFill>
+                  <a:srgbClr val="000000"/>
+                </a:solidFill>
+                <a:latin typeface="Times New Roman"/>
+                <a:ea typeface="Calibri"/>
+              </a:rPr>
+              <a:t>	</a:t>
+            </a:r>
+            <a:r>
+              <a:rPr b="1" lang="en-US" sz="3200" spc="-1" strike="noStrike">
+                <a:solidFill>
+                  <a:srgbClr val="000000"/>
+                </a:solidFill>
+                <a:latin typeface="Times New Roman"/>
+                <a:ea typeface="Calibri"/>
+              </a:rPr>
+              <a:t>Khái niệm CRM</a:t>
+            </a:r>
+            <a:endParaRPr b="0" lang="en-US" sz="3200" spc="-1" strike="noStrike">
+              <a:latin typeface="Arial"/>
+            </a:endParaRPr>
+          </a:p>
+          <a:p>
+            <a:pPr>
+              <a:lnSpc>
+                <a:spcPct val="107000"/>
+              </a:lnSpc>
+              <a:spcAft>
+                <a:spcPts val="799"/>
+              </a:spcAft>
+            </a:pPr>
+            <a:r>
+              <a:rPr b="0" lang="en-US" sz="3200" spc="-1" strike="noStrike">
+                <a:solidFill>
+                  <a:srgbClr val="000000"/>
+                </a:solidFill>
+                <a:latin typeface="Times New Roman"/>
+                <a:ea typeface="Calibri"/>
+              </a:rPr>
+              <a:t>	</a:t>
+            </a:r>
+            <a:r>
+              <a:rPr b="0" lang="en-US" sz="3200" spc="-1" strike="noStrike">
+                <a:solidFill>
+                  <a:srgbClr val="000000"/>
+                </a:solidFill>
+                <a:latin typeface="Times New Roman"/>
+                <a:ea typeface="Calibri"/>
+              </a:rPr>
+              <a:t>Trong doanh nghiệp, quản lý quan hệ khách hàng (CRM) được hiểu là quy trình giúp doanh nghiệp tiếp cận, giao tiếp và phục vụ nhu cầu khách hàng chính xác hơn. Các thông tin của khách hàng như: liên lạc, tải khoản, nhu cầu, lịch sử giao dịch sẽ được lưu trữ, tổ chức cho các chức năng phù hợp.</a:t>
+            </a:r>
+            <a:endParaRPr b="0" lang="en-US" sz="3200" spc="-1" strike="noStrike">
+              <a:latin typeface="Arial"/>
+            </a:endParaRPr>
+          </a:p>
+          <a:p>
+            <a:pPr marL="720" algn="just">
+              <a:lnSpc>
+                <a:spcPct val="200000"/>
+              </a:lnSpc>
+              <a:spcBef>
+                <a:spcPts val="1001"/>
+              </a:spcBef>
+            </a:pPr>
+            <a:endParaRPr b="0" lang="en-US" sz="3200" spc="-1" strike="noStrike">
+              <a:latin typeface="Arial"/>
+            </a:endParaRPr>
+          </a:p>
+        </p:txBody>
+      </p:sp>
+    </p:spTree>
+  </p:cSld>
+  <p:timing>
+    <p:tnLst>
+      <p:par>
+        <p:cTn id="5" dur="indefinite" restart="never" nodeType="tmRoot">
+          <p:childTnLst>
+            <p:seq>
+              <p:cTn id="6" dur="indefinite" nodeType="mainSeq"/>
+              <p:prevCondLst>
+                <p:cond delay="0" evt="onPrev">
+                  <p:tgtEl>
+                    <p:sldTgt/>
+                  </p:tgtEl>
+                </p:cond>
+              </p:prevCondLst>
+              <p:nextCondLst>
+                <p:cond delay="0" evt="onNext">
+                  <p:tgtEl>
+                    <p:sldTgt/>
+                  </p:tgtEl>
+                </p:cond>
+              </p:nextCondLst>
+            </p:seq>
+          </p:childTnLst>
+        </p:cTn>
+      </p:par>
+    </p:tnLst>
+  </p:timing>
+</p:sld>
+</file>
+
+<file path=ppt/slides/slide4.xml><?xml version="1.0" encoding="utf-8"?>
+<p:sld xmlns:a="http://schemas.openxmlformats.org/drawingml/2006/main" xmlns:p="http://schemas.openxmlformats.org/presentationml/2006/main" xmlns:r="http://schemas.openxmlformats.org/officeDocument/2006/relationships" xmlns:p14="http://schemas.microsoft.com/office/powerpoint/2010/main" xmlns:p15="http://schemas.microsoft.com/office/powerpoint/2012/main" xmlns:mc="http://schemas.openxmlformats.org/markup-compatibility/2006">
+  <p:cSld>
+    <p:spTree>
+      <p:nvGrpSpPr>
+        <p:cNvPr id="1" name=""/>
+        <p:cNvGrpSpPr/>
+        <p:nvPr/>
+      </p:nvGrpSpPr>
+      <p:grpSpPr>
+        <a:xfrm>
+          <a:off x="0" y="0"/>
+          <a:ext cx="0" cy="0"/>
+          <a:chOff x="0" y="0"/>
+          <a:chExt cx="0" cy="0"/>
+        </a:xfrm>
+      </p:grpSpPr>
+      <p:sp>
+        <p:nvSpPr>
+          <p:cNvPr id="139" name="CustomShape 1"/>
+          <p:cNvSpPr/>
+          <p:nvPr/>
+        </p:nvSpPr>
+        <p:spPr>
+          <a:xfrm>
+            <a:off x="0" y="0"/>
+            <a:ext cx="8461800" cy="1166040"/>
+          </a:xfrm>
+          <a:prstGeom prst="rect">
+            <a:avLst/>
+          </a:prstGeom>
+          <a:solidFill>
+            <a:srgbClr val="4472c4"/>
+          </a:solidFill>
+          <a:ln>
+            <a:noFill/>
+          </a:ln>
+        </p:spPr>
+        <p:style>
+          <a:lnRef idx="0"/>
+          <a:fillRef idx="0"/>
+          <a:effectRef idx="0"/>
+          <a:fontRef idx="minor"/>
+        </p:style>
+        <p:txBody>
+          <a:bodyPr lIns="90000" rIns="90000" tIns="45000" bIns="45000" anchor="ctr">
+            <a:normAutofit/>
+          </a:bodyPr>
+          <a:p>
+            <a:pPr algn="ctr">
+              <a:lnSpc>
+                <a:spcPct val="90000"/>
+              </a:lnSpc>
+            </a:pPr>
+            <a:r>
+              <a:rPr b="1" lang="en-US" sz="3200" spc="-1" strike="noStrike">
+                <a:solidFill>
+                  <a:srgbClr val="ffffff"/>
+                </a:solidFill>
+                <a:latin typeface="Arial"/>
+                <a:ea typeface="DejaVu Sans"/>
+              </a:rPr>
+              <a:t>Báo cáo đồ án học phần PMMNM</a:t>
+            </a:r>
+            <a:endParaRPr b="0" lang="en-US" sz="3200" spc="-1" strike="noStrike">
+              <a:latin typeface="Arial"/>
+            </a:endParaRPr>
+          </a:p>
+        </p:txBody>
+      </p:sp>
+      <p:sp>
+        <p:nvSpPr>
+          <p:cNvPr id="140" name="CustomShape 2"/>
+          <p:cNvSpPr/>
+          <p:nvPr/>
+        </p:nvSpPr>
+        <p:spPr>
+          <a:xfrm>
+            <a:off x="0" y="1567440"/>
+            <a:ext cx="12190680" cy="621000"/>
+          </a:xfrm>
+          <a:prstGeom prst="rect">
+            <a:avLst/>
+          </a:prstGeom>
+          <a:noFill/>
+          <a:ln>
+            <a:noFill/>
+          </a:ln>
+        </p:spPr>
+        <p:style>
+          <a:lnRef idx="0"/>
+          <a:fillRef idx="0"/>
+          <a:effectRef idx="0"/>
+          <a:fontRef idx="minor"/>
+        </p:style>
+        <p:txBody>
+          <a:bodyPr lIns="90000" rIns="90000" tIns="45000" bIns="45000"/>
+          <a:p>
+            <a:pPr>
+              <a:lnSpc>
+                <a:spcPct val="90000"/>
+              </a:lnSpc>
+              <a:spcBef>
+                <a:spcPts val="1001"/>
+              </a:spcBef>
+            </a:pPr>
+            <a:r>
+              <a:rPr b="1" lang="en-US" sz="2800" spc="-1" strike="noStrike">
+                <a:solidFill>
+                  <a:srgbClr val="000000"/>
+                </a:solidFill>
+                <a:latin typeface="Calibri"/>
+                <a:ea typeface="DejaVu Sans"/>
+              </a:rPr>
+              <a:t>	</a:t>
+            </a:r>
+            <a:r>
+              <a:rPr b="1" lang="en-US" sz="3200" spc="-1" strike="noStrike">
+                <a:solidFill>
+                  <a:srgbClr val="000000"/>
+                </a:solidFill>
+                <a:latin typeface="Arial"/>
+                <a:ea typeface="DejaVu Sans"/>
+              </a:rPr>
+              <a:t>1. Mô tả hệ thống CRM và Vtiger CRM</a:t>
+            </a:r>
+            <a:endParaRPr b="0" lang="en-US" sz="3200" spc="-1" strike="noStrike">
+              <a:latin typeface="Arial"/>
+            </a:endParaRPr>
+          </a:p>
+        </p:txBody>
+      </p:sp>
+      <p:sp>
+        <p:nvSpPr>
+          <p:cNvPr id="141" name="CustomShape 3"/>
+          <p:cNvSpPr/>
+          <p:nvPr/>
+        </p:nvSpPr>
+        <p:spPr>
+          <a:xfrm>
+            <a:off x="8463240" y="0"/>
+            <a:ext cx="3727440" cy="1166040"/>
+          </a:xfrm>
+          <a:prstGeom prst="rect">
+            <a:avLst/>
+          </a:prstGeom>
+          <a:solidFill>
+            <a:schemeClr val="tx1">
+              <a:lumMod val="95000"/>
+              <a:lumOff val="5000"/>
+            </a:schemeClr>
+          </a:solidFill>
+          <a:ln>
+            <a:noFill/>
+          </a:ln>
+        </p:spPr>
+        <p:style>
+          <a:lnRef idx="0"/>
+          <a:fillRef idx="0"/>
+          <a:effectRef idx="0"/>
+          <a:fontRef idx="minor"/>
+        </p:style>
+        <p:txBody>
+          <a:bodyPr lIns="90000" rIns="90000" tIns="45000" bIns="45000" anchor="ctr">
+            <a:normAutofit/>
+          </a:bodyPr>
+          <a:p>
+            <a:pPr marL="343080" indent="-341640">
+              <a:lnSpc>
+                <a:spcPct val="90000"/>
+              </a:lnSpc>
+              <a:buClr>
+                <a:srgbClr val="ffffff"/>
+              </a:buClr>
+              <a:buFont typeface="StarSymbol"/>
+              <a:buAutoNum type="arabicPeriod"/>
+            </a:pPr>
+            <a:r>
+              <a:rPr b="1" lang="en-US" sz="1800" spc="-1" strike="noStrike">
+                <a:solidFill>
+                  <a:srgbClr val="ffffff"/>
+                </a:solidFill>
+                <a:latin typeface="Arial"/>
+                <a:ea typeface="DejaVu Sans"/>
+              </a:rPr>
+              <a:t>Mô tả</a:t>
+            </a:r>
+            <a:endParaRPr b="0" lang="en-US" sz="1800" spc="-1" strike="noStrike">
+              <a:latin typeface="Arial"/>
+            </a:endParaRPr>
+          </a:p>
+          <a:p>
+            <a:pPr marL="343080" indent="-341640">
+              <a:lnSpc>
+                <a:spcPct val="90000"/>
+              </a:lnSpc>
+              <a:buClr>
+                <a:srgbClr val="767171"/>
+              </a:buClr>
+              <a:buFont typeface="StarSymbol"/>
+              <a:buAutoNum type="arabicPeriod"/>
+            </a:pPr>
+            <a:r>
+              <a:rPr b="1" lang="en-US" sz="1800" spc="-1" strike="noStrike">
+                <a:solidFill>
+                  <a:srgbClr val="767171"/>
+                </a:solidFill>
+                <a:latin typeface="Arial"/>
+                <a:ea typeface="DejaVu Sans"/>
+              </a:rPr>
+              <a:t>Giao diện phần mềm</a:t>
+            </a:r>
+            <a:endParaRPr b="0" lang="en-US" sz="1800" spc="-1" strike="noStrike">
+              <a:latin typeface="Arial"/>
+            </a:endParaRPr>
+          </a:p>
+          <a:p>
+            <a:pPr marL="343080" indent="-341640">
+              <a:lnSpc>
+                <a:spcPct val="90000"/>
+              </a:lnSpc>
+              <a:buClr>
+                <a:srgbClr val="767171"/>
+              </a:buClr>
+              <a:buFont typeface="StarSymbol"/>
+              <a:buAutoNum type="arabicPeriod"/>
+            </a:pPr>
+            <a:r>
+              <a:rPr b="1" lang="en-US" sz="1800" spc="-1" strike="noStrike">
+                <a:solidFill>
+                  <a:srgbClr val="767171"/>
+                </a:solidFill>
+                <a:latin typeface="Arial"/>
+                <a:ea typeface="DejaVu Sans"/>
+              </a:rPr>
+              <a:t>Kết quả</a:t>
+            </a:r>
+            <a:endParaRPr b="0" lang="en-US" sz="1800" spc="-1" strike="noStrike">
+              <a:latin typeface="Arial"/>
+            </a:endParaRPr>
+          </a:p>
+          <a:p>
+            <a:pPr marL="343080" indent="-341640">
+              <a:lnSpc>
+                <a:spcPct val="90000"/>
+              </a:lnSpc>
+              <a:buClr>
+                <a:srgbClr val="767171"/>
+              </a:buClr>
+              <a:buFont typeface="StarSymbol"/>
+              <a:buAutoNum type="arabicPeriod"/>
+            </a:pPr>
+            <a:r>
+              <a:rPr b="1" lang="en-US" sz="1800" spc="-1" strike="noStrike">
+                <a:solidFill>
+                  <a:srgbClr val="767171"/>
+                </a:solidFill>
+                <a:latin typeface="Arial"/>
+                <a:ea typeface="DejaVu Sans"/>
+              </a:rPr>
+              <a:t>Kết luận</a:t>
+            </a:r>
+            <a:endParaRPr b="0" lang="en-US" sz="1800" spc="-1" strike="noStrike">
+              <a:latin typeface="Arial"/>
+            </a:endParaRPr>
+          </a:p>
+        </p:txBody>
+      </p:sp>
+      <p:sp>
+        <p:nvSpPr>
+          <p:cNvPr id="142" name="CustomShape 4"/>
+          <p:cNvSpPr/>
+          <p:nvPr/>
+        </p:nvSpPr>
+        <p:spPr>
+          <a:xfrm>
+            <a:off x="0" y="2395800"/>
+            <a:ext cx="12190680" cy="3809160"/>
+          </a:xfrm>
+          <a:prstGeom prst="rect">
+            <a:avLst/>
+          </a:prstGeom>
+          <a:noFill/>
+          <a:ln>
+            <a:noFill/>
+          </a:ln>
+        </p:spPr>
+        <p:style>
+          <a:lnRef idx="0"/>
+          <a:fillRef idx="0"/>
+          <a:effectRef idx="0"/>
+          <a:fontRef idx="minor"/>
+        </p:style>
+        <p:txBody>
+          <a:bodyPr lIns="90000" rIns="90000" tIns="45000" bIns="45000"/>
+          <a:p>
+            <a:pPr algn="just">
+              <a:lnSpc>
+                <a:spcPct val="200000"/>
+              </a:lnSpc>
+              <a:spcBef>
+                <a:spcPts val="1001"/>
+              </a:spcBef>
+            </a:pPr>
+            <a:r>
+              <a:rPr b="0" lang="en-US" sz="3000" spc="-1" strike="noStrike">
+                <a:solidFill>
+                  <a:srgbClr val="000000"/>
+                </a:solidFill>
+                <a:latin typeface="Calibri"/>
+                <a:ea typeface="DejaVu Sans"/>
+              </a:rPr>
+              <a:t>	</a:t>
+            </a:r>
+            <a:endParaRPr b="0" lang="en-US" sz="3000" spc="-1" strike="noStrike">
+              <a:latin typeface="Arial"/>
+            </a:endParaRPr>
+          </a:p>
+        </p:txBody>
+      </p:sp>
+      <p:sp>
+        <p:nvSpPr>
+          <p:cNvPr id="143" name="CustomShape 5"/>
+          <p:cNvSpPr/>
+          <p:nvPr/>
+        </p:nvSpPr>
+        <p:spPr>
+          <a:xfrm>
+            <a:off x="8610480" y="6356520"/>
+            <a:ext cx="2741760" cy="363600"/>
+          </a:xfrm>
+          <a:prstGeom prst="rect">
+            <a:avLst/>
+          </a:prstGeom>
+          <a:noFill/>
+          <a:ln>
+            <a:noFill/>
+          </a:ln>
+        </p:spPr>
+        <p:style>
+          <a:lnRef idx="0"/>
+          <a:fillRef idx="0"/>
+          <a:effectRef idx="0"/>
+          <a:fontRef idx="minor"/>
+        </p:style>
+        <p:txBody>
+          <a:bodyPr lIns="90000" rIns="90000" tIns="45000" bIns="45000" anchor="ctr"/>
+          <a:p>
+            <a:pPr algn="r">
+              <a:lnSpc>
+                <a:spcPct val="100000"/>
+              </a:lnSpc>
+            </a:pPr>
+            <a:fld id="{103D84C2-5BAC-49F1-A977-5C7D3EDB97CE}" type="slidenum">
+              <a:rPr b="0" lang="en-US" sz="1200" spc="-1" strike="noStrike">
+                <a:solidFill>
+                  <a:srgbClr val="8b8b8b"/>
+                </a:solidFill>
+                <a:latin typeface="Calibri"/>
+                <a:ea typeface="DejaVu Sans"/>
+              </a:rPr>
+              <a:t>&lt;number&gt;</a:t>
+            </a:fld>
+            <a:endParaRPr b="0" lang="en-US" sz="1200" spc="-1" strike="noStrike">
+              <a:latin typeface="Arial"/>
+            </a:endParaRPr>
+          </a:p>
+        </p:txBody>
+      </p:sp>
+      <p:sp>
+        <p:nvSpPr>
+          <p:cNvPr id="144" name="CustomShape 6"/>
+          <p:cNvSpPr/>
+          <p:nvPr/>
+        </p:nvSpPr>
+        <p:spPr>
+          <a:xfrm>
+            <a:off x="430200" y="2395800"/>
+            <a:ext cx="11302920" cy="3809160"/>
+          </a:xfrm>
+          <a:prstGeom prst="rect">
+            <a:avLst/>
+          </a:prstGeom>
+          <a:noFill/>
+          <a:ln>
+            <a:noFill/>
+          </a:ln>
+        </p:spPr>
+        <p:style>
+          <a:lnRef idx="0"/>
+          <a:fillRef idx="0"/>
+          <a:effectRef idx="0"/>
+          <a:fontRef idx="minor"/>
+        </p:style>
+        <p:txBody>
+          <a:bodyPr lIns="90000" rIns="90000" tIns="45000" bIns="45000"/>
+          <a:p>
+            <a:pPr>
+              <a:lnSpc>
+                <a:spcPct val="107000"/>
+              </a:lnSpc>
+              <a:spcAft>
+                <a:spcPts val="799"/>
+              </a:spcAft>
+            </a:pPr>
+            <a:r>
+              <a:rPr b="1" lang="en-US" sz="3200" spc="-1" strike="noStrike">
+                <a:solidFill>
+                  <a:srgbClr val="000000"/>
+                </a:solidFill>
+                <a:latin typeface="Times New Roman"/>
+                <a:ea typeface="Calibri"/>
+              </a:rPr>
+              <a:t>	</a:t>
+            </a:r>
+            <a:r>
+              <a:rPr b="1" lang="en-US" sz="3200" spc="-1" strike="noStrike">
+                <a:solidFill>
+                  <a:srgbClr val="000000"/>
+                </a:solidFill>
+                <a:latin typeface="Times New Roman"/>
+                <a:ea typeface="Calibri"/>
+              </a:rPr>
+              <a:t>Nền tảng Vtiger CRM </a:t>
+            </a:r>
+            <a:endParaRPr b="0" lang="en-US" sz="3200" spc="-1" strike="noStrike">
+              <a:latin typeface="Arial"/>
+            </a:endParaRPr>
+          </a:p>
+          <a:p>
+            <a:pPr>
+              <a:lnSpc>
+                <a:spcPct val="107000"/>
+              </a:lnSpc>
+              <a:spcAft>
+                <a:spcPts val="799"/>
+              </a:spcAft>
+            </a:pPr>
+            <a:r>
+              <a:rPr b="0" lang="en-US" sz="3200" spc="-1" strike="noStrike">
+                <a:solidFill>
+                  <a:srgbClr val="000000"/>
+                </a:solidFill>
+                <a:latin typeface="Times New Roman"/>
+                <a:ea typeface="Calibri"/>
+              </a:rPr>
+              <a:t>	</a:t>
+            </a:r>
+            <a:r>
+              <a:rPr b="0" lang="en-US" sz="3200" spc="-1" strike="noStrike">
+                <a:solidFill>
+                  <a:srgbClr val="000000"/>
+                </a:solidFill>
+                <a:latin typeface="Times New Roman"/>
+                <a:ea typeface="Calibri"/>
+              </a:rPr>
+              <a:t>Là một open source software phục vụ lĩnh vực CRM cho doanh nghiệp. Hiện nay có rất nhiều hệ thống nguồn mở CRM tương tự như: Odoo CRM, Vtiger, SuiteCRM, salesforceCRM, BizflyCRM. </a:t>
+            </a:r>
+            <a:endParaRPr b="0" lang="en-US" sz="3200" spc="-1" strike="noStrike">
+              <a:latin typeface="Arial"/>
+            </a:endParaRPr>
+          </a:p>
+          <a:p>
+            <a:pPr marL="720" algn="just">
+              <a:lnSpc>
+                <a:spcPct val="200000"/>
+              </a:lnSpc>
+              <a:spcBef>
+                <a:spcPts val="1001"/>
+              </a:spcBef>
+            </a:pPr>
+            <a:endParaRPr b="0" lang="en-US" sz="3200" spc="-1" strike="noStrike">
+              <a:latin typeface="Arial"/>
+            </a:endParaRPr>
+          </a:p>
+        </p:txBody>
+      </p:sp>
+    </p:spTree>
+  </p:cSld>
+  <p:timing>
+    <p:tnLst>
+      <p:par>
+        <p:cTn id="7" dur="indefinite" restart="never" nodeType="tmRoot">
+          <p:childTnLst>
+            <p:seq>
+              <p:cTn id="8" dur="indefinite" nodeType="mainSeq"/>
+              <p:prevCondLst>
+                <p:cond delay="0" evt="onPrev">
+                  <p:tgtEl>
+                    <p:sldTgt/>
+                  </p:tgtEl>
+                </p:cond>
+              </p:prevCondLst>
+              <p:nextCondLst>
+                <p:cond delay="0" evt="onNext">
+                  <p:tgtEl>
+                    <p:sldTgt/>
+                  </p:tgtEl>
+                </p:cond>
+              </p:nextCondLst>
+            </p:seq>
+          </p:childTnLst>
+        </p:cTn>
+      </p:par>
+    </p:tnLst>
+  </p:timing>
+</p:sld>
+</file>
+
+<file path=ppt/slides/slide5.xml><?xml version="1.0" encoding="utf-8"?>
+<p:sld xmlns:a="http://schemas.openxmlformats.org/drawingml/2006/main" xmlns:p="http://schemas.openxmlformats.org/presentationml/2006/main" xmlns:r="http://schemas.openxmlformats.org/officeDocument/2006/relationships" xmlns:p14="http://schemas.microsoft.com/office/powerpoint/2010/main" xmlns:p15="http://schemas.microsoft.com/office/powerpoint/2012/main" xmlns:mc="http://schemas.openxmlformats.org/markup-compatibility/2006">
+  <p:cSld>
+    <p:spTree>
+      <p:nvGrpSpPr>
+        <p:cNvPr id="1" name=""/>
+        <p:cNvGrpSpPr/>
+        <p:nvPr/>
+      </p:nvGrpSpPr>
+      <p:grpSpPr>
+        <a:xfrm>
+          <a:off x="0" y="0"/>
+          <a:ext cx="0" cy="0"/>
+          <a:chOff x="0" y="0"/>
+          <a:chExt cx="0" cy="0"/>
+        </a:xfrm>
+      </p:grpSpPr>
+      <p:sp>
+        <p:nvSpPr>
+          <p:cNvPr id="145" name="CustomShape 1"/>
+          <p:cNvSpPr/>
+          <p:nvPr/>
+        </p:nvSpPr>
+        <p:spPr>
+          <a:xfrm>
+            <a:off x="0" y="0"/>
+            <a:ext cx="8461800" cy="1166040"/>
+          </a:xfrm>
+          <a:prstGeom prst="rect">
+            <a:avLst/>
+          </a:prstGeom>
+          <a:solidFill>
+            <a:srgbClr val="4472c4"/>
+          </a:solidFill>
+          <a:ln>
+            <a:noFill/>
+          </a:ln>
+        </p:spPr>
+        <p:style>
+          <a:lnRef idx="0"/>
+          <a:fillRef idx="0"/>
+          <a:effectRef idx="0"/>
+          <a:fontRef idx="minor"/>
+        </p:style>
+        <p:txBody>
+          <a:bodyPr lIns="90000" rIns="90000" tIns="45000" bIns="45000" anchor="ctr">
+            <a:normAutofit/>
+          </a:bodyPr>
+          <a:p>
+            <a:pPr algn="ctr">
+              <a:lnSpc>
+                <a:spcPct val="90000"/>
+              </a:lnSpc>
+            </a:pPr>
+            <a:r>
+              <a:rPr b="1" lang="en-US" sz="3200" spc="-1" strike="noStrike">
+                <a:solidFill>
+                  <a:srgbClr val="ffffff"/>
+                </a:solidFill>
+                <a:latin typeface="Arial"/>
+                <a:ea typeface="DejaVu Sans"/>
+              </a:rPr>
+              <a:t>Báo cáo đồ án học phần PMMNM</a:t>
+            </a:r>
+            <a:endParaRPr b="0" lang="en-US" sz="3200" spc="-1" strike="noStrike">
+              <a:latin typeface="Arial"/>
+            </a:endParaRPr>
+          </a:p>
+        </p:txBody>
+      </p:sp>
+      <p:sp>
+        <p:nvSpPr>
+          <p:cNvPr id="146" name="CustomShape 2"/>
+          <p:cNvSpPr/>
+          <p:nvPr/>
+        </p:nvSpPr>
+        <p:spPr>
+          <a:xfrm>
+            <a:off x="0" y="1567440"/>
+            <a:ext cx="12190680" cy="621000"/>
+          </a:xfrm>
+          <a:prstGeom prst="rect">
+            <a:avLst/>
+          </a:prstGeom>
+          <a:noFill/>
+          <a:ln>
+            <a:noFill/>
+          </a:ln>
+        </p:spPr>
+        <p:style>
+          <a:lnRef idx="0"/>
+          <a:fillRef idx="0"/>
+          <a:effectRef idx="0"/>
+          <a:fontRef idx="minor"/>
+        </p:style>
+        <p:txBody>
+          <a:bodyPr lIns="90000" rIns="90000" tIns="45000" bIns="45000"/>
+          <a:p>
+            <a:pPr>
+              <a:lnSpc>
+                <a:spcPct val="90000"/>
+              </a:lnSpc>
+              <a:spcBef>
+                <a:spcPts val="1001"/>
+              </a:spcBef>
+            </a:pPr>
+            <a:r>
+              <a:rPr b="1" lang="en-US" sz="2800" spc="-1" strike="noStrike">
+                <a:solidFill>
+                  <a:srgbClr val="000000"/>
+                </a:solidFill>
+                <a:latin typeface="Calibri"/>
+                <a:ea typeface="DejaVu Sans"/>
+              </a:rPr>
+              <a:t>	</a:t>
+            </a:r>
+            <a:r>
+              <a:rPr b="1" lang="en-US" sz="3200" spc="-1" strike="noStrike">
+                <a:solidFill>
+                  <a:srgbClr val="000000"/>
+                </a:solidFill>
+                <a:latin typeface="Arial"/>
+                <a:ea typeface="DejaVu Sans"/>
+              </a:rPr>
+              <a:t>1. Mô tả hệ thống CRM và Vtiger CRM</a:t>
+            </a:r>
+            <a:endParaRPr b="0" lang="en-US" sz="3200" spc="-1" strike="noStrike">
+              <a:latin typeface="Arial"/>
+            </a:endParaRPr>
+          </a:p>
+        </p:txBody>
+      </p:sp>
+      <p:sp>
+        <p:nvSpPr>
+          <p:cNvPr id="147" name="CustomShape 3"/>
+          <p:cNvSpPr/>
+          <p:nvPr/>
+        </p:nvSpPr>
+        <p:spPr>
+          <a:xfrm>
+            <a:off x="8463240" y="0"/>
+            <a:ext cx="3727440" cy="1166040"/>
+          </a:xfrm>
+          <a:prstGeom prst="rect">
+            <a:avLst/>
+          </a:prstGeom>
+          <a:solidFill>
+            <a:schemeClr val="tx1">
+              <a:lumMod val="95000"/>
+              <a:lumOff val="5000"/>
+            </a:schemeClr>
+          </a:solidFill>
+          <a:ln>
+            <a:noFill/>
+          </a:ln>
+        </p:spPr>
+        <p:style>
+          <a:lnRef idx="0"/>
+          <a:fillRef idx="0"/>
+          <a:effectRef idx="0"/>
+          <a:fontRef idx="minor"/>
+        </p:style>
+        <p:txBody>
+          <a:bodyPr lIns="90000" rIns="90000" tIns="45000" bIns="45000" anchor="ctr">
+            <a:normAutofit/>
+          </a:bodyPr>
+          <a:p>
+            <a:pPr marL="343080" indent="-341640">
+              <a:lnSpc>
+                <a:spcPct val="90000"/>
+              </a:lnSpc>
+              <a:buClr>
+                <a:srgbClr val="ffffff"/>
+              </a:buClr>
+              <a:buFont typeface="StarSymbol"/>
+              <a:buAutoNum type="arabicPeriod"/>
+            </a:pPr>
+            <a:r>
+              <a:rPr b="1" lang="en-US" sz="1800" spc="-1" strike="noStrike">
+                <a:solidFill>
+                  <a:srgbClr val="ffffff"/>
+                </a:solidFill>
+                <a:latin typeface="Arial"/>
+                <a:ea typeface="DejaVu Sans"/>
+              </a:rPr>
+              <a:t>Mô tả</a:t>
+            </a:r>
+            <a:endParaRPr b="0" lang="en-US" sz="1800" spc="-1" strike="noStrike">
+              <a:latin typeface="Arial"/>
+            </a:endParaRPr>
+          </a:p>
+          <a:p>
+            <a:pPr marL="343080" indent="-341640">
+              <a:lnSpc>
+                <a:spcPct val="90000"/>
+              </a:lnSpc>
+              <a:buClr>
+                <a:srgbClr val="767171"/>
+              </a:buClr>
+              <a:buFont typeface="StarSymbol"/>
+              <a:buAutoNum type="arabicPeriod"/>
+            </a:pPr>
+            <a:r>
+              <a:rPr b="1" lang="en-US" sz="1800" spc="-1" strike="noStrike">
+                <a:solidFill>
+                  <a:srgbClr val="767171"/>
+                </a:solidFill>
+                <a:latin typeface="Arial"/>
+                <a:ea typeface="DejaVu Sans"/>
+              </a:rPr>
+              <a:t>Giao diện phần mềm</a:t>
+            </a:r>
+            <a:endParaRPr b="0" lang="en-US" sz="1800" spc="-1" strike="noStrike">
+              <a:latin typeface="Arial"/>
+            </a:endParaRPr>
+          </a:p>
+          <a:p>
+            <a:pPr marL="343080" indent="-341640">
+              <a:lnSpc>
+                <a:spcPct val="90000"/>
+              </a:lnSpc>
+              <a:buClr>
+                <a:srgbClr val="767171"/>
+              </a:buClr>
+              <a:buFont typeface="StarSymbol"/>
+              <a:buAutoNum type="arabicPeriod"/>
+            </a:pPr>
+            <a:r>
+              <a:rPr b="1" lang="en-US" sz="1800" spc="-1" strike="noStrike">
+                <a:solidFill>
+                  <a:srgbClr val="767171"/>
+                </a:solidFill>
+                <a:latin typeface="Arial"/>
+                <a:ea typeface="DejaVu Sans"/>
+              </a:rPr>
+              <a:t>Kết quả</a:t>
+            </a:r>
+            <a:endParaRPr b="0" lang="en-US" sz="1800" spc="-1" strike="noStrike">
+              <a:latin typeface="Arial"/>
+            </a:endParaRPr>
+          </a:p>
+          <a:p>
+            <a:pPr marL="343080" indent="-341640">
+              <a:lnSpc>
+                <a:spcPct val="90000"/>
+              </a:lnSpc>
+              <a:buClr>
+                <a:srgbClr val="767171"/>
+              </a:buClr>
+              <a:buFont typeface="StarSymbol"/>
+              <a:buAutoNum type="arabicPeriod"/>
+            </a:pPr>
+            <a:r>
+              <a:rPr b="1" lang="en-US" sz="1800" spc="-1" strike="noStrike">
+                <a:solidFill>
+                  <a:srgbClr val="767171"/>
+                </a:solidFill>
+                <a:latin typeface="Arial"/>
+                <a:ea typeface="DejaVu Sans"/>
+              </a:rPr>
+              <a:t>Kết luận</a:t>
+            </a:r>
+            <a:endParaRPr b="0" lang="en-US" sz="1800" spc="-1" strike="noStrike">
+              <a:latin typeface="Arial"/>
+            </a:endParaRPr>
+          </a:p>
+        </p:txBody>
+      </p:sp>
+      <p:sp>
+        <p:nvSpPr>
+          <p:cNvPr id="148" name="CustomShape 4"/>
+          <p:cNvSpPr/>
+          <p:nvPr/>
+        </p:nvSpPr>
+        <p:spPr>
+          <a:xfrm>
+            <a:off x="0" y="2395800"/>
+            <a:ext cx="12190680" cy="3809160"/>
+          </a:xfrm>
+          <a:prstGeom prst="rect">
+            <a:avLst/>
+          </a:prstGeom>
+          <a:noFill/>
+          <a:ln>
+            <a:noFill/>
+          </a:ln>
+        </p:spPr>
+        <p:style>
+          <a:lnRef idx="0"/>
+          <a:fillRef idx="0"/>
+          <a:effectRef idx="0"/>
+          <a:fontRef idx="minor"/>
+        </p:style>
+        <p:txBody>
+          <a:bodyPr lIns="90000" rIns="90000" tIns="45000" bIns="45000"/>
+          <a:p>
+            <a:pPr algn="just">
+              <a:lnSpc>
+                <a:spcPct val="200000"/>
+              </a:lnSpc>
+              <a:spcBef>
+                <a:spcPts val="1001"/>
+              </a:spcBef>
+            </a:pPr>
+            <a:r>
+              <a:rPr b="0" lang="en-US" sz="3000" spc="-1" strike="noStrike">
+                <a:solidFill>
+                  <a:srgbClr val="000000"/>
+                </a:solidFill>
+                <a:latin typeface="Calibri"/>
+                <a:ea typeface="DejaVu Sans"/>
+              </a:rPr>
+              <a:t>	</a:t>
+            </a:r>
+            <a:endParaRPr b="0" lang="en-US" sz="3000" spc="-1" strike="noStrike">
+              <a:latin typeface="Arial"/>
+            </a:endParaRPr>
+          </a:p>
+        </p:txBody>
+      </p:sp>
+      <p:sp>
+        <p:nvSpPr>
+          <p:cNvPr id="149" name="CustomShape 5"/>
+          <p:cNvSpPr/>
+          <p:nvPr/>
+        </p:nvSpPr>
+        <p:spPr>
+          <a:xfrm>
+            <a:off x="8610480" y="6356520"/>
+            <a:ext cx="2741760" cy="363600"/>
+          </a:xfrm>
+          <a:prstGeom prst="rect">
+            <a:avLst/>
+          </a:prstGeom>
+          <a:noFill/>
+          <a:ln>
+            <a:noFill/>
+          </a:ln>
+        </p:spPr>
+        <p:style>
+          <a:lnRef idx="0"/>
+          <a:fillRef idx="0"/>
+          <a:effectRef idx="0"/>
+          <a:fontRef idx="minor"/>
+        </p:style>
+        <p:txBody>
+          <a:bodyPr lIns="90000" rIns="90000" tIns="45000" bIns="45000" anchor="ctr"/>
+          <a:p>
+            <a:pPr algn="r">
+              <a:lnSpc>
+                <a:spcPct val="100000"/>
+              </a:lnSpc>
+            </a:pPr>
+            <a:fld id="{D2DFA39C-2006-4C0D-B9DF-D3B73E87F291}" type="slidenum">
+              <a:rPr b="0" lang="en-US" sz="1200" spc="-1" strike="noStrike">
+                <a:solidFill>
+                  <a:srgbClr val="8b8b8b"/>
+                </a:solidFill>
+                <a:latin typeface="Calibri"/>
+                <a:ea typeface="DejaVu Sans"/>
+              </a:rPr>
+              <a:t>&lt;number&gt;</a:t>
+            </a:fld>
+            <a:endParaRPr b="0" lang="en-US" sz="1200" spc="-1" strike="noStrike">
+              <a:latin typeface="Arial"/>
+            </a:endParaRPr>
+          </a:p>
+        </p:txBody>
+      </p:sp>
+      <p:sp>
+        <p:nvSpPr>
+          <p:cNvPr id="150" name="CustomShape 6"/>
+          <p:cNvSpPr/>
+          <p:nvPr/>
+        </p:nvSpPr>
+        <p:spPr>
+          <a:xfrm>
+            <a:off x="430200" y="2395800"/>
+            <a:ext cx="11302920" cy="3809160"/>
+          </a:xfrm>
+          <a:prstGeom prst="rect">
+            <a:avLst/>
+          </a:prstGeom>
+          <a:noFill/>
+          <a:ln>
+            <a:noFill/>
+          </a:ln>
+        </p:spPr>
+        <p:style>
+          <a:lnRef idx="0"/>
+          <a:fillRef idx="0"/>
+          <a:effectRef idx="0"/>
+          <a:fontRef idx="minor"/>
+        </p:style>
+        <p:txBody>
+          <a:bodyPr lIns="90000" rIns="90000" tIns="45000" bIns="45000"/>
+          <a:p>
+            <a:pPr>
+              <a:lnSpc>
+                <a:spcPct val="107000"/>
+              </a:lnSpc>
+              <a:spcAft>
+                <a:spcPts val="799"/>
+              </a:spcAft>
+            </a:pPr>
+            <a:r>
+              <a:rPr b="1" lang="en-US" sz="3200" spc="-1" strike="noStrike">
+                <a:solidFill>
+                  <a:srgbClr val="000000"/>
+                </a:solidFill>
+                <a:latin typeface="Times New Roman"/>
+                <a:ea typeface="Calibri"/>
+              </a:rPr>
+              <a:t>	</a:t>
+            </a:r>
+            <a:r>
+              <a:rPr b="1" lang="en-US" sz="3200" spc="-1" strike="noStrike">
+                <a:solidFill>
+                  <a:srgbClr val="000000"/>
+                </a:solidFill>
+                <a:latin typeface="Times New Roman"/>
+                <a:ea typeface="Calibri"/>
+              </a:rPr>
+              <a:t>Nền tảng Vtiger CRM </a:t>
+            </a:r>
+            <a:endParaRPr b="0" lang="en-US" sz="3200" spc="-1" strike="noStrike">
+              <a:latin typeface="Arial"/>
+            </a:endParaRPr>
+          </a:p>
+          <a:p>
+            <a:pPr>
+              <a:lnSpc>
+                <a:spcPct val="107000"/>
+              </a:lnSpc>
+              <a:spcAft>
+                <a:spcPts val="799"/>
+              </a:spcAft>
+            </a:pPr>
+            <a:r>
+              <a:rPr b="0" lang="en-US" sz="3200" spc="-1" strike="noStrike">
+                <a:solidFill>
+                  <a:srgbClr val="000000"/>
+                </a:solidFill>
+                <a:latin typeface="Times New Roman"/>
+                <a:ea typeface="Calibri"/>
+              </a:rPr>
+              <a:t>	</a:t>
+            </a:r>
+            <a:r>
+              <a:rPr b="0" lang="en-US" sz="3200" spc="-1" strike="noStrike">
+                <a:solidFill>
+                  <a:srgbClr val="000000"/>
+                </a:solidFill>
+                <a:latin typeface="Times New Roman"/>
+                <a:ea typeface="Calibri"/>
+              </a:rPr>
+              <a:t>Là một open source software phục vụ lĩnh vực CRM cho doanh nghiệp. Hiện nay có rất nhiều hệ thống nguồn mở CRM tương tự như: Odoo CRM, Vtiger, SuiteCRM, salesforceCRM, BizflyCRM. </a:t>
+            </a:r>
+            <a:endParaRPr b="0" lang="en-US" sz="3200" spc="-1" strike="noStrike">
+              <a:latin typeface="Arial"/>
+            </a:endParaRPr>
+          </a:p>
+          <a:p>
+            <a:pPr marL="720" algn="just">
+              <a:lnSpc>
+                <a:spcPct val="200000"/>
+              </a:lnSpc>
+              <a:spcBef>
+                <a:spcPts val="1001"/>
+              </a:spcBef>
+            </a:pPr>
+            <a:endParaRPr b="0" lang="en-US" sz="3200" spc="-1" strike="noStrike">
+              <a:latin typeface="Arial"/>
+            </a:endParaRPr>
+          </a:p>
+        </p:txBody>
+      </p:sp>
+    </p:spTree>
+  </p:cSld>
+  <p:timing>
+    <p:tnLst>
+      <p:par>
+        <p:cTn id="9" dur="indefinite" restart="never" nodeType="tmRoot">
+          <p:childTnLst>
+            <p:seq>
+              <p:cTn id="10" dur="indefinite" nodeType="mainSeq"/>
+              <p:prevCondLst>
+                <p:cond delay="0" evt="onPrev">
+                  <p:tgtEl>
+                    <p:sldTgt/>
+                  </p:tgtEl>
+                </p:cond>
+              </p:prevCondLst>
+              <p:nextCondLst>
+                <p:cond delay="0" evt="onNext">
+                  <p:tgtEl>
+                    <p:sldTgt/>
+                  </p:tgtEl>
+                </p:cond>
+              </p:nextCondLst>
+            </p:seq>
+          </p:childTnLst>
+        </p:cTn>
+      </p:par>
+    </p:tnLst>
+  </p:timing>
+</p:sld>
+</file>
+
+<file path=ppt/slides/slide6.xml><?xml version="1.0" encoding="utf-8"?>
+<p:sld xmlns:a="http://schemas.openxmlformats.org/drawingml/2006/main" xmlns:p="http://schemas.openxmlformats.org/presentationml/2006/main" xmlns:r="http://schemas.openxmlformats.org/officeDocument/2006/relationships" xmlns:p14="http://schemas.microsoft.com/office/powerpoint/2010/main" xmlns:p15="http://schemas.microsoft.com/office/powerpoint/2012/main" xmlns:mc="http://schemas.openxmlformats.org/markup-compatibility/2006">
+  <p:cSld>
+    <p:spTree>
+      <p:nvGrpSpPr>
+        <p:cNvPr id="1" name=""/>
+        <p:cNvGrpSpPr/>
+        <p:nvPr/>
+      </p:nvGrpSpPr>
+      <p:grpSpPr>
+        <a:xfrm>
+          <a:off x="0" y="0"/>
+          <a:ext cx="0" cy="0"/>
+          <a:chOff x="0" y="0"/>
+          <a:chExt cx="0" cy="0"/>
+        </a:xfrm>
+      </p:grpSpPr>
+      <p:sp>
+        <p:nvSpPr>
+          <p:cNvPr id="151" name="CustomShape 1"/>
+          <p:cNvSpPr/>
+          <p:nvPr/>
+        </p:nvSpPr>
+        <p:spPr>
+          <a:xfrm>
+            <a:off x="0" y="0"/>
+            <a:ext cx="8461800" cy="1166040"/>
+          </a:xfrm>
+          <a:prstGeom prst="rect">
+            <a:avLst/>
+          </a:prstGeom>
+          <a:solidFill>
+            <a:srgbClr val="4472c4"/>
+          </a:solidFill>
+          <a:ln>
+            <a:noFill/>
+          </a:ln>
+        </p:spPr>
+        <p:style>
+          <a:lnRef idx="0"/>
+          <a:fillRef idx="0"/>
+          <a:effectRef idx="0"/>
+          <a:fontRef idx="minor"/>
+        </p:style>
+        <p:txBody>
+          <a:bodyPr lIns="90000" rIns="90000" tIns="45000" bIns="45000" anchor="ctr">
+            <a:normAutofit/>
+          </a:bodyPr>
+          <a:p>
+            <a:pPr algn="ctr">
+              <a:lnSpc>
+                <a:spcPct val="90000"/>
+              </a:lnSpc>
+            </a:pPr>
+            <a:r>
+              <a:rPr b="1" lang="en-US" sz="3200" spc="-1" strike="noStrike">
+                <a:solidFill>
+                  <a:srgbClr val="ffffff"/>
+                </a:solidFill>
+                <a:latin typeface="Arial"/>
+                <a:ea typeface="DejaVu Sans"/>
+              </a:rPr>
+              <a:t>Báo cáo đồ án học phần PMMNM</a:t>
+            </a:r>
+            <a:endParaRPr b="0" lang="en-US" sz="3200" spc="-1" strike="noStrike">
+              <a:latin typeface="Arial"/>
+            </a:endParaRPr>
+          </a:p>
+        </p:txBody>
+      </p:sp>
+      <p:sp>
+        <p:nvSpPr>
+          <p:cNvPr id="152" name="CustomShape 2"/>
+          <p:cNvSpPr/>
+          <p:nvPr/>
+        </p:nvSpPr>
+        <p:spPr>
+          <a:xfrm>
+            <a:off x="1249560" y="1079640"/>
+            <a:ext cx="12190680" cy="621000"/>
+          </a:xfrm>
+          <a:prstGeom prst="rect">
+            <a:avLst/>
+          </a:prstGeom>
+          <a:noFill/>
+          <a:ln>
+            <a:noFill/>
+          </a:ln>
+        </p:spPr>
+        <p:style>
+          <a:lnRef idx="0"/>
+          <a:fillRef idx="0"/>
+          <a:effectRef idx="0"/>
+          <a:fontRef idx="minor"/>
+        </p:style>
+        <p:txBody>
+          <a:bodyPr lIns="90000" rIns="90000" tIns="45000" bIns="45000"/>
+          <a:p>
+            <a:pPr>
+              <a:lnSpc>
+                <a:spcPct val="90000"/>
+              </a:lnSpc>
+              <a:spcBef>
+                <a:spcPts val="1001"/>
+              </a:spcBef>
+            </a:pPr>
+            <a:r>
+              <a:rPr b="1" lang="en-US" sz="2800" spc="-1" strike="noStrike">
+                <a:solidFill>
+                  <a:srgbClr val="000000"/>
+                </a:solidFill>
+                <a:latin typeface="Arial"/>
+                <a:ea typeface="DejaVu Sans"/>
+              </a:rPr>
+              <a:t>	</a:t>
+            </a:r>
+            <a:r>
+              <a:rPr b="0" lang="en-US" sz="1800" spc="-1" strike="noStrike">
+                <a:solidFill>
+                  <a:srgbClr val="000000"/>
+                </a:solidFill>
+                <a:latin typeface="Times New Roman"/>
+                <a:ea typeface="Calibri"/>
+              </a:rPr>
+              <a:t>Tham khảo từ selecthub.com, một số OSS kể trên được so sánh với nhau như sau:</a:t>
+            </a:r>
+            <a:endParaRPr b="0" lang="en-US" sz="1800" spc="-1" strike="noStrike">
+              <a:latin typeface="Arial"/>
+            </a:endParaRPr>
+          </a:p>
+        </p:txBody>
+      </p:sp>
+      <p:sp>
+        <p:nvSpPr>
+          <p:cNvPr id="153" name="CustomShape 3"/>
+          <p:cNvSpPr/>
+          <p:nvPr/>
+        </p:nvSpPr>
+        <p:spPr>
+          <a:xfrm>
+            <a:off x="0" y="2395800"/>
+            <a:ext cx="12190680" cy="3809160"/>
+          </a:xfrm>
+          <a:prstGeom prst="rect">
+            <a:avLst/>
+          </a:prstGeom>
+          <a:noFill/>
+          <a:ln>
+            <a:noFill/>
+          </a:ln>
+        </p:spPr>
+        <p:style>
+          <a:lnRef idx="0"/>
+          <a:fillRef idx="0"/>
+          <a:effectRef idx="0"/>
+          <a:fontRef idx="minor"/>
+        </p:style>
+        <p:txBody>
+          <a:bodyPr lIns="90000" rIns="90000" tIns="45000" bIns="45000"/>
+          <a:p>
+            <a:pPr algn="just">
+              <a:lnSpc>
+                <a:spcPct val="200000"/>
+              </a:lnSpc>
+              <a:spcBef>
+                <a:spcPts val="1001"/>
+              </a:spcBef>
+            </a:pPr>
+            <a:r>
+              <a:rPr b="0" lang="en-US" sz="3000" spc="-1" strike="noStrike">
+                <a:solidFill>
+                  <a:srgbClr val="000000"/>
+                </a:solidFill>
+                <a:latin typeface="Calibri"/>
+                <a:ea typeface="DejaVu Sans"/>
+              </a:rPr>
+              <a:t>	</a:t>
+            </a:r>
+            <a:endParaRPr b="0" lang="en-US" sz="3000" spc="-1" strike="noStrike">
+              <a:latin typeface="Arial"/>
+            </a:endParaRPr>
+          </a:p>
+        </p:txBody>
+      </p:sp>
+      <p:sp>
+        <p:nvSpPr>
+          <p:cNvPr id="154" name="CustomShape 4"/>
+          <p:cNvSpPr/>
+          <p:nvPr/>
+        </p:nvSpPr>
+        <p:spPr>
+          <a:xfrm>
+            <a:off x="8610480" y="6356520"/>
+            <a:ext cx="2741760" cy="363600"/>
+          </a:xfrm>
+          <a:prstGeom prst="rect">
+            <a:avLst/>
+          </a:prstGeom>
+          <a:noFill/>
+          <a:ln>
+            <a:noFill/>
+          </a:ln>
+        </p:spPr>
+        <p:style>
+          <a:lnRef idx="0"/>
+          <a:fillRef idx="0"/>
+          <a:effectRef idx="0"/>
+          <a:fontRef idx="minor"/>
+        </p:style>
+        <p:txBody>
+          <a:bodyPr lIns="90000" rIns="90000" tIns="45000" bIns="45000" anchor="ctr"/>
+          <a:p>
+            <a:pPr algn="r">
+              <a:lnSpc>
+                <a:spcPct val="100000"/>
+              </a:lnSpc>
+            </a:pPr>
+            <a:fld id="{2AB44E46-E297-4390-A265-71450D748F7A}" type="slidenum">
+              <a:rPr b="0" lang="en-US" sz="1200" spc="-1" strike="noStrike">
+                <a:solidFill>
+                  <a:srgbClr val="8b8b8b"/>
+                </a:solidFill>
+                <a:latin typeface="Calibri"/>
+                <a:ea typeface="DejaVu Sans"/>
+              </a:rPr>
+              <a:t>&lt;number&gt;</a:t>
+            </a:fld>
+            <a:endParaRPr b="0" lang="en-US" sz="1200" spc="-1" strike="noStrike">
+              <a:latin typeface="Arial"/>
+            </a:endParaRPr>
+          </a:p>
+        </p:txBody>
+      </p:sp>
+      <p:pic>
+        <p:nvPicPr>
+          <p:cNvPr id="155" name="Picture 7" descr=""/>
+          <p:cNvPicPr/>
+          <p:nvPr/>
+        </p:nvPicPr>
+        <p:blipFill>
+          <a:blip r:embed="rId1"/>
+          <a:stretch/>
+        </p:blipFill>
+        <p:spPr>
+          <a:xfrm>
+            <a:off x="2143800" y="1580040"/>
+            <a:ext cx="7720920" cy="5043600"/>
+          </a:xfrm>
+          <a:prstGeom prst="rect">
+            <a:avLst/>
+          </a:prstGeom>
+          <a:ln>
+            <a:noFill/>
+          </a:ln>
+        </p:spPr>
+      </p:pic>
+      <p:sp>
+        <p:nvSpPr>
+          <p:cNvPr id="156" name="CustomShape 5"/>
+          <p:cNvSpPr/>
+          <p:nvPr/>
+        </p:nvSpPr>
+        <p:spPr>
+          <a:xfrm>
+            <a:off x="8463240" y="0"/>
+            <a:ext cx="3727440" cy="1166040"/>
+          </a:xfrm>
+          <a:prstGeom prst="rect">
+            <a:avLst/>
+          </a:prstGeom>
+          <a:solidFill>
+            <a:schemeClr val="tx1">
+              <a:lumMod val="95000"/>
+              <a:lumOff val="5000"/>
+            </a:schemeClr>
+          </a:solidFill>
+          <a:ln>
+            <a:noFill/>
+          </a:ln>
+        </p:spPr>
+        <p:style>
+          <a:lnRef idx="0"/>
+          <a:fillRef idx="0"/>
+          <a:effectRef idx="0"/>
+          <a:fontRef idx="minor"/>
+        </p:style>
+        <p:txBody>
+          <a:bodyPr lIns="90000" rIns="90000" tIns="45000" bIns="45000" anchor="ctr">
+            <a:normAutofit/>
+          </a:bodyPr>
+          <a:p>
+            <a:pPr marL="343080" indent="-341640">
+              <a:lnSpc>
+                <a:spcPct val="90000"/>
+              </a:lnSpc>
+              <a:buClr>
+                <a:srgbClr val="ffffff"/>
+              </a:buClr>
+              <a:buFont typeface="StarSymbol"/>
+              <a:buAutoNum type="arabicPeriod"/>
+            </a:pPr>
+            <a:r>
+              <a:rPr b="1" lang="en-US" sz="1800" spc="-1" strike="noStrike">
+                <a:solidFill>
+                  <a:srgbClr val="ffffff"/>
+                </a:solidFill>
+                <a:latin typeface="Arial"/>
+                <a:ea typeface="DejaVu Sans"/>
+              </a:rPr>
+              <a:t>Mô tả</a:t>
+            </a:r>
+            <a:endParaRPr b="0" lang="en-US" sz="1800" spc="-1" strike="noStrike">
+              <a:latin typeface="Arial"/>
+            </a:endParaRPr>
+          </a:p>
+          <a:p>
+            <a:pPr marL="343080" indent="-341640">
+              <a:lnSpc>
+                <a:spcPct val="90000"/>
+              </a:lnSpc>
+              <a:buClr>
+                <a:srgbClr val="767171"/>
+              </a:buClr>
+              <a:buFont typeface="StarSymbol"/>
+              <a:buAutoNum type="arabicPeriod"/>
+            </a:pPr>
+            <a:r>
+              <a:rPr b="1" lang="en-US" sz="1800" spc="-1" strike="noStrike">
+                <a:solidFill>
+                  <a:srgbClr val="767171"/>
+                </a:solidFill>
+                <a:latin typeface="Arial"/>
+                <a:ea typeface="DejaVu Sans"/>
+              </a:rPr>
+              <a:t>Giao diện phần mềm</a:t>
+            </a:r>
+            <a:endParaRPr b="0" lang="en-US" sz="1800" spc="-1" strike="noStrike">
+              <a:latin typeface="Arial"/>
+            </a:endParaRPr>
+          </a:p>
+          <a:p>
+            <a:pPr marL="343080" indent="-341640">
+              <a:lnSpc>
+                <a:spcPct val="90000"/>
+              </a:lnSpc>
+              <a:buClr>
+                <a:srgbClr val="767171"/>
+              </a:buClr>
+              <a:buFont typeface="StarSymbol"/>
+              <a:buAutoNum type="arabicPeriod"/>
+            </a:pPr>
+            <a:r>
+              <a:rPr b="1" lang="en-US" sz="1800" spc="-1" strike="noStrike">
+                <a:solidFill>
+                  <a:srgbClr val="767171"/>
+                </a:solidFill>
+                <a:latin typeface="Arial"/>
+                <a:ea typeface="DejaVu Sans"/>
+              </a:rPr>
+              <a:t>Kết quả</a:t>
+            </a:r>
+            <a:endParaRPr b="0" lang="en-US" sz="1800" spc="-1" strike="noStrike">
+              <a:latin typeface="Arial"/>
+            </a:endParaRPr>
+          </a:p>
+          <a:p>
+            <a:pPr marL="343080" indent="-341640">
+              <a:lnSpc>
+                <a:spcPct val="90000"/>
+              </a:lnSpc>
+              <a:buClr>
+                <a:srgbClr val="767171"/>
+              </a:buClr>
+              <a:buFont typeface="StarSymbol"/>
+              <a:buAutoNum type="arabicPeriod"/>
+            </a:pPr>
+            <a:r>
+              <a:rPr b="1" lang="en-US" sz="1800" spc="-1" strike="noStrike">
+                <a:solidFill>
+                  <a:srgbClr val="767171"/>
+                </a:solidFill>
+                <a:latin typeface="Arial"/>
+                <a:ea typeface="DejaVu Sans"/>
+              </a:rPr>
+              <a:t>Kết luận</a:t>
+            </a:r>
+            <a:endParaRPr b="0" lang="en-US" sz="1800" spc="-1" strike="noStrike">
+              <a:latin typeface="Arial"/>
+            </a:endParaRPr>
+          </a:p>
+        </p:txBody>
+      </p:sp>
+    </p:spTree>
+  </p:cSld>
+  <p:timing>
+    <p:tnLst>
+      <p:par>
+        <p:cTn id="11" dur="indefinite" restart="never" nodeType="tmRoot">
+          <p:childTnLst>
+            <p:seq>
+              <p:cTn id="12" dur="indefinite" nodeType="mainSeq"/>
+              <p:prevCondLst>
+                <p:cond delay="0" evt="onPrev">
+                  <p:tgtEl>
+                    <p:sldTgt/>
+                  </p:tgtEl>
+                </p:cond>
+              </p:prevCondLst>
+              <p:nextCondLst>
+                <p:cond delay="0" evt="onNext">
+                  <p:tgtEl>
+                    <p:sldTgt/>
+                  </p:tgtEl>
+                </p:cond>
+              </p:nextCondLst>
+            </p:seq>
+          </p:childTnLst>
+        </p:cTn>
+      </p:par>
+    </p:tnLst>
+  </p:timing>
+</p:sld>
+</file>
+
+<file path=ppt/slides/slide7.xml><?xml version="1.0" encoding="utf-8"?>
+<p:sld xmlns:a="http://schemas.openxmlformats.org/drawingml/2006/main" xmlns:p="http://schemas.openxmlformats.org/presentationml/2006/main" xmlns:r="http://schemas.openxmlformats.org/officeDocument/2006/relationships" xmlns:p14="http://schemas.microsoft.com/office/powerpoint/2010/main" xmlns:p15="http://schemas.microsoft.com/office/powerpoint/2012/main" xmlns:mc="http://schemas.openxmlformats.org/markup-compatibility/2006">
+  <p:cSld>
+    <p:spTree>
+      <p:nvGrpSpPr>
+        <p:cNvPr id="1" name=""/>
+        <p:cNvGrpSpPr/>
+        <p:nvPr/>
+      </p:nvGrpSpPr>
+      <p:grpSpPr>
+        <a:xfrm>
+          <a:off x="0" y="0"/>
+          <a:ext cx="0" cy="0"/>
+          <a:chOff x="0" y="0"/>
+          <a:chExt cx="0" cy="0"/>
+        </a:xfrm>
+      </p:grpSpPr>
+      <p:sp>
+        <p:nvSpPr>
+          <p:cNvPr id="157" name="CustomShape 1"/>
+          <p:cNvSpPr/>
+          <p:nvPr/>
+        </p:nvSpPr>
+        <p:spPr>
+          <a:xfrm>
+            <a:off x="0" y="0"/>
+            <a:ext cx="8461800" cy="1166040"/>
+          </a:xfrm>
+          <a:prstGeom prst="rect">
+            <a:avLst/>
+          </a:prstGeom>
+          <a:solidFill>
+            <a:srgbClr val="4472c4"/>
+          </a:solidFill>
+          <a:ln>
+            <a:noFill/>
+          </a:ln>
+        </p:spPr>
+        <p:style>
+          <a:lnRef idx="0"/>
+          <a:fillRef idx="0"/>
+          <a:effectRef idx="0"/>
+          <a:fontRef idx="minor"/>
+        </p:style>
+        <p:txBody>
+          <a:bodyPr lIns="90000" rIns="90000" tIns="45000" bIns="45000" anchor="ctr">
+            <a:normAutofit/>
+          </a:bodyPr>
+          <a:p>
+            <a:pPr algn="ctr">
+              <a:lnSpc>
+                <a:spcPct val="90000"/>
+              </a:lnSpc>
+            </a:pPr>
+            <a:r>
+              <a:rPr b="1" lang="en-US" sz="3200" spc="-1" strike="noStrike">
+                <a:solidFill>
+                  <a:srgbClr val="ffffff"/>
+                </a:solidFill>
+                <a:latin typeface="Arial"/>
+                <a:ea typeface="DejaVu Sans"/>
+              </a:rPr>
+              <a:t>Báo cáo đồ án học phần PMMNM</a:t>
+            </a:r>
+            <a:endParaRPr b="0" lang="en-US" sz="3200" spc="-1" strike="noStrike">
+              <a:latin typeface="Arial"/>
+            </a:endParaRPr>
+          </a:p>
+        </p:txBody>
+      </p:sp>
+      <p:sp>
+        <p:nvSpPr>
+          <p:cNvPr id="158" name="CustomShape 2"/>
+          <p:cNvSpPr/>
+          <p:nvPr/>
+        </p:nvSpPr>
+        <p:spPr>
+          <a:xfrm>
+            <a:off x="1239480" y="1364400"/>
+            <a:ext cx="9580320" cy="575640"/>
+          </a:xfrm>
+          <a:prstGeom prst="rect">
+            <a:avLst/>
+          </a:prstGeom>
+          <a:noFill/>
+          <a:ln>
+            <a:noFill/>
+          </a:ln>
+        </p:spPr>
+        <p:style>
+          <a:lnRef idx="0"/>
+          <a:fillRef idx="0"/>
+          <a:effectRef idx="0"/>
+          <a:fontRef idx="minor"/>
+        </p:style>
+        <p:txBody>
+          <a:bodyPr lIns="90000" rIns="90000" tIns="45000" bIns="45000"/>
+          <a:p>
+            <a:pPr>
+              <a:lnSpc>
+                <a:spcPct val="90000"/>
+              </a:lnSpc>
+              <a:spcBef>
+                <a:spcPts val="1001"/>
+              </a:spcBef>
+            </a:pPr>
+            <a:r>
+              <a:rPr b="1" lang="en-US" sz="2400" spc="-1" strike="noStrike">
+                <a:solidFill>
+                  <a:srgbClr val="000000"/>
+                </a:solidFill>
+                <a:latin typeface="Times New Roman"/>
+                <a:ea typeface="Calibri"/>
+              </a:rPr>
+              <a:t>Các chức năng chính của một hệ thống CRM hay VtigerCRM:</a:t>
+            </a:r>
+            <a:endParaRPr b="0" lang="en-US" sz="2400" spc="-1" strike="noStrike">
+              <a:latin typeface="Arial"/>
+            </a:endParaRPr>
+          </a:p>
+          <a:p>
+            <a:pPr>
+              <a:lnSpc>
+                <a:spcPct val="90000"/>
+              </a:lnSpc>
+              <a:spcBef>
+                <a:spcPts val="1001"/>
+              </a:spcBef>
+            </a:pPr>
+            <a:endParaRPr b="0" lang="en-US" sz="2400" spc="-1" strike="noStrike">
+              <a:latin typeface="Arial"/>
+            </a:endParaRPr>
+          </a:p>
+          <a:p>
+            <a:pPr>
+              <a:lnSpc>
+                <a:spcPct val="90000"/>
+              </a:lnSpc>
+              <a:spcBef>
+                <a:spcPts val="1001"/>
+              </a:spcBef>
+            </a:pPr>
+            <a:endParaRPr b="0" lang="en-US" sz="2400" spc="-1" strike="noStrike">
+              <a:latin typeface="Arial"/>
+            </a:endParaRPr>
+          </a:p>
+        </p:txBody>
+      </p:sp>
+      <p:sp>
+        <p:nvSpPr>
+          <p:cNvPr id="159" name="CustomShape 3"/>
+          <p:cNvSpPr/>
+          <p:nvPr/>
+        </p:nvSpPr>
+        <p:spPr>
+          <a:xfrm>
+            <a:off x="3200400" y="2057400"/>
+            <a:ext cx="5577120" cy="3809160"/>
+          </a:xfrm>
+          <a:prstGeom prst="rect">
+            <a:avLst/>
+          </a:prstGeom>
+          <a:noFill/>
+          <a:ln>
+            <a:noFill/>
+          </a:ln>
+        </p:spPr>
+        <p:style>
+          <a:lnRef idx="0"/>
+          <a:fillRef idx="0"/>
+          <a:effectRef idx="0"/>
+          <a:fontRef idx="minor"/>
+        </p:style>
+        <p:txBody>
+          <a:bodyPr lIns="90000" rIns="90000" tIns="45000" bIns="45000"/>
+          <a:p>
+            <a:pPr>
+              <a:lnSpc>
+                <a:spcPct val="90000"/>
+              </a:lnSpc>
+              <a:spcBef>
+                <a:spcPts val="1001"/>
+              </a:spcBef>
+            </a:pPr>
+            <a:r>
+              <a:rPr b="0" lang="en-US" sz="2800" spc="-1" strike="noStrike">
+                <a:solidFill>
+                  <a:srgbClr val="000000"/>
+                </a:solidFill>
+                <a:latin typeface="Times New Roman"/>
+                <a:ea typeface="Calibri"/>
+              </a:rPr>
+              <a:t>- </a:t>
+            </a:r>
+            <a:r>
+              <a:rPr b="1" lang="en-US" sz="2800" spc="41" strike="noStrike" u="sng">
+                <a:solidFill>
+                  <a:srgbClr val="f49100"/>
+                </a:solidFill>
+                <a:uFillTx/>
+                <a:latin typeface="Times New Roman"/>
+                <a:ea typeface="Calibri"/>
+                <a:hlinkClick r:id="rId1"/>
+              </a:rPr>
+              <a:t>Tự</a:t>
+            </a:r>
+            <a:r>
+              <a:rPr b="1" lang="en-US" sz="2800" spc="41" strike="noStrike" u="sng">
+                <a:solidFill>
+                  <a:srgbClr val="f49100"/>
+                </a:solidFill>
+                <a:uFillTx/>
+                <a:latin typeface="Times New Roman"/>
+                <a:ea typeface="Calibri"/>
+                <a:hlinkClick r:id="rId2"/>
+              </a:rPr>
+              <a:t> </a:t>
+            </a:r>
+            <a:r>
+              <a:rPr b="1" lang="en-US" sz="2800" spc="41" strike="noStrike" u="sng">
+                <a:solidFill>
+                  <a:srgbClr val="f49100"/>
+                </a:solidFill>
+                <a:uFillTx/>
+                <a:latin typeface="Times New Roman"/>
+                <a:ea typeface="Calibri"/>
+                <a:hlinkClick r:id="rId3"/>
+              </a:rPr>
+              <a:t>động</a:t>
+            </a:r>
+            <a:r>
+              <a:rPr b="1" lang="en-US" sz="2800" spc="41" strike="noStrike" u="sng">
+                <a:solidFill>
+                  <a:srgbClr val="f49100"/>
+                </a:solidFill>
+                <a:uFillTx/>
+                <a:latin typeface="Times New Roman"/>
+                <a:ea typeface="Calibri"/>
+                <a:hlinkClick r:id="rId4"/>
+              </a:rPr>
+              <a:t> </a:t>
+            </a:r>
+            <a:r>
+              <a:rPr b="1" lang="en-US" sz="2800" spc="41" strike="noStrike" u="sng">
+                <a:solidFill>
+                  <a:srgbClr val="f49100"/>
+                </a:solidFill>
+                <a:uFillTx/>
+                <a:latin typeface="Times New Roman"/>
+                <a:ea typeface="Calibri"/>
+                <a:hlinkClick r:id="rId5"/>
+              </a:rPr>
+              <a:t>hóa</a:t>
+            </a:r>
+            <a:r>
+              <a:rPr b="1" lang="en-US" sz="2800" spc="41" strike="noStrike" u="sng">
+                <a:solidFill>
+                  <a:srgbClr val="f49100"/>
+                </a:solidFill>
+                <a:uFillTx/>
+                <a:latin typeface="Times New Roman"/>
+                <a:ea typeface="Calibri"/>
+                <a:hlinkClick r:id="rId6"/>
+              </a:rPr>
+              <a:t> Marketing</a:t>
+            </a:r>
+            <a:endParaRPr b="0" lang="en-US" sz="2800" spc="-1" strike="noStrike">
+              <a:latin typeface="Arial"/>
+            </a:endParaRPr>
+          </a:p>
+          <a:p>
+            <a:pPr>
+              <a:lnSpc>
+                <a:spcPct val="90000"/>
+              </a:lnSpc>
+              <a:spcBef>
+                <a:spcPts val="1001"/>
+              </a:spcBef>
+            </a:pPr>
+            <a:r>
+              <a:rPr b="0" lang="en-US" sz="2800" spc="-1" strike="noStrike">
+                <a:solidFill>
+                  <a:srgbClr val="000000"/>
+                </a:solidFill>
+                <a:latin typeface="Times New Roman"/>
+                <a:ea typeface="Calibri"/>
+              </a:rPr>
+              <a:t>- </a:t>
+            </a:r>
+            <a:r>
+              <a:rPr b="1" lang="en-US" sz="2800" spc="41" strike="noStrike" u="sng">
+                <a:solidFill>
+                  <a:srgbClr val="f49100"/>
+                </a:solidFill>
+                <a:uFillTx/>
+                <a:latin typeface="Times New Roman"/>
+                <a:ea typeface="Calibri"/>
+                <a:hlinkClick r:id="rId7"/>
+              </a:rPr>
+              <a:t>Quản</a:t>
+            </a:r>
+            <a:r>
+              <a:rPr b="1" lang="en-US" sz="2800" spc="41" strike="noStrike" u="sng">
+                <a:solidFill>
+                  <a:srgbClr val="f49100"/>
+                </a:solidFill>
+                <a:uFillTx/>
+                <a:latin typeface="Times New Roman"/>
+                <a:ea typeface="Calibri"/>
+                <a:hlinkClick r:id="rId8"/>
+              </a:rPr>
+              <a:t> </a:t>
+            </a:r>
+            <a:r>
+              <a:rPr b="1" lang="en-US" sz="2800" spc="41" strike="noStrike" u="sng">
+                <a:solidFill>
+                  <a:srgbClr val="f49100"/>
+                </a:solidFill>
+                <a:uFillTx/>
+                <a:latin typeface="Times New Roman"/>
+                <a:ea typeface="Calibri"/>
+                <a:hlinkClick r:id="rId9"/>
+              </a:rPr>
+              <a:t>lý</a:t>
+            </a:r>
+            <a:r>
+              <a:rPr b="1" lang="en-US" sz="2800" spc="41" strike="noStrike" u="sng">
+                <a:solidFill>
+                  <a:srgbClr val="f49100"/>
+                </a:solidFill>
+                <a:uFillTx/>
+                <a:latin typeface="Times New Roman"/>
+                <a:ea typeface="Calibri"/>
+                <a:hlinkClick r:id="rId10"/>
+              </a:rPr>
+              <a:t> </a:t>
+            </a:r>
+            <a:r>
+              <a:rPr b="1" lang="en-US" sz="2800" spc="41" strike="noStrike" u="sng">
+                <a:solidFill>
+                  <a:srgbClr val="f49100"/>
+                </a:solidFill>
+                <a:uFillTx/>
+                <a:latin typeface="Times New Roman"/>
+                <a:ea typeface="Calibri"/>
+                <a:hlinkClick r:id="rId11"/>
+              </a:rPr>
+              <a:t>công</a:t>
+            </a:r>
+            <a:r>
+              <a:rPr b="1" lang="en-US" sz="2800" spc="41" strike="noStrike" u="sng">
+                <a:solidFill>
+                  <a:srgbClr val="f49100"/>
+                </a:solidFill>
+                <a:uFillTx/>
+                <a:latin typeface="Times New Roman"/>
+                <a:ea typeface="Calibri"/>
+                <a:hlinkClick r:id="rId12"/>
+              </a:rPr>
+              <a:t> </a:t>
+            </a:r>
+            <a:r>
+              <a:rPr b="1" lang="en-US" sz="2800" spc="41" strike="noStrike" u="sng">
+                <a:solidFill>
+                  <a:srgbClr val="f49100"/>
+                </a:solidFill>
+                <a:uFillTx/>
+                <a:latin typeface="Times New Roman"/>
+                <a:ea typeface="Calibri"/>
+                <a:hlinkClick r:id="rId13"/>
+              </a:rPr>
+              <a:t>việc</a:t>
+            </a:r>
+            <a:endParaRPr b="0" lang="en-US" sz="2800" spc="-1" strike="noStrike">
+              <a:latin typeface="Arial"/>
+            </a:endParaRPr>
+          </a:p>
+          <a:p>
+            <a:pPr>
+              <a:lnSpc>
+                <a:spcPct val="90000"/>
+              </a:lnSpc>
+              <a:spcBef>
+                <a:spcPts val="1001"/>
+              </a:spcBef>
+            </a:pPr>
+            <a:r>
+              <a:rPr b="0" lang="en-US" sz="2800" spc="-1" strike="noStrike">
+                <a:solidFill>
+                  <a:srgbClr val="000000"/>
+                </a:solidFill>
+                <a:latin typeface="Times New Roman"/>
+                <a:ea typeface="Calibri"/>
+              </a:rPr>
+              <a:t>- </a:t>
+            </a:r>
+            <a:r>
+              <a:rPr b="1" lang="en-US" sz="2800" spc="41" strike="noStrike" u="sng">
+                <a:solidFill>
+                  <a:srgbClr val="f49100"/>
+                </a:solidFill>
+                <a:uFillTx/>
+                <a:latin typeface="Times New Roman"/>
+                <a:ea typeface="Calibri"/>
+                <a:hlinkClick r:id="rId14"/>
+              </a:rPr>
+              <a:t>Tự</a:t>
+            </a:r>
+            <a:r>
+              <a:rPr b="1" lang="en-US" sz="2800" spc="41" strike="noStrike" u="sng">
+                <a:solidFill>
+                  <a:srgbClr val="f49100"/>
+                </a:solidFill>
+                <a:uFillTx/>
+                <a:latin typeface="Times New Roman"/>
+                <a:ea typeface="Calibri"/>
+                <a:hlinkClick r:id="rId15"/>
+              </a:rPr>
+              <a:t> </a:t>
+            </a:r>
+            <a:r>
+              <a:rPr b="1" lang="en-US" sz="2800" spc="41" strike="noStrike" u="sng">
+                <a:solidFill>
+                  <a:srgbClr val="f49100"/>
+                </a:solidFill>
+                <a:uFillTx/>
+                <a:latin typeface="Times New Roman"/>
+                <a:ea typeface="Calibri"/>
+                <a:hlinkClick r:id="rId16"/>
+              </a:rPr>
+              <a:t>động</a:t>
+            </a:r>
+            <a:r>
+              <a:rPr b="1" lang="en-US" sz="2800" spc="41" strike="noStrike" u="sng">
+                <a:solidFill>
+                  <a:srgbClr val="f49100"/>
+                </a:solidFill>
+                <a:uFillTx/>
+                <a:latin typeface="Times New Roman"/>
+                <a:ea typeface="Calibri"/>
+                <a:hlinkClick r:id="rId17"/>
+              </a:rPr>
+              <a:t> </a:t>
+            </a:r>
+            <a:r>
+              <a:rPr b="1" lang="en-US" sz="2800" spc="41" strike="noStrike" u="sng">
+                <a:solidFill>
+                  <a:srgbClr val="f49100"/>
+                </a:solidFill>
+                <a:uFillTx/>
+                <a:latin typeface="Times New Roman"/>
+                <a:ea typeface="Calibri"/>
+                <a:hlinkClick r:id="rId18"/>
+              </a:rPr>
+              <a:t>hóa</a:t>
+            </a:r>
+            <a:r>
+              <a:rPr b="1" lang="en-US" sz="2800" spc="41" strike="noStrike" u="sng">
+                <a:solidFill>
+                  <a:srgbClr val="f49100"/>
+                </a:solidFill>
+                <a:uFillTx/>
+                <a:latin typeface="Times New Roman"/>
+                <a:ea typeface="Calibri"/>
+                <a:hlinkClick r:id="rId19"/>
+              </a:rPr>
+              <a:t> </a:t>
+            </a:r>
+            <a:r>
+              <a:rPr b="1" lang="en-US" sz="2800" spc="41" strike="noStrike" u="sng">
+                <a:solidFill>
+                  <a:srgbClr val="f49100"/>
+                </a:solidFill>
+                <a:uFillTx/>
+                <a:latin typeface="Times New Roman"/>
+                <a:ea typeface="Calibri"/>
+                <a:hlinkClick r:id="rId20"/>
+              </a:rPr>
+              <a:t>bán</a:t>
+            </a:r>
+            <a:r>
+              <a:rPr b="1" lang="en-US" sz="2800" spc="41" strike="noStrike" u="sng">
+                <a:solidFill>
+                  <a:srgbClr val="f49100"/>
+                </a:solidFill>
+                <a:uFillTx/>
+                <a:latin typeface="Times New Roman"/>
+                <a:ea typeface="Calibri"/>
+                <a:hlinkClick r:id="rId21"/>
+              </a:rPr>
+              <a:t> </a:t>
+            </a:r>
+            <a:r>
+              <a:rPr b="1" lang="en-US" sz="2800" spc="41" strike="noStrike" u="sng">
+                <a:solidFill>
+                  <a:srgbClr val="f49100"/>
+                </a:solidFill>
+                <a:uFillTx/>
+                <a:latin typeface="Times New Roman"/>
+                <a:ea typeface="Calibri"/>
+                <a:hlinkClick r:id="rId22"/>
+              </a:rPr>
+              <a:t>hàng</a:t>
+            </a:r>
+            <a:endParaRPr b="0" lang="en-US" sz="2800" spc="-1" strike="noStrike">
+              <a:latin typeface="Arial"/>
+            </a:endParaRPr>
+          </a:p>
+          <a:p>
+            <a:pPr>
+              <a:lnSpc>
+                <a:spcPct val="90000"/>
+              </a:lnSpc>
+              <a:spcBef>
+                <a:spcPts val="1001"/>
+              </a:spcBef>
+            </a:pPr>
+            <a:r>
+              <a:rPr b="0" lang="en-US" sz="2800" spc="-1" strike="noStrike">
+                <a:solidFill>
+                  <a:srgbClr val="000000"/>
+                </a:solidFill>
+                <a:latin typeface="Times New Roman"/>
+                <a:ea typeface="Calibri"/>
+              </a:rPr>
+              <a:t>- </a:t>
+            </a:r>
+            <a:r>
+              <a:rPr b="1" lang="en-US" sz="2800" spc="41" strike="noStrike" u="sng">
+                <a:solidFill>
+                  <a:srgbClr val="f49100"/>
+                </a:solidFill>
+                <a:uFillTx/>
+                <a:latin typeface="Times New Roman"/>
+                <a:ea typeface="Calibri"/>
+                <a:hlinkClick r:id="rId23"/>
+              </a:rPr>
+              <a:t>Quản</a:t>
+            </a:r>
+            <a:r>
+              <a:rPr b="1" lang="en-US" sz="2800" spc="41" strike="noStrike" u="sng">
+                <a:solidFill>
+                  <a:srgbClr val="f49100"/>
+                </a:solidFill>
+                <a:uFillTx/>
+                <a:latin typeface="Times New Roman"/>
+                <a:ea typeface="Calibri"/>
+                <a:hlinkClick r:id="rId24"/>
+              </a:rPr>
+              <a:t> </a:t>
+            </a:r>
+            <a:r>
+              <a:rPr b="1" lang="en-US" sz="2800" spc="41" strike="noStrike" u="sng">
+                <a:solidFill>
+                  <a:srgbClr val="f49100"/>
+                </a:solidFill>
+                <a:uFillTx/>
+                <a:latin typeface="Times New Roman"/>
+                <a:ea typeface="Calibri"/>
+                <a:hlinkClick r:id="rId25"/>
+              </a:rPr>
+              <a:t>lý</a:t>
+            </a:r>
+            <a:r>
+              <a:rPr b="1" lang="en-US" sz="2800" spc="41" strike="noStrike" u="sng">
+                <a:solidFill>
+                  <a:srgbClr val="f49100"/>
+                </a:solidFill>
+                <a:uFillTx/>
+                <a:latin typeface="Times New Roman"/>
+                <a:ea typeface="Calibri"/>
+                <a:hlinkClick r:id="rId26"/>
+              </a:rPr>
+              <a:t> </a:t>
+            </a:r>
+            <a:r>
+              <a:rPr b="1" lang="en-US" sz="2800" spc="41" strike="noStrike" u="sng">
+                <a:solidFill>
+                  <a:srgbClr val="f49100"/>
+                </a:solidFill>
+                <a:uFillTx/>
+                <a:latin typeface="Times New Roman"/>
+                <a:ea typeface="Calibri"/>
+                <a:hlinkClick r:id="rId27"/>
+              </a:rPr>
+              <a:t>sản</a:t>
+            </a:r>
+            <a:r>
+              <a:rPr b="1" lang="en-US" sz="2800" spc="41" strike="noStrike" u="sng">
+                <a:solidFill>
+                  <a:srgbClr val="f49100"/>
+                </a:solidFill>
+                <a:uFillTx/>
+                <a:latin typeface="Times New Roman"/>
+                <a:ea typeface="Calibri"/>
+                <a:hlinkClick r:id="rId28"/>
+              </a:rPr>
+              <a:t> </a:t>
+            </a:r>
+            <a:r>
+              <a:rPr b="1" lang="en-US" sz="2800" spc="41" strike="noStrike" u="sng">
+                <a:solidFill>
+                  <a:srgbClr val="f49100"/>
+                </a:solidFill>
+                <a:uFillTx/>
+                <a:latin typeface="Times New Roman"/>
+                <a:ea typeface="Calibri"/>
+                <a:hlinkClick r:id="rId29"/>
+              </a:rPr>
+              <a:t>phẩm</a:t>
+            </a:r>
+            <a:r>
+              <a:rPr b="1" lang="en-US" sz="2800" spc="41" strike="noStrike" u="sng">
+                <a:solidFill>
+                  <a:srgbClr val="f49100"/>
+                </a:solidFill>
+                <a:uFillTx/>
+                <a:latin typeface="Times New Roman"/>
+                <a:ea typeface="Calibri"/>
+                <a:hlinkClick r:id="rId30"/>
+              </a:rPr>
+              <a:t> &amp; </a:t>
+            </a:r>
+            <a:r>
+              <a:rPr b="1" lang="en-US" sz="2800" spc="41" strike="noStrike" u="sng">
+                <a:solidFill>
+                  <a:srgbClr val="f49100"/>
+                </a:solidFill>
+                <a:uFillTx/>
+                <a:latin typeface="Times New Roman"/>
+                <a:ea typeface="Calibri"/>
+                <a:hlinkClick r:id="rId31"/>
+              </a:rPr>
+              <a:t>dịch</a:t>
+            </a:r>
+            <a:r>
+              <a:rPr b="1" lang="en-US" sz="2800" spc="41" strike="noStrike" u="sng">
+                <a:solidFill>
+                  <a:srgbClr val="f49100"/>
+                </a:solidFill>
+                <a:uFillTx/>
+                <a:latin typeface="Times New Roman"/>
+                <a:ea typeface="Calibri"/>
+                <a:hlinkClick r:id="rId32"/>
+              </a:rPr>
+              <a:t> </a:t>
+            </a:r>
+            <a:r>
+              <a:rPr b="1" lang="en-US" sz="2800" spc="41" strike="noStrike" u="sng">
+                <a:solidFill>
+                  <a:srgbClr val="f49100"/>
+                </a:solidFill>
+                <a:uFillTx/>
+                <a:latin typeface="Times New Roman"/>
+                <a:ea typeface="Calibri"/>
+                <a:hlinkClick r:id="rId33"/>
+              </a:rPr>
+              <a:t>vụ</a:t>
+            </a:r>
+            <a:endParaRPr b="0" lang="en-US" sz="2800" spc="-1" strike="noStrike">
+              <a:latin typeface="Arial"/>
+            </a:endParaRPr>
+          </a:p>
+          <a:p>
+            <a:pPr>
+              <a:lnSpc>
+                <a:spcPct val="90000"/>
+              </a:lnSpc>
+              <a:spcBef>
+                <a:spcPts val="1001"/>
+              </a:spcBef>
+            </a:pPr>
+            <a:r>
+              <a:rPr b="0" lang="en-US" sz="2800" spc="-1" strike="noStrike">
+                <a:solidFill>
+                  <a:srgbClr val="000000"/>
+                </a:solidFill>
+                <a:latin typeface="Times New Roman"/>
+                <a:ea typeface="Calibri"/>
+              </a:rPr>
+              <a:t>- </a:t>
+            </a:r>
+            <a:r>
+              <a:rPr b="1" lang="en-US" sz="2800" spc="41" strike="noStrike" u="sng">
+                <a:solidFill>
+                  <a:srgbClr val="f49100"/>
+                </a:solidFill>
+                <a:uFillTx/>
+                <a:latin typeface="Times New Roman"/>
+                <a:ea typeface="Calibri"/>
+                <a:hlinkClick r:id="rId34"/>
+              </a:rPr>
+              <a:t>Hỗ</a:t>
+            </a:r>
+            <a:r>
+              <a:rPr b="1" lang="en-US" sz="2800" spc="41" strike="noStrike" u="sng">
+                <a:solidFill>
+                  <a:srgbClr val="f49100"/>
+                </a:solidFill>
+                <a:uFillTx/>
+                <a:latin typeface="Times New Roman"/>
+                <a:ea typeface="Calibri"/>
+                <a:hlinkClick r:id="rId35"/>
+              </a:rPr>
+              <a:t> </a:t>
+            </a:r>
+            <a:r>
+              <a:rPr b="1" lang="en-US" sz="2800" spc="41" strike="noStrike" u="sng">
+                <a:solidFill>
+                  <a:srgbClr val="f49100"/>
+                </a:solidFill>
+                <a:uFillTx/>
+                <a:latin typeface="Times New Roman"/>
+                <a:ea typeface="Calibri"/>
+                <a:hlinkClick r:id="rId36"/>
+              </a:rPr>
+              <a:t>trợ</a:t>
+            </a:r>
+            <a:r>
+              <a:rPr b="1" lang="en-US" sz="2800" spc="41" strike="noStrike" u="sng">
+                <a:solidFill>
+                  <a:srgbClr val="f49100"/>
+                </a:solidFill>
+                <a:uFillTx/>
+                <a:latin typeface="Times New Roman"/>
+                <a:ea typeface="Calibri"/>
+                <a:hlinkClick r:id="rId37"/>
+              </a:rPr>
+              <a:t> &amp; </a:t>
+            </a:r>
+            <a:r>
+              <a:rPr b="1" lang="en-US" sz="2800" spc="41" strike="noStrike" u="sng">
+                <a:solidFill>
+                  <a:srgbClr val="f49100"/>
+                </a:solidFill>
+                <a:uFillTx/>
+                <a:latin typeface="Times New Roman"/>
+                <a:ea typeface="Calibri"/>
+                <a:hlinkClick r:id="rId38"/>
+              </a:rPr>
+              <a:t>chăm</a:t>
+            </a:r>
+            <a:r>
+              <a:rPr b="1" lang="en-US" sz="2800" spc="41" strike="noStrike" u="sng">
+                <a:solidFill>
+                  <a:srgbClr val="f49100"/>
+                </a:solidFill>
+                <a:uFillTx/>
+                <a:latin typeface="Times New Roman"/>
+                <a:ea typeface="Calibri"/>
+                <a:hlinkClick r:id="rId39"/>
+              </a:rPr>
+              <a:t> </a:t>
+            </a:r>
+            <a:r>
+              <a:rPr b="1" lang="en-US" sz="2800" spc="41" strike="noStrike" u="sng">
+                <a:solidFill>
+                  <a:srgbClr val="f49100"/>
+                </a:solidFill>
+                <a:uFillTx/>
+                <a:latin typeface="Times New Roman"/>
+                <a:ea typeface="Calibri"/>
+                <a:hlinkClick r:id="rId40"/>
+              </a:rPr>
+              <a:t>sóc</a:t>
+            </a:r>
+            <a:r>
+              <a:rPr b="1" lang="en-US" sz="2800" spc="41" strike="noStrike" u="sng">
+                <a:solidFill>
+                  <a:srgbClr val="f49100"/>
+                </a:solidFill>
+                <a:uFillTx/>
+                <a:latin typeface="Times New Roman"/>
+                <a:ea typeface="Calibri"/>
+                <a:hlinkClick r:id="rId41"/>
+              </a:rPr>
+              <a:t> </a:t>
+            </a:r>
+            <a:r>
+              <a:rPr b="1" lang="en-US" sz="2800" spc="41" strike="noStrike" u="sng">
+                <a:solidFill>
+                  <a:srgbClr val="f49100"/>
+                </a:solidFill>
+                <a:uFillTx/>
+                <a:latin typeface="Times New Roman"/>
+                <a:ea typeface="Calibri"/>
+                <a:hlinkClick r:id="rId42"/>
+              </a:rPr>
+              <a:t>khách</a:t>
+            </a:r>
+            <a:r>
+              <a:rPr b="1" lang="en-US" sz="2800" spc="41" strike="noStrike" u="sng">
+                <a:solidFill>
+                  <a:srgbClr val="f49100"/>
+                </a:solidFill>
+                <a:uFillTx/>
+                <a:latin typeface="Times New Roman"/>
+                <a:ea typeface="Calibri"/>
+                <a:hlinkClick r:id="rId43"/>
+              </a:rPr>
+              <a:t> </a:t>
+            </a:r>
+            <a:r>
+              <a:rPr b="1" lang="en-US" sz="2800" spc="41" strike="noStrike" u="sng">
+                <a:solidFill>
+                  <a:srgbClr val="f49100"/>
+                </a:solidFill>
+                <a:uFillTx/>
+                <a:latin typeface="Times New Roman"/>
+                <a:ea typeface="Calibri"/>
+                <a:hlinkClick r:id="rId44"/>
+              </a:rPr>
+              <a:t>hàng</a:t>
+            </a:r>
+            <a:endParaRPr b="0" lang="en-US" sz="2800" spc="-1" strike="noStrike">
+              <a:latin typeface="Arial"/>
+            </a:endParaRPr>
+          </a:p>
+          <a:p>
+            <a:pPr>
+              <a:lnSpc>
+                <a:spcPct val="90000"/>
+              </a:lnSpc>
+              <a:spcBef>
+                <a:spcPts val="1001"/>
+              </a:spcBef>
+            </a:pPr>
+            <a:r>
+              <a:rPr b="0" lang="en-US" sz="2800" spc="-1" strike="noStrike">
+                <a:solidFill>
+                  <a:srgbClr val="000000"/>
+                </a:solidFill>
+                <a:latin typeface="Times New Roman"/>
+                <a:ea typeface="Calibri"/>
+              </a:rPr>
+              <a:t>- </a:t>
+            </a:r>
+            <a:r>
+              <a:rPr b="1" lang="en-US" sz="2800" spc="41" strike="noStrike" u="sng">
+                <a:solidFill>
+                  <a:srgbClr val="f49100"/>
+                </a:solidFill>
+                <a:uFillTx/>
+                <a:latin typeface="Times New Roman"/>
+                <a:ea typeface="Calibri"/>
+                <a:hlinkClick r:id="rId45"/>
+              </a:rPr>
+              <a:t>Quản</a:t>
+            </a:r>
+            <a:r>
+              <a:rPr b="1" lang="en-US" sz="2800" spc="41" strike="noStrike" u="sng">
+                <a:solidFill>
+                  <a:srgbClr val="f49100"/>
+                </a:solidFill>
+                <a:uFillTx/>
+                <a:latin typeface="Times New Roman"/>
+                <a:ea typeface="Calibri"/>
+                <a:hlinkClick r:id="rId46"/>
+              </a:rPr>
+              <a:t> </a:t>
+            </a:r>
+            <a:r>
+              <a:rPr b="1" lang="en-US" sz="2800" spc="41" strike="noStrike" u="sng">
+                <a:solidFill>
+                  <a:srgbClr val="f49100"/>
+                </a:solidFill>
+                <a:uFillTx/>
+                <a:latin typeface="Times New Roman"/>
+                <a:ea typeface="Calibri"/>
+                <a:hlinkClick r:id="rId47"/>
+              </a:rPr>
+              <a:t>lý</a:t>
+            </a:r>
+            <a:r>
+              <a:rPr b="1" lang="en-US" sz="2800" spc="41" strike="noStrike" u="sng">
+                <a:solidFill>
+                  <a:srgbClr val="f49100"/>
+                </a:solidFill>
+                <a:uFillTx/>
+                <a:latin typeface="Times New Roman"/>
+                <a:ea typeface="Calibri"/>
+                <a:hlinkClick r:id="rId48"/>
+              </a:rPr>
+              <a:t> </a:t>
+            </a:r>
+            <a:r>
+              <a:rPr b="1" lang="en-US" sz="2800" spc="41" strike="noStrike" u="sng">
+                <a:solidFill>
+                  <a:srgbClr val="f49100"/>
+                </a:solidFill>
+                <a:uFillTx/>
+                <a:latin typeface="Times New Roman"/>
+                <a:ea typeface="Calibri"/>
+                <a:hlinkClick r:id="rId49"/>
+              </a:rPr>
+              <a:t>văn</a:t>
+            </a:r>
+            <a:r>
+              <a:rPr b="1" lang="en-US" sz="2800" spc="41" strike="noStrike" u="sng">
+                <a:solidFill>
+                  <a:srgbClr val="f49100"/>
+                </a:solidFill>
+                <a:uFillTx/>
+                <a:latin typeface="Times New Roman"/>
+                <a:ea typeface="Calibri"/>
+                <a:hlinkClick r:id="rId50"/>
+              </a:rPr>
+              <a:t> </a:t>
+            </a:r>
+            <a:r>
+              <a:rPr b="1" lang="en-US" sz="2800" spc="41" strike="noStrike" u="sng">
+                <a:solidFill>
+                  <a:srgbClr val="f49100"/>
+                </a:solidFill>
+                <a:uFillTx/>
+                <a:latin typeface="Times New Roman"/>
+                <a:ea typeface="Calibri"/>
+                <a:hlinkClick r:id="rId51"/>
+              </a:rPr>
+              <a:t>bản</a:t>
+            </a:r>
+            <a:r>
+              <a:rPr b="1" lang="en-US" sz="2800" spc="41" strike="noStrike" u="sng">
+                <a:solidFill>
+                  <a:srgbClr val="f49100"/>
+                </a:solidFill>
+                <a:uFillTx/>
+                <a:latin typeface="Times New Roman"/>
+                <a:ea typeface="Calibri"/>
+                <a:hlinkClick r:id="rId52"/>
+              </a:rPr>
+              <a:t> &amp; </a:t>
+            </a:r>
+            <a:r>
+              <a:rPr b="1" lang="en-US" sz="2800" spc="41" strike="noStrike" u="sng">
+                <a:solidFill>
+                  <a:srgbClr val="f49100"/>
+                </a:solidFill>
+                <a:uFillTx/>
+                <a:latin typeface="Times New Roman"/>
+                <a:ea typeface="Calibri"/>
+                <a:hlinkClick r:id="rId53"/>
+              </a:rPr>
+              <a:t>tài</a:t>
+            </a:r>
+            <a:r>
+              <a:rPr b="1" lang="en-US" sz="2800" spc="41" strike="noStrike" u="sng">
+                <a:solidFill>
+                  <a:srgbClr val="f49100"/>
+                </a:solidFill>
+                <a:uFillTx/>
+                <a:latin typeface="Times New Roman"/>
+                <a:ea typeface="Calibri"/>
+                <a:hlinkClick r:id="rId54"/>
+              </a:rPr>
+              <a:t> </a:t>
+            </a:r>
+            <a:r>
+              <a:rPr b="1" lang="en-US" sz="2800" spc="41" strike="noStrike" u="sng">
+                <a:solidFill>
+                  <a:srgbClr val="f49100"/>
+                </a:solidFill>
+                <a:uFillTx/>
+                <a:latin typeface="Times New Roman"/>
+                <a:ea typeface="Calibri"/>
+                <a:hlinkClick r:id="rId55"/>
+              </a:rPr>
+              <a:t>liệu</a:t>
+            </a:r>
+            <a:endParaRPr b="0" lang="en-US" sz="2800" spc="-1" strike="noStrike">
+              <a:latin typeface="Arial"/>
+            </a:endParaRPr>
+          </a:p>
+          <a:p>
+            <a:pPr>
+              <a:lnSpc>
+                <a:spcPct val="90000"/>
+              </a:lnSpc>
+              <a:spcBef>
+                <a:spcPts val="1001"/>
+              </a:spcBef>
+            </a:pPr>
+            <a:r>
+              <a:rPr b="0" lang="en-US" sz="2800" spc="-1" strike="noStrike">
+                <a:solidFill>
+                  <a:srgbClr val="000000"/>
+                </a:solidFill>
+                <a:latin typeface="Times New Roman"/>
+                <a:ea typeface="Calibri"/>
+              </a:rPr>
+              <a:t>- </a:t>
+            </a:r>
+            <a:r>
+              <a:rPr b="1" lang="en-US" sz="2800" spc="41" strike="noStrike" u="sng">
+                <a:solidFill>
+                  <a:srgbClr val="f49100"/>
+                </a:solidFill>
+                <a:uFillTx/>
+                <a:latin typeface="Times New Roman"/>
+                <a:ea typeface="Calibri"/>
+                <a:hlinkClick r:id="rId56"/>
+              </a:rPr>
+              <a:t>Thống</a:t>
+            </a:r>
+            <a:r>
+              <a:rPr b="1" lang="en-US" sz="2800" spc="41" strike="noStrike" u="sng">
+                <a:solidFill>
+                  <a:srgbClr val="f49100"/>
+                </a:solidFill>
+                <a:uFillTx/>
+                <a:latin typeface="Times New Roman"/>
+                <a:ea typeface="Calibri"/>
+                <a:hlinkClick r:id="rId57"/>
+              </a:rPr>
+              <a:t> </a:t>
+            </a:r>
+            <a:r>
+              <a:rPr b="1" lang="en-US" sz="2800" spc="41" strike="noStrike" u="sng">
+                <a:solidFill>
+                  <a:srgbClr val="f49100"/>
+                </a:solidFill>
+                <a:uFillTx/>
+                <a:latin typeface="Times New Roman"/>
+                <a:ea typeface="Calibri"/>
+                <a:hlinkClick r:id="rId58"/>
+              </a:rPr>
+              <a:t>kê</a:t>
+            </a:r>
+            <a:r>
+              <a:rPr b="1" lang="en-US" sz="2800" spc="41" strike="noStrike" u="sng">
+                <a:solidFill>
+                  <a:srgbClr val="f49100"/>
+                </a:solidFill>
+                <a:uFillTx/>
+                <a:latin typeface="Times New Roman"/>
+                <a:ea typeface="Calibri"/>
+                <a:hlinkClick r:id="rId59"/>
+              </a:rPr>
+              <a:t> &amp; </a:t>
+            </a:r>
+            <a:r>
+              <a:rPr b="1" lang="en-US" sz="2800" spc="41" strike="noStrike" u="sng">
+                <a:solidFill>
+                  <a:srgbClr val="f49100"/>
+                </a:solidFill>
+                <a:uFillTx/>
+                <a:latin typeface="Times New Roman"/>
+                <a:ea typeface="Calibri"/>
+                <a:hlinkClick r:id="rId60"/>
+              </a:rPr>
+              <a:t>báo</a:t>
+            </a:r>
+            <a:r>
+              <a:rPr b="1" lang="en-US" sz="2800" spc="41" strike="noStrike" u="sng">
+                <a:solidFill>
+                  <a:srgbClr val="f49100"/>
+                </a:solidFill>
+                <a:uFillTx/>
+                <a:latin typeface="Times New Roman"/>
+                <a:ea typeface="Calibri"/>
+                <a:hlinkClick r:id="rId61"/>
+              </a:rPr>
+              <a:t> </a:t>
+            </a:r>
+            <a:r>
+              <a:rPr b="1" lang="en-US" sz="2800" spc="41" strike="noStrike" u="sng">
+                <a:solidFill>
+                  <a:srgbClr val="f49100"/>
+                </a:solidFill>
+                <a:uFillTx/>
+                <a:latin typeface="Times New Roman"/>
+                <a:ea typeface="Calibri"/>
+                <a:hlinkClick r:id="rId62"/>
+              </a:rPr>
+              <a:t>cáo</a:t>
+            </a:r>
+            <a:endParaRPr b="0" lang="en-US" sz="2800" spc="-1" strike="noStrike">
+              <a:latin typeface="Arial"/>
+            </a:endParaRPr>
+          </a:p>
+        </p:txBody>
+      </p:sp>
+      <p:sp>
+        <p:nvSpPr>
+          <p:cNvPr id="160" name="CustomShape 4"/>
+          <p:cNvSpPr/>
+          <p:nvPr/>
+        </p:nvSpPr>
+        <p:spPr>
+          <a:xfrm>
+            <a:off x="8610480" y="6356520"/>
+            <a:ext cx="2741760" cy="363600"/>
+          </a:xfrm>
+          <a:prstGeom prst="rect">
+            <a:avLst/>
+          </a:prstGeom>
+          <a:noFill/>
+          <a:ln>
+            <a:noFill/>
+          </a:ln>
+        </p:spPr>
+        <p:style>
+          <a:lnRef idx="0"/>
+          <a:fillRef idx="0"/>
+          <a:effectRef idx="0"/>
+          <a:fontRef idx="minor"/>
+        </p:style>
+        <p:txBody>
+          <a:bodyPr lIns="90000" rIns="90000" tIns="45000" bIns="45000" anchor="ctr"/>
+          <a:p>
+            <a:pPr algn="r">
+              <a:lnSpc>
+                <a:spcPct val="100000"/>
+              </a:lnSpc>
+            </a:pPr>
+            <a:fld id="{C28D2E14-821A-46B2-AFF3-A32277CD8B08}" type="slidenum">
+              <a:rPr b="0" lang="en-US" sz="1200" spc="-1" strike="noStrike">
+                <a:solidFill>
+                  <a:srgbClr val="8b8b8b"/>
+                </a:solidFill>
+                <a:latin typeface="Calibri"/>
+                <a:ea typeface="DejaVu Sans"/>
+              </a:rPr>
+              <a:t>&lt;number&gt;</a:t>
+            </a:fld>
+            <a:endParaRPr b="0" lang="en-US" sz="1200" spc="-1" strike="noStrike">
+              <a:latin typeface="Arial"/>
+            </a:endParaRPr>
+          </a:p>
+        </p:txBody>
+      </p:sp>
+      <p:sp>
+        <p:nvSpPr>
+          <p:cNvPr id="161" name="CustomShape 5"/>
+          <p:cNvSpPr/>
+          <p:nvPr/>
+        </p:nvSpPr>
+        <p:spPr>
+          <a:xfrm>
+            <a:off x="8463240" y="0"/>
+            <a:ext cx="3727440" cy="1166040"/>
+          </a:xfrm>
+          <a:prstGeom prst="rect">
+            <a:avLst/>
+          </a:prstGeom>
+          <a:solidFill>
+            <a:schemeClr val="tx1">
+              <a:lumMod val="95000"/>
+              <a:lumOff val="5000"/>
+            </a:schemeClr>
+          </a:solidFill>
+          <a:ln>
+            <a:noFill/>
+          </a:ln>
+        </p:spPr>
+        <p:style>
+          <a:lnRef idx="0"/>
+          <a:fillRef idx="0"/>
+          <a:effectRef idx="0"/>
+          <a:fontRef idx="minor"/>
+        </p:style>
+        <p:txBody>
+          <a:bodyPr lIns="90000" rIns="90000" tIns="45000" bIns="45000" anchor="ctr">
+            <a:normAutofit/>
+          </a:bodyPr>
+          <a:p>
+            <a:pPr marL="343080" indent="-341640">
+              <a:lnSpc>
+                <a:spcPct val="90000"/>
+              </a:lnSpc>
+              <a:buClr>
+                <a:srgbClr val="ffffff"/>
+              </a:buClr>
+              <a:buFont typeface="StarSymbol"/>
+              <a:buAutoNum type="arabicPeriod"/>
+            </a:pPr>
+            <a:r>
+              <a:rPr b="1" lang="en-US" sz="1800" spc="-1" strike="noStrike">
+                <a:solidFill>
+                  <a:srgbClr val="ffffff"/>
+                </a:solidFill>
+                <a:latin typeface="Arial"/>
+                <a:ea typeface="DejaVu Sans"/>
+              </a:rPr>
+              <a:t>Mô tả</a:t>
+            </a:r>
+            <a:endParaRPr b="0" lang="en-US" sz="1800" spc="-1" strike="noStrike">
+              <a:latin typeface="Arial"/>
+            </a:endParaRPr>
+          </a:p>
+          <a:p>
+            <a:pPr marL="343080" indent="-341640">
+              <a:lnSpc>
+                <a:spcPct val="90000"/>
+              </a:lnSpc>
+              <a:buClr>
+                <a:srgbClr val="767171"/>
+              </a:buClr>
+              <a:buFont typeface="StarSymbol"/>
+              <a:buAutoNum type="arabicPeriod"/>
+            </a:pPr>
+            <a:r>
+              <a:rPr b="1" lang="en-US" sz="1800" spc="-1" strike="noStrike">
+                <a:solidFill>
+                  <a:srgbClr val="767171"/>
+                </a:solidFill>
+                <a:latin typeface="Arial"/>
+                <a:ea typeface="DejaVu Sans"/>
+              </a:rPr>
+              <a:t>Giao diện phần mềm</a:t>
+            </a:r>
+            <a:endParaRPr b="0" lang="en-US" sz="1800" spc="-1" strike="noStrike">
+              <a:latin typeface="Arial"/>
+            </a:endParaRPr>
+          </a:p>
+          <a:p>
+            <a:pPr marL="343080" indent="-341640">
+              <a:lnSpc>
+                <a:spcPct val="90000"/>
+              </a:lnSpc>
+              <a:buClr>
+                <a:srgbClr val="767171"/>
+              </a:buClr>
+              <a:buFont typeface="StarSymbol"/>
+              <a:buAutoNum type="arabicPeriod"/>
+            </a:pPr>
+            <a:r>
+              <a:rPr b="1" lang="en-US" sz="1800" spc="-1" strike="noStrike">
+                <a:solidFill>
+                  <a:srgbClr val="767171"/>
+                </a:solidFill>
+                <a:latin typeface="Arial"/>
+                <a:ea typeface="DejaVu Sans"/>
+              </a:rPr>
+              <a:t>Kết quả</a:t>
+            </a:r>
+            <a:endParaRPr b="0" lang="en-US" sz="1800" spc="-1" strike="noStrike">
+              <a:latin typeface="Arial"/>
+            </a:endParaRPr>
+          </a:p>
+          <a:p>
+            <a:pPr marL="343080" indent="-341640">
+              <a:lnSpc>
+                <a:spcPct val="90000"/>
+              </a:lnSpc>
+              <a:buClr>
+                <a:srgbClr val="767171"/>
+              </a:buClr>
+              <a:buFont typeface="StarSymbol"/>
+              <a:buAutoNum type="arabicPeriod"/>
+            </a:pPr>
+            <a:r>
+              <a:rPr b="1" lang="en-US" sz="1800" spc="-1" strike="noStrike">
+                <a:solidFill>
+                  <a:srgbClr val="767171"/>
+                </a:solidFill>
+                <a:latin typeface="Arial"/>
+                <a:ea typeface="DejaVu Sans"/>
+              </a:rPr>
+              <a:t>Kết luận</a:t>
+            </a:r>
+            <a:endParaRPr b="0" lang="en-US" sz="1800" spc="-1" strike="noStrike">
+              <a:latin typeface="Arial"/>
+            </a:endParaRPr>
+          </a:p>
+        </p:txBody>
+      </p:sp>
+    </p:spTree>
+  </p:cSld>
+  <p:timing>
+    <p:tnLst>
+      <p:par>
+        <p:cTn id="13" dur="indefinite" restart="never" nodeType="tmRoot">
+          <p:childTnLst>
+            <p:seq>
+              <p:cTn id="14" dur="indefinite" nodeType="mainSeq"/>
+              <p:prevCondLst>
+                <p:cond delay="0" evt="onPrev">
+                  <p:tgtEl>
+                    <p:sldTgt/>
+                  </p:tgtEl>
+                </p:cond>
+              </p:prevCondLst>
+              <p:nextCondLst>
+                <p:cond delay="0" evt="onNext">
+                  <p:tgtEl>
+                    <p:sldTgt/>
+                  </p:tgtEl>
+                </p:cond>
+              </p:nextCondLst>
+            </p:seq>
+          </p:childTnLst>
+        </p:cTn>
+      </p:par>
+    </p:tnLst>
+  </p:timing>
+</p:sld>
+</file>
+
+<file path=ppt/slides/slide8.xml><?xml version="1.0" encoding="utf-8"?>
+<p:sld xmlns:a="http://schemas.openxmlformats.org/drawingml/2006/main" xmlns:p="http://schemas.openxmlformats.org/presentationml/2006/main" xmlns:r="http://schemas.openxmlformats.org/officeDocument/2006/relationships" xmlns:p14="http://schemas.microsoft.com/office/powerpoint/2010/main" xmlns:p15="http://schemas.microsoft.com/office/powerpoint/2012/main" xmlns:mc="http://schemas.openxmlformats.org/markup-compatibility/2006">
+  <p:cSld>
+    <p:spTree>
+      <p:nvGrpSpPr>
+        <p:cNvPr id="1" name=""/>
+        <p:cNvGrpSpPr/>
+        <p:nvPr/>
+      </p:nvGrpSpPr>
+      <p:grpSpPr>
+        <a:xfrm>
+          <a:off x="0" y="0"/>
+          <a:ext cx="0" cy="0"/>
+          <a:chOff x="0" y="0"/>
+          <a:chExt cx="0" cy="0"/>
+        </a:xfrm>
+      </p:grpSpPr>
+      <p:sp>
+        <p:nvSpPr>
+          <p:cNvPr id="162" name="CustomShape 1"/>
+          <p:cNvSpPr/>
+          <p:nvPr/>
+        </p:nvSpPr>
+        <p:spPr>
+          <a:xfrm>
+            <a:off x="0" y="0"/>
+            <a:ext cx="8461800" cy="1166040"/>
+          </a:xfrm>
+          <a:prstGeom prst="rect">
+            <a:avLst/>
+          </a:prstGeom>
+          <a:solidFill>
+            <a:srgbClr val="4472c4"/>
+          </a:solidFill>
+          <a:ln>
+            <a:noFill/>
+          </a:ln>
+        </p:spPr>
+        <p:style>
+          <a:lnRef idx="0"/>
+          <a:fillRef idx="0"/>
+          <a:effectRef idx="0"/>
+          <a:fontRef idx="minor"/>
+        </p:style>
+        <p:txBody>
+          <a:bodyPr lIns="90000" rIns="90000" tIns="45000" bIns="45000" anchor="ctr">
+            <a:normAutofit/>
+          </a:bodyPr>
+          <a:p>
+            <a:pPr algn="ctr">
+              <a:lnSpc>
+                <a:spcPct val="90000"/>
+              </a:lnSpc>
+            </a:pPr>
+            <a:r>
+              <a:rPr b="1" lang="en-US" sz="3200" spc="-1" strike="noStrike">
+                <a:solidFill>
+                  <a:srgbClr val="ffffff"/>
+                </a:solidFill>
+                <a:latin typeface="Arial"/>
+                <a:ea typeface="DejaVu Sans"/>
+              </a:rPr>
+              <a:t>Báo cáo đồ án học phần PMMNM</a:t>
+            </a:r>
+            <a:endParaRPr b="0" lang="en-US" sz="3200" spc="-1" strike="noStrike">
+              <a:latin typeface="Arial"/>
+            </a:endParaRPr>
+          </a:p>
+        </p:txBody>
+      </p:sp>
+      <p:sp>
+        <p:nvSpPr>
+          <p:cNvPr id="163" name="CustomShape 2"/>
+          <p:cNvSpPr/>
+          <p:nvPr/>
+        </p:nvSpPr>
+        <p:spPr>
+          <a:xfrm>
+            <a:off x="0" y="1567440"/>
+            <a:ext cx="12190680" cy="621000"/>
+          </a:xfrm>
+          <a:prstGeom prst="rect">
+            <a:avLst/>
+          </a:prstGeom>
+          <a:noFill/>
+          <a:ln>
+            <a:noFill/>
+          </a:ln>
+        </p:spPr>
+        <p:style>
+          <a:lnRef idx="0"/>
+          <a:fillRef idx="0"/>
+          <a:effectRef idx="0"/>
+          <a:fontRef idx="minor"/>
+        </p:style>
+        <p:txBody>
+          <a:bodyPr lIns="90000" rIns="90000" tIns="45000" bIns="45000"/>
+          <a:p>
+            <a:pPr>
+              <a:lnSpc>
+                <a:spcPct val="90000"/>
+              </a:lnSpc>
+              <a:spcBef>
+                <a:spcPts val="1001"/>
+              </a:spcBef>
+            </a:pPr>
+            <a:r>
+              <a:rPr b="1" lang="en-US" sz="2800" spc="-1" strike="noStrike">
+                <a:solidFill>
+                  <a:srgbClr val="000000"/>
+                </a:solidFill>
+                <a:latin typeface="Arial"/>
+                <a:ea typeface="DejaVu Sans"/>
+              </a:rPr>
+              <a:t>	</a:t>
+            </a:r>
+            <a:r>
+              <a:rPr b="1" lang="en-US" sz="3200" spc="-1" strike="noStrike">
+                <a:solidFill>
+                  <a:srgbClr val="000000"/>
+                </a:solidFill>
+                <a:latin typeface="Arial"/>
+                <a:ea typeface="DejaVu Sans"/>
+              </a:rPr>
+              <a:t>2. Giao diện phần mềm</a:t>
+            </a:r>
+            <a:endParaRPr b="0" lang="en-US" sz="3200" spc="-1" strike="noStrike">
+              <a:latin typeface="Arial"/>
+            </a:endParaRPr>
+          </a:p>
+        </p:txBody>
+      </p:sp>
+      <p:sp>
+        <p:nvSpPr>
+          <p:cNvPr id="164" name="CustomShape 3"/>
+          <p:cNvSpPr/>
+          <p:nvPr/>
+        </p:nvSpPr>
+        <p:spPr>
+          <a:xfrm>
+            <a:off x="0" y="2395800"/>
+            <a:ext cx="12190680" cy="3809160"/>
+          </a:xfrm>
+          <a:prstGeom prst="rect">
+            <a:avLst/>
+          </a:prstGeom>
+          <a:noFill/>
+          <a:ln>
+            <a:noFill/>
+          </a:ln>
+        </p:spPr>
+        <p:style>
+          <a:lnRef idx="0"/>
+          <a:fillRef idx="0"/>
+          <a:effectRef idx="0"/>
+          <a:fontRef idx="minor"/>
+        </p:style>
+        <p:txBody>
+          <a:bodyPr lIns="90000" rIns="90000" tIns="45000" bIns="45000"/>
+          <a:p>
+            <a:pPr algn="just">
+              <a:lnSpc>
+                <a:spcPct val="200000"/>
+              </a:lnSpc>
+              <a:spcBef>
+                <a:spcPts val="1001"/>
+              </a:spcBef>
+            </a:pPr>
+            <a:r>
+              <a:rPr b="0" lang="en-US" sz="3000" spc="-1" strike="noStrike">
+                <a:solidFill>
+                  <a:srgbClr val="000000"/>
+                </a:solidFill>
+                <a:latin typeface="Calibri"/>
+                <a:ea typeface="DejaVu Sans"/>
+              </a:rPr>
+              <a:t>	</a:t>
+            </a:r>
+            <a:endParaRPr b="0" lang="en-US" sz="3000" spc="-1" strike="noStrike">
+              <a:latin typeface="Arial"/>
+            </a:endParaRPr>
+          </a:p>
+        </p:txBody>
+      </p:sp>
+      <p:sp>
+        <p:nvSpPr>
+          <p:cNvPr id="165" name="CustomShape 4"/>
+          <p:cNvSpPr/>
+          <p:nvPr/>
+        </p:nvSpPr>
+        <p:spPr>
+          <a:xfrm>
+            <a:off x="8610480" y="6356520"/>
+            <a:ext cx="2741760" cy="363600"/>
+          </a:xfrm>
+          <a:prstGeom prst="rect">
+            <a:avLst/>
+          </a:prstGeom>
+          <a:noFill/>
+          <a:ln>
+            <a:noFill/>
+          </a:ln>
+        </p:spPr>
+        <p:style>
+          <a:lnRef idx="0"/>
+          <a:fillRef idx="0"/>
+          <a:effectRef idx="0"/>
+          <a:fontRef idx="minor"/>
+        </p:style>
+        <p:txBody>
+          <a:bodyPr lIns="90000" rIns="90000" tIns="45000" bIns="45000" anchor="ctr"/>
+          <a:p>
+            <a:pPr algn="r">
+              <a:lnSpc>
+                <a:spcPct val="100000"/>
+              </a:lnSpc>
+            </a:pPr>
+            <a:fld id="{91837EBC-D4B6-482D-874D-E71361CDFB36}" type="slidenum">
+              <a:rPr b="0" lang="en-US" sz="1200" spc="-1" strike="noStrike">
+                <a:solidFill>
+                  <a:srgbClr val="8b8b8b"/>
+                </a:solidFill>
+                <a:latin typeface="Calibri"/>
+                <a:ea typeface="DejaVu Sans"/>
+              </a:rPr>
+              <a:t>&lt;number&gt;</a:t>
+            </a:fld>
+            <a:endParaRPr b="0" lang="en-US" sz="1200" spc="-1" strike="noStrike">
+              <a:latin typeface="Arial"/>
+            </a:endParaRPr>
+          </a:p>
+        </p:txBody>
+      </p:sp>
+      <p:sp>
+        <p:nvSpPr>
+          <p:cNvPr id="166" name="CustomShape 5"/>
+          <p:cNvSpPr/>
+          <p:nvPr/>
+        </p:nvSpPr>
+        <p:spPr>
+          <a:xfrm>
+            <a:off x="8463240" y="0"/>
+            <a:ext cx="3727440" cy="1166040"/>
+          </a:xfrm>
+          <a:prstGeom prst="rect">
+            <a:avLst/>
+          </a:prstGeom>
+          <a:solidFill>
+            <a:schemeClr val="tx1">
+              <a:lumMod val="95000"/>
+              <a:lumOff val="5000"/>
+            </a:schemeClr>
+          </a:solidFill>
+          <a:ln>
+            <a:noFill/>
+          </a:ln>
+        </p:spPr>
+        <p:style>
+          <a:lnRef idx="0"/>
+          <a:fillRef idx="0"/>
+          <a:effectRef idx="0"/>
+          <a:fontRef idx="minor"/>
+        </p:style>
+        <p:txBody>
+          <a:bodyPr lIns="90000" rIns="90000" tIns="45000" bIns="45000" anchor="ctr">
+            <a:normAutofit/>
+          </a:bodyPr>
+          <a:p>
+            <a:pPr marL="720">
+              <a:lnSpc>
+                <a:spcPct val="90000"/>
+              </a:lnSpc>
+            </a:pPr>
+            <a:r>
+              <a:rPr b="1" lang="en-US" sz="1800" spc="-1" strike="noStrike">
+                <a:solidFill>
+                  <a:srgbClr val="808080"/>
+                </a:solidFill>
+                <a:latin typeface="Arial"/>
+                <a:ea typeface="DejaVu Sans"/>
+              </a:rPr>
+              <a:t>1.   Mô tả</a:t>
+            </a:r>
+            <a:endParaRPr b="0" lang="en-US" sz="1800" spc="-1" strike="noStrike">
+              <a:latin typeface="Arial"/>
+            </a:endParaRPr>
+          </a:p>
+          <a:p>
+            <a:pPr marL="720">
+              <a:lnSpc>
+                <a:spcPct val="90000"/>
+              </a:lnSpc>
+            </a:pPr>
+            <a:r>
+              <a:rPr b="1" lang="en-US" sz="1800" spc="-1" strike="noStrike">
+                <a:solidFill>
+                  <a:srgbClr val="ffffff"/>
+                </a:solidFill>
+                <a:latin typeface="Arial"/>
+                <a:ea typeface="DejaVu Sans"/>
+              </a:rPr>
+              <a:t>2.   Giao diện phần mềm</a:t>
+            </a:r>
+            <a:endParaRPr b="0" lang="en-US" sz="1800" spc="-1" strike="noStrike">
+              <a:latin typeface="Arial"/>
+            </a:endParaRPr>
+          </a:p>
+          <a:p>
+            <a:pPr marL="720">
+              <a:lnSpc>
+                <a:spcPct val="90000"/>
+              </a:lnSpc>
+            </a:pPr>
+            <a:r>
+              <a:rPr b="1" lang="en-US" sz="1800" spc="-1" strike="noStrike">
+                <a:solidFill>
+                  <a:srgbClr val="767171"/>
+                </a:solidFill>
+                <a:latin typeface="Arial"/>
+                <a:ea typeface="DejaVu Sans"/>
+              </a:rPr>
+              <a:t>3.   Kết quả</a:t>
+            </a:r>
+            <a:endParaRPr b="0" lang="en-US" sz="1800" spc="-1" strike="noStrike">
+              <a:latin typeface="Arial"/>
+            </a:endParaRPr>
+          </a:p>
+          <a:p>
+            <a:pPr marL="720">
+              <a:lnSpc>
+                <a:spcPct val="90000"/>
+              </a:lnSpc>
+            </a:pPr>
+            <a:r>
+              <a:rPr b="1" lang="en-US" sz="1800" spc="-1" strike="noStrike">
+                <a:solidFill>
+                  <a:srgbClr val="767171"/>
+                </a:solidFill>
+                <a:latin typeface="Arial"/>
+                <a:ea typeface="DejaVu Sans"/>
+              </a:rPr>
+              <a:t>4.   Kết luận</a:t>
+            </a:r>
+            <a:endParaRPr b="0" lang="en-US" sz="1800" spc="-1" strike="noStrike">
+              <a:latin typeface="Arial"/>
+            </a:endParaRPr>
+          </a:p>
+        </p:txBody>
+      </p:sp>
+    </p:spTree>
+  </p:cSld>
+  <p:timing>
+    <p:tnLst>
+      <p:par>
+        <p:cTn id="15" dur="indefinite" restart="never" nodeType="tmRoot">
+          <p:childTnLst>
+            <p:seq>
+              <p:cTn id="16" dur="indefinite" nodeType="mainSeq"/>
+              <p:prevCondLst>
+                <p:cond delay="0" evt="onPrev">
+                  <p:tgtEl>
+                    <p:sldTgt/>
+                  </p:tgtEl>
+                </p:cond>
+              </p:prevCondLst>
+              <p:nextCondLst>
+                <p:cond delay="0" evt="onNext">
+                  <p:tgtEl>
+                    <p:sldTgt/>
+                  </p:tgtEl>
+                </p:cond>
+              </p:nextCondLst>
+            </p:seq>
+          </p:childTnLst>
+        </p:cTn>
+      </p:par>
+    </p:tnLst>
+  </p:timing>
+</p:sld>
+</file>
+
+<file path=ppt/slides/slide9.xml><?xml version="1.0" encoding="utf-8"?>
+<p:sld xmlns:a="http://schemas.openxmlformats.org/drawingml/2006/main" xmlns:p="http://schemas.openxmlformats.org/presentationml/2006/main" xmlns:r="http://schemas.openxmlformats.org/officeDocument/2006/relationships" xmlns:p14="http://schemas.microsoft.com/office/powerpoint/2010/main" xmlns:p15="http://schemas.microsoft.com/office/powerpoint/2012/main" xmlns:mc="http://schemas.openxmlformats.org/markup-compatibility/2006">
+  <p:cSld>
+    <p:spTree>
+      <p:nvGrpSpPr>
+        <p:cNvPr id="1" name=""/>
+        <p:cNvGrpSpPr/>
+        <p:nvPr/>
+      </p:nvGrpSpPr>
+      <p:grpSpPr>
+        <a:xfrm>
+          <a:off x="0" y="0"/>
+          <a:ext cx="0" cy="0"/>
+          <a:chOff x="0" y="0"/>
+          <a:chExt cx="0" cy="0"/>
+        </a:xfrm>
+      </p:grpSpPr>
+      <p:sp>
+        <p:nvSpPr>
+          <p:cNvPr id="167" name="CustomShape 1"/>
+          <p:cNvSpPr/>
+          <p:nvPr/>
+        </p:nvSpPr>
+        <p:spPr>
+          <a:xfrm>
+            <a:off x="0" y="0"/>
+            <a:ext cx="8461800" cy="1166040"/>
+          </a:xfrm>
+          <a:prstGeom prst="rect">
+            <a:avLst/>
+          </a:prstGeom>
+          <a:solidFill>
+            <a:srgbClr val="4472c4"/>
+          </a:solidFill>
+          <a:ln>
+            <a:noFill/>
+          </a:ln>
+        </p:spPr>
+        <p:style>
+          <a:lnRef idx="0"/>
+          <a:fillRef idx="0"/>
+          <a:effectRef idx="0"/>
+          <a:fontRef idx="minor"/>
+        </p:style>
+        <p:txBody>
+          <a:bodyPr lIns="90000" rIns="90000" tIns="45000" bIns="45000" anchor="ctr">
+            <a:normAutofit/>
+          </a:bodyPr>
+          <a:p>
+            <a:pPr algn="ctr">
+              <a:lnSpc>
+                <a:spcPct val="90000"/>
+              </a:lnSpc>
+            </a:pPr>
+            <a:r>
+              <a:rPr b="1" lang="en-US" sz="3200" spc="-1" strike="noStrike">
+                <a:solidFill>
+                  <a:srgbClr val="ffffff"/>
+                </a:solidFill>
+                <a:latin typeface="Arial"/>
+                <a:ea typeface="DejaVu Sans"/>
+              </a:rPr>
+              <a:t>Báo cáo đồ án học phần PMMNM</a:t>
+            </a:r>
+            <a:endParaRPr b="0" lang="en-US" sz="3200" spc="-1" strike="noStrike">
+              <a:latin typeface="Arial"/>
+            </a:endParaRPr>
+          </a:p>
+        </p:txBody>
+      </p:sp>
+      <p:sp>
+        <p:nvSpPr>
+          <p:cNvPr id="168" name="CustomShape 2"/>
+          <p:cNvSpPr/>
+          <p:nvPr/>
+        </p:nvSpPr>
+        <p:spPr>
+          <a:xfrm>
+            <a:off x="0" y="1567440"/>
+            <a:ext cx="12190680" cy="621000"/>
+          </a:xfrm>
+          <a:prstGeom prst="rect">
+            <a:avLst/>
+          </a:prstGeom>
+          <a:noFill/>
+          <a:ln>
+            <a:noFill/>
+          </a:ln>
+        </p:spPr>
+        <p:style>
+          <a:lnRef idx="0"/>
+          <a:fillRef idx="0"/>
+          <a:effectRef idx="0"/>
+          <a:fontRef idx="minor"/>
+        </p:style>
+        <p:txBody>
+          <a:bodyPr lIns="90000" rIns="90000" tIns="45000" bIns="45000"/>
+          <a:p>
+            <a:pPr>
+              <a:lnSpc>
+                <a:spcPct val="90000"/>
+              </a:lnSpc>
+              <a:spcBef>
+                <a:spcPts val="1001"/>
+              </a:spcBef>
+            </a:pPr>
+            <a:r>
+              <a:rPr b="1" lang="en-US" sz="2800" spc="-1" strike="noStrike">
+                <a:solidFill>
+                  <a:srgbClr val="000000"/>
+                </a:solidFill>
+                <a:latin typeface="Arial"/>
+                <a:ea typeface="DejaVu Sans"/>
+              </a:rPr>
+              <a:t>	</a:t>
+            </a:r>
+            <a:r>
+              <a:rPr b="1" lang="en-US" sz="3200" spc="-1" strike="noStrike">
+                <a:solidFill>
+                  <a:srgbClr val="000000"/>
+                </a:solidFill>
+                <a:latin typeface="Arial"/>
+                <a:ea typeface="DejaVu Sans"/>
+              </a:rPr>
+              <a:t>3. Kết quả và chức năng đã xây dựng</a:t>
+            </a:r>
+            <a:endParaRPr b="0" lang="en-US" sz="3200" spc="-1" strike="noStrike">
+              <a:latin typeface="Arial"/>
+            </a:endParaRPr>
+          </a:p>
+        </p:txBody>
+      </p:sp>
+      <p:sp>
+        <p:nvSpPr>
+          <p:cNvPr id="169" name="CustomShape 3"/>
+          <p:cNvSpPr/>
+          <p:nvPr/>
+        </p:nvSpPr>
+        <p:spPr>
+          <a:xfrm>
+            <a:off x="0" y="2395800"/>
+            <a:ext cx="12190680" cy="3809160"/>
+          </a:xfrm>
+          <a:prstGeom prst="rect">
+            <a:avLst/>
+          </a:prstGeom>
+          <a:noFill/>
+          <a:ln>
+            <a:noFill/>
+          </a:ln>
+        </p:spPr>
+        <p:style>
+          <a:lnRef idx="0"/>
+          <a:fillRef idx="0"/>
+          <a:effectRef idx="0"/>
+          <a:fontRef idx="minor"/>
+        </p:style>
+        <p:txBody>
+          <a:bodyPr lIns="90000" rIns="90000" tIns="45000" bIns="45000"/>
+          <a:p>
+            <a:pPr algn="just">
+              <a:lnSpc>
+                <a:spcPct val="200000"/>
+              </a:lnSpc>
+              <a:spcBef>
+                <a:spcPts val="1001"/>
+              </a:spcBef>
+            </a:pPr>
+            <a:r>
+              <a:rPr b="0" lang="en-US" sz="3000" spc="-1" strike="noStrike">
+                <a:solidFill>
+                  <a:srgbClr val="000000"/>
+                </a:solidFill>
+                <a:latin typeface="Calibri"/>
+                <a:ea typeface="DejaVu Sans"/>
+              </a:rPr>
+              <a:t>	</a:t>
+            </a:r>
+            <a:endParaRPr b="0" lang="en-US" sz="3000" spc="-1" strike="noStrike">
+              <a:latin typeface="Arial"/>
+            </a:endParaRPr>
+          </a:p>
+        </p:txBody>
+      </p:sp>
+      <p:sp>
+        <p:nvSpPr>
+          <p:cNvPr id="170" name="CustomShape 4"/>
+          <p:cNvSpPr/>
+          <p:nvPr/>
+        </p:nvSpPr>
+        <p:spPr>
+          <a:xfrm>
+            <a:off x="8610480" y="6356520"/>
+            <a:ext cx="2741760" cy="363600"/>
+          </a:xfrm>
+          <a:prstGeom prst="rect">
+            <a:avLst/>
+          </a:prstGeom>
+          <a:noFill/>
+          <a:ln>
+            <a:noFill/>
+          </a:ln>
+        </p:spPr>
+        <p:style>
+          <a:lnRef idx="0"/>
+          <a:fillRef idx="0"/>
+          <a:effectRef idx="0"/>
+          <a:fontRef idx="minor"/>
+        </p:style>
+        <p:txBody>
+          <a:bodyPr lIns="90000" rIns="90000" tIns="45000" bIns="45000" anchor="ctr"/>
+          <a:p>
+            <a:pPr algn="r">
+              <a:lnSpc>
+                <a:spcPct val="100000"/>
+              </a:lnSpc>
+            </a:pPr>
+            <a:fld id="{499DBAD0-76E3-4D2B-A5F6-09FDF162186D}" type="slidenum">
+              <a:rPr b="0" lang="en-US" sz="1200" spc="-1" strike="noStrike">
+                <a:solidFill>
+                  <a:srgbClr val="8b8b8b"/>
+                </a:solidFill>
+                <a:latin typeface="Calibri"/>
+                <a:ea typeface="DejaVu Sans"/>
+              </a:rPr>
+              <a:t>&lt;number&gt;</a:t>
+            </a:fld>
+            <a:endParaRPr b="0" lang="en-US" sz="1200" spc="-1" strike="noStrike">
+              <a:latin typeface="Arial"/>
+            </a:endParaRPr>
+          </a:p>
+        </p:txBody>
+      </p:sp>
+      <p:sp>
+        <p:nvSpPr>
+          <p:cNvPr id="171" name="CustomShape 5"/>
+          <p:cNvSpPr/>
+          <p:nvPr/>
+        </p:nvSpPr>
+        <p:spPr>
+          <a:xfrm>
+            <a:off x="8462520" y="0"/>
+            <a:ext cx="3727440" cy="1166040"/>
+          </a:xfrm>
+          <a:prstGeom prst="rect">
+            <a:avLst/>
+          </a:prstGeom>
+          <a:solidFill>
+            <a:schemeClr val="tx1">
+              <a:lumMod val="95000"/>
+              <a:lumOff val="5000"/>
+            </a:schemeClr>
+          </a:solidFill>
+          <a:ln>
+            <a:noFill/>
+          </a:ln>
+        </p:spPr>
+        <p:style>
+          <a:lnRef idx="0"/>
+          <a:fillRef idx="0"/>
+          <a:effectRef idx="0"/>
+          <a:fontRef idx="minor"/>
+        </p:style>
+        <p:txBody>
+          <a:bodyPr lIns="90000" rIns="90000" tIns="45000" bIns="45000" anchor="ctr">
+            <a:normAutofit/>
+          </a:bodyPr>
+          <a:p>
+            <a:pPr marL="720">
+              <a:lnSpc>
+                <a:spcPct val="90000"/>
+              </a:lnSpc>
+            </a:pPr>
+            <a:r>
+              <a:rPr b="1" lang="en-US" sz="1800" spc="-1" strike="noStrike">
+                <a:solidFill>
+                  <a:srgbClr val="767171"/>
+                </a:solidFill>
+                <a:latin typeface="Arial"/>
+                <a:ea typeface="DejaVu Sans"/>
+              </a:rPr>
+              <a:t>1.   Mô tả</a:t>
+            </a:r>
+            <a:endParaRPr b="0" lang="en-US" sz="1800" spc="-1" strike="noStrike">
+              <a:latin typeface="Arial"/>
+            </a:endParaRPr>
+          </a:p>
+          <a:p>
+            <a:pPr marL="720">
+              <a:lnSpc>
+                <a:spcPct val="90000"/>
+              </a:lnSpc>
+            </a:pPr>
+            <a:r>
+              <a:rPr b="1" lang="en-US" sz="1800" spc="-1" strike="noStrike">
+                <a:solidFill>
+                  <a:srgbClr val="808080"/>
+                </a:solidFill>
+                <a:latin typeface="Arial"/>
+                <a:ea typeface="DejaVu Sans"/>
+              </a:rPr>
+              <a:t>2.   Giao diện phần mềm</a:t>
+            </a:r>
+            <a:endParaRPr b="0" lang="en-US" sz="1800" spc="-1" strike="noStrike">
+              <a:latin typeface="Arial"/>
+            </a:endParaRPr>
+          </a:p>
+          <a:p>
+            <a:pPr marL="720">
+              <a:lnSpc>
+                <a:spcPct val="90000"/>
+              </a:lnSpc>
+            </a:pPr>
+            <a:r>
+              <a:rPr b="1" lang="en-US" sz="1800" spc="-1" strike="noStrike">
+                <a:solidFill>
+                  <a:srgbClr val="ffffff"/>
+                </a:solidFill>
+                <a:latin typeface="Arial"/>
+                <a:ea typeface="DejaVu Sans"/>
+              </a:rPr>
+              <a:t>3.   Kết quả</a:t>
+            </a:r>
+            <a:endParaRPr b="0" lang="en-US" sz="1800" spc="-1" strike="noStrike">
+              <a:latin typeface="Arial"/>
+            </a:endParaRPr>
+          </a:p>
+          <a:p>
+            <a:pPr marL="720">
+              <a:lnSpc>
+                <a:spcPct val="90000"/>
+              </a:lnSpc>
+            </a:pPr>
+            <a:r>
+              <a:rPr b="1" lang="en-US" sz="1800" spc="-1" strike="noStrike">
+                <a:solidFill>
+                  <a:srgbClr val="767171"/>
+                </a:solidFill>
+                <a:latin typeface="Arial"/>
+                <a:ea typeface="DejaVu Sans"/>
+              </a:rPr>
+              <a:t>4.   Kết luận</a:t>
+            </a:r>
+            <a:endParaRPr b="0" lang="en-US" sz="1800" spc="-1" strike="noStrike">
+              <a:latin typeface="Arial"/>
+            </a:endParaRPr>
+          </a:p>
+        </p:txBody>
+      </p:sp>
+    </p:spTree>
+  </p:cSld>
+  <p:timing>
+    <p:tnLst>
+      <p:par>
+        <p:cTn id="17" dur="indefinite" restart="never" nodeType="tmRoot">
+          <p:childTnLst>
+            <p:seq>
+              <p:cTn id="18" dur="indefinite" nodeType="mainSeq"/>
               <p:prevCondLst>
                 <p:cond delay="0" evt="onPrev">
                   <p:tgtEl>
